--- a/slides/r2-processes.pptx
+++ b/slides/r2-processes.pptx
@@ -6,7 +6,7 @@
     <p:sldMasterId id="2147483972" r:id="rId2"/>
   </p:sldMasterIdLst>
   <p:notesMasterIdLst>
-    <p:notesMasterId r:id="rId48"/>
+    <p:notesMasterId r:id="rId49"/>
   </p:notesMasterIdLst>
   <p:sldIdLst>
     <p:sldId id="327" r:id="rId3"/>
@@ -33,41 +33,39 @@
     <p:sldId id="273" r:id="rId24"/>
     <p:sldId id="317" r:id="rId25"/>
     <p:sldId id="318" r:id="rId26"/>
-    <p:sldId id="274" r:id="rId27"/>
-    <p:sldId id="315" r:id="rId28"/>
-    <p:sldId id="275" r:id="rId29"/>
-    <p:sldId id="334" r:id="rId30"/>
-    <p:sldId id="335" r:id="rId31"/>
-    <p:sldId id="346" r:id="rId32"/>
-    <p:sldId id="299" r:id="rId33"/>
-    <p:sldId id="344" r:id="rId34"/>
-    <p:sldId id="276" r:id="rId35"/>
-    <p:sldId id="322" r:id="rId36"/>
-    <p:sldId id="355" r:id="rId37"/>
-    <p:sldId id="356" r:id="rId38"/>
-    <p:sldId id="282" r:id="rId39"/>
-    <p:sldId id="283" r:id="rId40"/>
-    <p:sldId id="284" r:id="rId41"/>
-    <p:sldId id="324" r:id="rId42"/>
-    <p:sldId id="277" r:id="rId43"/>
-    <p:sldId id="354" r:id="rId44"/>
-    <p:sldId id="345" r:id="rId45"/>
-    <p:sldId id="287" r:id="rId46"/>
-    <p:sldId id="289" r:id="rId47"/>
+    <p:sldId id="323" r:id="rId27"/>
+    <p:sldId id="274" r:id="rId28"/>
+    <p:sldId id="315" r:id="rId29"/>
+    <p:sldId id="275" r:id="rId30"/>
+    <p:sldId id="334" r:id="rId31"/>
+    <p:sldId id="335" r:id="rId32"/>
+    <p:sldId id="346" r:id="rId33"/>
+    <p:sldId id="299" r:id="rId34"/>
+    <p:sldId id="344" r:id="rId35"/>
+    <p:sldId id="276" r:id="rId36"/>
+    <p:sldId id="322" r:id="rId37"/>
+    <p:sldId id="355" r:id="rId38"/>
+    <p:sldId id="356" r:id="rId39"/>
+    <p:sldId id="282" r:id="rId40"/>
+    <p:sldId id="283" r:id="rId41"/>
+    <p:sldId id="284" r:id="rId42"/>
+    <p:sldId id="324" r:id="rId43"/>
+    <p:sldId id="277" r:id="rId44"/>
+    <p:sldId id="354" r:id="rId45"/>
+    <p:sldId id="345" r:id="rId46"/>
+    <p:sldId id="287" r:id="rId47"/>
+    <p:sldId id="289" r:id="rId48"/>
   </p:sldIdLst>
   <p:sldSz cx="9144000" cy="6858000" type="screen4x3"/>
   <p:notesSz cx="6858000" cy="9144000"/>
   <p:embeddedFontLst>
     <p:embeddedFont>
-      <p:font typeface="Calibri" panose="020F0502020204030204" pitchFamily="34" charset="0"/>
-      <p:regular r:id="rId49"/>
-      <p:bold r:id="rId50"/>
-      <p:italic r:id="rId51"/>
-      <p:boldItalic r:id="rId52"/>
+      <p:font typeface="Lucida Sans Unicode" panose="020B0602030504020204" pitchFamily="34" charset="0"/>
+      <p:regular r:id="rId50"/>
     </p:embeddedFont>
     <p:embeddedFont>
       <p:font typeface="Walter Turncoat" panose="020B0604020202020204" charset="0"/>
-      <p:regular r:id="rId53"/>
+      <p:regular r:id="rId51"/>
     </p:embeddedFont>
   </p:embeddedFontLst>
   <p:defaultTextStyle>
@@ -184,63 +182,6 @@
 </p:presentation>
 </file>
 
-<file path=ppt/revisionInfo.xml><?xml version="1.0" encoding="utf-8"?>
-<p1510:revInfo xmlns:a="http://schemas.openxmlformats.org/drawingml/2006/main" xmlns:r="http://schemas.openxmlformats.org/officeDocument/2006/relationships" xmlns:p1510="http://schemas.microsoft.com/office/powerpoint/2015/10/main">
-  <p1510:revLst>
-    <p1510:client id="{A9FC79DD-E572-40A8-AB72-B73EFA6257E0}" v="2" dt="2023-02-23T19:10:08.232"/>
-  </p1510:revLst>
-</p1510:revInfo>
-</file>
-
-<file path=ppt/changesInfos/changesInfo1.xml><?xml version="1.0" encoding="utf-8"?>
-<pc:chgInfo xmlns:a="http://schemas.openxmlformats.org/drawingml/2006/main" xmlns:r="http://schemas.openxmlformats.org/officeDocument/2006/relationships" xmlns:ac="http://schemas.microsoft.com/office/drawing/2013/main/command" xmlns:pc="http://schemas.microsoft.com/office/powerpoint/2013/main/command">
-  <pc:docChgLst>
-    <pc:chgData name="Safa Shehadi" userId="64cad8017936ef3a" providerId="LiveId" clId="{A9FC79DD-E572-40A8-AB72-B73EFA6257E0}"/>
-    <pc:docChg chg="custSel delSld modSld modNotesMaster">
-      <pc:chgData name="Safa Shehadi" userId="64cad8017936ef3a" providerId="LiveId" clId="{A9FC79DD-E572-40A8-AB72-B73EFA6257E0}" dt="2023-02-25T18:43:44.052" v="124" actId="20577"/>
-      <pc:docMkLst>
-        <pc:docMk/>
-      </pc:docMkLst>
-      <pc:sldChg chg="modNotesTx">
-        <pc:chgData name="Safa Shehadi" userId="64cad8017936ef3a" providerId="LiveId" clId="{A9FC79DD-E572-40A8-AB72-B73EFA6257E0}" dt="2023-02-23T10:28:34.855" v="118" actId="20577"/>
-        <pc:sldMkLst>
-          <pc:docMk/>
-          <pc:sldMk cId="3329675122" sldId="273"/>
-        </pc:sldMkLst>
-      </pc:sldChg>
-      <pc:sldChg chg="modNotesTx">
-        <pc:chgData name="Safa Shehadi" userId="64cad8017936ef3a" providerId="LiveId" clId="{A9FC79DD-E572-40A8-AB72-B73EFA6257E0}" dt="2023-02-25T18:43:44.052" v="124" actId="20577"/>
-        <pc:sldMkLst>
-          <pc:docMk/>
-          <pc:sldMk cId="342967374" sldId="299"/>
-        </pc:sldMkLst>
-      </pc:sldChg>
-      <pc:sldChg chg="del">
-        <pc:chgData name="Safa Shehadi" userId="64cad8017936ef3a" providerId="LiveId" clId="{A9FC79DD-E572-40A8-AB72-B73EFA6257E0}" dt="2023-02-23T10:29:30.117" v="119" actId="47"/>
-        <pc:sldMkLst>
-          <pc:docMk/>
-          <pc:sldMk cId="4273714869" sldId="323"/>
-        </pc:sldMkLst>
-      </pc:sldChg>
-      <pc:sldChg chg="modNotesTx">
-        <pc:chgData name="Safa Shehadi" userId="64cad8017936ef3a" providerId="LiveId" clId="{A9FC79DD-E572-40A8-AB72-B73EFA6257E0}" dt="2023-02-23T10:10:36.713" v="67" actId="20577"/>
-        <pc:sldMkLst>
-          <pc:docMk/>
-          <pc:sldMk cId="1873322992" sldId="333"/>
-        </pc:sldMkLst>
-      </pc:sldChg>
-      <pc:sldChg chg="modNotes">
-        <pc:chgData name="Safa Shehadi" userId="64cad8017936ef3a" providerId="LiveId" clId="{A9FC79DD-E572-40A8-AB72-B73EFA6257E0}" dt="2023-02-23T19:10:08.629" v="123" actId="27636"/>
-        <pc:sldMkLst>
-          <pc:docMk/>
-          <pc:sldMk cId="1949735499" sldId="354"/>
-        </pc:sldMkLst>
-      </pc:sldChg>
-    </pc:docChg>
-  </pc:docChgLst>
-</pc:chgInfo>
-</file>
-
 <file path=ppt/notesMasters/notesMaster1.xml><?xml version="1.0" encoding="utf-8"?>
 <p:notesMaster xmlns:a="http://schemas.openxmlformats.org/drawingml/2006/main" xmlns:r="http://schemas.openxmlformats.org/officeDocument/2006/relationships" xmlns:p="http://schemas.openxmlformats.org/presentationml/2006/main">
   <p:cSld>
@@ -324,7 +265,7 @@
             <a:fld id="{E1E9A386-374F-46B8-905A-6C0BF92B68B0}" type="datetimeFigureOut">
               <a:rPr lang="en-US" smtClean="0"/>
               <a:pPr/>
-              <a:t>2/25/2023</a:t>
+              <a:t>3/14/2024</a:t>
             </a:fld>
             <a:endParaRPr lang="en-US"/>
           </a:p>
@@ -1001,30 +942,14 @@
           <a:lstStyle/>
           <a:p>
             <a:r>
-              <a:rPr lang="en-US" dirty="0"/>
+              <a:rPr lang="en-US"/>
               <a:t>Answer: Enable</a:t>
             </a:r>
             <a:r>
-              <a:rPr lang="en-US" baseline="0" dirty="0"/>
+              <a:rPr lang="en-US" baseline="0"/>
               <a:t> the father process the option to check-up on the son’s exit reasons and internal information. </a:t>
             </a:r>
-          </a:p>
-          <a:p>
-            <a:r>
-              <a:rPr lang="en-US" baseline="0" dirty="0"/>
-              <a:t>0xff=11111111</a:t>
-            </a:r>
-          </a:p>
-          <a:p>
-            <a:r>
-              <a:rPr lang="he-IL" baseline="0" dirty="0"/>
-              <a:t>למה צרך את </a:t>
-            </a:r>
-            <a:r>
-              <a:rPr lang="en-US" baseline="0" dirty="0"/>
-              <a:t> exit?</a:t>
-            </a:r>
-            <a:endParaRPr lang="en-US" dirty="0"/>
+            <a:endParaRPr lang="en-US"/>
           </a:p>
         </p:txBody>
       </p:sp>
@@ -1664,157 +1589,64 @@
           <a:lstStyle/>
           <a:p>
             <a:r>
-              <a:rPr lang="en-US" dirty="0" err="1"/>
-              <a:t>Ppid</a:t>
-            </a:r>
-            <a:r>
-              <a:rPr lang="en-US" dirty="0"/>
-              <a:t> – parent process id </a:t>
-            </a:r>
-            <a:endParaRPr lang="en-IL" dirty="0"/>
-          </a:p>
-        </p:txBody>
-      </p:sp>
-      <p:sp>
-        <p:nvSpPr>
-          <p:cNvPr id="4" name="Slide Number Placeholder 3"/>
-          <p:cNvSpPr>
-            <a:spLocks noGrp="1"/>
-          </p:cNvSpPr>
-          <p:nvPr>
-            <p:ph type="sldNum" sz="quarter" idx="5"/>
-          </p:nvPr>
-        </p:nvSpPr>
-        <p:spPr/>
-        <p:txBody>
-          <a:bodyPr/>
-          <a:lstStyle/>
-          <a:p>
-            <a:fld id="{94525A9A-2399-4ACF-975E-77FD324B061A}" type="slidenum">
-              <a:rPr lang="en-US" smtClean="0"/>
-              <a:pPr/>
-              <a:t>22</a:t>
-            </a:fld>
-            <a:endParaRPr lang="en-US"/>
-          </a:p>
-        </p:txBody>
-      </p:sp>
-    </p:spTree>
-    <p:extLst>
-      <p:ext uri="{BB962C8B-B14F-4D97-AF65-F5344CB8AC3E}">
-        <p14:creationId xmlns:p14="http://schemas.microsoft.com/office/powerpoint/2010/main" val="2570588975"/>
-      </p:ext>
-    </p:extLst>
-  </p:cSld>
-  <p:clrMapOvr>
-    <a:masterClrMapping/>
-  </p:clrMapOvr>
-</p:notes>
-</file>
-
-<file path=ppt/notesSlides/notesSlide17.xml><?xml version="1.0" encoding="utf-8"?>
-<p:notes xmlns:a="http://schemas.openxmlformats.org/drawingml/2006/main" xmlns:r="http://schemas.openxmlformats.org/officeDocument/2006/relationships" xmlns:p="http://schemas.openxmlformats.org/presentationml/2006/main">
-  <p:cSld>
-    <p:spTree>
-      <p:nvGrpSpPr>
-        <p:cNvPr id="1" name=""/>
-        <p:cNvGrpSpPr/>
-        <p:nvPr/>
-      </p:nvGrpSpPr>
-      <p:grpSpPr>
-        <a:xfrm>
-          <a:off x="0" y="0"/>
-          <a:ext cx="0" cy="0"/>
-          <a:chOff x="0" y="0"/>
-          <a:chExt cx="0" cy="0"/>
-        </a:xfrm>
-      </p:grpSpPr>
-      <p:sp>
-        <p:nvSpPr>
-          <p:cNvPr id="2" name="Slide Image Placeholder 1"/>
-          <p:cNvSpPr>
-            <a:spLocks noGrp="1" noRot="1" noChangeAspect="1"/>
-          </p:cNvSpPr>
-          <p:nvPr>
-            <p:ph type="sldImg"/>
-          </p:nvPr>
-        </p:nvSpPr>
-        <p:spPr/>
-      </p:sp>
-      <p:sp>
-        <p:nvSpPr>
-          <p:cNvPr id="3" name="Notes Placeholder 2"/>
-          <p:cNvSpPr>
-            <a:spLocks noGrp="1"/>
-          </p:cNvSpPr>
-          <p:nvPr>
-            <p:ph type="body" idx="1"/>
-          </p:nvPr>
-        </p:nvSpPr>
-        <p:spPr/>
-        <p:txBody>
-          <a:bodyPr/>
-          <a:lstStyle/>
-          <a:p>
-            <a:r>
-              <a:rPr lang="en-US" b="1" dirty="0" err="1"/>
+              <a:rPr lang="en-US" b="1" err="1"/>
               <a:t>Pids</a:t>
             </a:r>
             <a:r>
-              <a:rPr lang="en-US" b="1" dirty="0"/>
+              <a:rPr lang="en-US" b="1"/>
               <a:t> are made sequentially:</a:t>
             </a:r>
             <a:r>
-              <a:rPr lang="en-US" b="1" baseline="0" dirty="0"/>
+              <a:rPr lang="en-US" b="1" baseline="0"/>
               <a:t> 0,1,2,3…. </a:t>
             </a:r>
-            <a:endParaRPr lang="en-US" b="1" dirty="0"/>
-          </a:p>
-          <a:p>
-            <a:r>
-              <a:rPr lang="en-US" dirty="0"/>
+            <a:endParaRPr lang="en-US" b="1"/>
+          </a:p>
+          <a:p>
+            <a:r>
+              <a:rPr lang="en-US"/>
               <a:t>headers:</a:t>
             </a:r>
           </a:p>
           <a:p>
             <a:r>
-              <a:rPr lang="en-US" dirty="0"/>
+              <a:rPr lang="en-US"/>
               <a:t>#include &lt;</a:t>
             </a:r>
             <a:r>
-              <a:rPr lang="en-US" dirty="0" err="1"/>
+              <a:rPr lang="en-US" err="1"/>
               <a:t>stdio.h</a:t>
             </a:r>
             <a:r>
-              <a:rPr lang="en-US" dirty="0"/>
+              <a:rPr lang="en-US"/>
               <a:t>&gt;</a:t>
             </a:r>
           </a:p>
           <a:p>
             <a:r>
-              <a:rPr lang="en-US" dirty="0"/>
+              <a:rPr lang="en-US"/>
               <a:t>#include &lt;</a:t>
             </a:r>
             <a:r>
-              <a:rPr lang="en-US" dirty="0" err="1"/>
+              <a:rPr lang="en-US" err="1"/>
               <a:t>unistd.h</a:t>
             </a:r>
             <a:r>
-              <a:rPr lang="en-US" dirty="0"/>
+              <a:rPr lang="en-US"/>
               <a:t>&gt;</a:t>
             </a:r>
           </a:p>
           <a:p>
             <a:r>
-              <a:rPr lang="en-US" dirty="0"/>
+              <a:rPr lang="en-US"/>
               <a:t>#include &lt;sys/</a:t>
             </a:r>
             <a:r>
-              <a:rPr lang="en-US" dirty="0" err="1"/>
+              <a:rPr lang="en-US" err="1"/>
               <a:t>wait.h</a:t>
             </a:r>
             <a:r>
-              <a:rPr lang="en-US" dirty="0"/>
+              <a:rPr lang="en-US"/>
               <a:t>&gt;</a:t>
             </a:r>
           </a:p>
@@ -1857,7 +1689,7 @@
 </p:notes>
 </file>
 
-<file path=ppt/notesSlides/notesSlide18.xml><?xml version="1.0" encoding="utf-8"?>
+<file path=ppt/notesSlides/notesSlide17.xml><?xml version="1.0" encoding="utf-8"?>
 <p:notes xmlns:a="http://schemas.openxmlformats.org/drawingml/2006/main" xmlns:r="http://schemas.openxmlformats.org/officeDocument/2006/relationships" xmlns:p="http://schemas.openxmlformats.org/presentationml/2006/main">
   <p:cSld>
     <p:spTree>
@@ -2020,7 +1852,7 @@
             <a:fld id="{B5A12F82-3D7C-4572-A93F-573C69EFAEFE}" type="slidenum">
               <a:rPr lang="he-IL" altLang="en-US"/>
               <a:pPr eaLnBrk="1" hangingPunct="1"/>
-              <a:t>25</a:t>
+              <a:t>26</a:t>
             </a:fld>
             <a:endParaRPr lang="en-US" altLang="en-US"/>
           </a:p>
@@ -2088,6 +1920,114 @@
     <p:extLst>
       <p:ext uri="{BB962C8B-B14F-4D97-AF65-F5344CB8AC3E}">
         <p14:creationId xmlns:p14="http://schemas.microsoft.com/office/powerpoint/2010/main" val="140562661"/>
+      </p:ext>
+    </p:extLst>
+  </p:cSld>
+  <p:clrMapOvr>
+    <a:masterClrMapping/>
+  </p:clrMapOvr>
+</p:notes>
+</file>
+
+<file path=ppt/notesSlides/notesSlide18.xml><?xml version="1.0" encoding="utf-8"?>
+<p:notes xmlns:a="http://schemas.openxmlformats.org/drawingml/2006/main" xmlns:r="http://schemas.openxmlformats.org/officeDocument/2006/relationships" xmlns:p="http://schemas.openxmlformats.org/presentationml/2006/main">
+  <p:cSld>
+    <p:spTree>
+      <p:nvGrpSpPr>
+        <p:cNvPr id="1" name=""/>
+        <p:cNvGrpSpPr/>
+        <p:nvPr/>
+      </p:nvGrpSpPr>
+      <p:grpSpPr>
+        <a:xfrm>
+          <a:off x="0" y="0"/>
+          <a:ext cx="0" cy="0"/>
+          <a:chOff x="0" y="0"/>
+          <a:chExt cx="0" cy="0"/>
+        </a:xfrm>
+      </p:grpSpPr>
+      <p:sp>
+        <p:nvSpPr>
+          <p:cNvPr id="2" name="Slide Image Placeholder 1"/>
+          <p:cNvSpPr>
+            <a:spLocks noGrp="1" noRot="1" noChangeAspect="1"/>
+          </p:cNvSpPr>
+          <p:nvPr>
+            <p:ph type="sldImg"/>
+          </p:nvPr>
+        </p:nvSpPr>
+        <p:spPr/>
+      </p:sp>
+      <p:sp>
+        <p:nvSpPr>
+          <p:cNvPr id="3" name="Notes Placeholder 2"/>
+          <p:cNvSpPr>
+            <a:spLocks noGrp="1"/>
+          </p:cNvSpPr>
+          <p:nvPr>
+            <p:ph type="body" idx="1"/>
+          </p:nvPr>
+        </p:nvSpPr>
+        <p:spPr/>
+        <p:txBody>
+          <a:bodyPr/>
+          <a:lstStyle/>
+          <a:p>
+            <a:r>
+              <a:rPr lang="en-US" dirty="0"/>
+              <a:t>Open the online terminal/</a:t>
+            </a:r>
+            <a:r>
+              <a:rPr lang="en-US"/>
+              <a:t>wsl </a:t>
+            </a:r>
+            <a:r>
+              <a:rPr lang="en-US" dirty="0"/>
+              <a:t>and demonstrate the difference between:</a:t>
+            </a:r>
+          </a:p>
+          <a:p>
+            <a:r>
+              <a:rPr lang="en-US" dirty="0"/>
+              <a:t>&gt;&gt; sleep 20</a:t>
+            </a:r>
+          </a:p>
+          <a:p>
+            <a:r>
+              <a:rPr lang="en-US" dirty="0"/>
+              <a:t>&gt;&gt; sleep 20 &amp;</a:t>
+            </a:r>
+          </a:p>
+        </p:txBody>
+      </p:sp>
+      <p:sp>
+        <p:nvSpPr>
+          <p:cNvPr id="4" name="Slide Number Placeholder 3"/>
+          <p:cNvSpPr>
+            <a:spLocks noGrp="1"/>
+          </p:cNvSpPr>
+          <p:nvPr>
+            <p:ph type="sldNum" sz="quarter" idx="5"/>
+          </p:nvPr>
+        </p:nvSpPr>
+        <p:spPr/>
+        <p:txBody>
+          <a:bodyPr/>
+          <a:lstStyle/>
+          <a:p>
+            <a:fld id="{94525A9A-2399-4ACF-975E-77FD324B061A}" type="slidenum">
+              <a:rPr lang="en-US" smtClean="0"/>
+              <a:pPr/>
+              <a:t>27</a:t>
+            </a:fld>
+            <a:endParaRPr lang="en-US"/>
+          </a:p>
+        </p:txBody>
+      </p:sp>
+    </p:spTree>
+    <p:extLst>
+      <p:ext uri="{BB962C8B-B14F-4D97-AF65-F5344CB8AC3E}">
+        <p14:creationId xmlns:p14="http://schemas.microsoft.com/office/powerpoint/2010/main" val="4206389515"/>
       </p:ext>
     </p:extLst>
   </p:cSld>
@@ -2143,20 +2083,29 @@
           <a:p>
             <a:r>
               <a:rPr lang="en-US"/>
-              <a:t>Open the online terminal and demonstrate the difference between:</a:t>
-            </a:r>
-          </a:p>
-          <a:p>
-            <a:r>
-              <a:rPr lang="en-US"/>
-              <a:t>&gt;&gt; sleep 20</a:t>
-            </a:r>
-          </a:p>
-          <a:p>
-            <a:r>
-              <a:rPr lang="en-US"/>
-              <a:t>&gt;&gt; sleep 20 &amp;</a:t>
-            </a:r>
+              <a:t>Note</a:t>
+            </a:r>
+            <a:r>
+              <a:rPr lang="en-US" baseline="0"/>
+              <a:t> that when running in the </a:t>
+            </a:r>
+            <a:r>
+              <a:rPr lang="en-US" b="1" baseline="0"/>
+              <a:t>background</a:t>
+            </a:r>
+            <a:r>
+              <a:rPr lang="en-US" baseline="0"/>
+              <a:t>, the shell </a:t>
+            </a:r>
+            <a:r>
+              <a:rPr lang="en-US" b="1" baseline="0"/>
+              <a:t>eventually</a:t>
+            </a:r>
+            <a:r>
+              <a:rPr lang="en-US" baseline="0"/>
+              <a:t> does wait on the user processes, only for the purpose of cleaning their records from the OS tables. </a:t>
+            </a:r>
+            <a:endParaRPr lang="en-US"/>
           </a:p>
         </p:txBody>
       </p:sp>
@@ -2167,7 +2116,7 @@
             <a:spLocks noGrp="1"/>
           </p:cNvSpPr>
           <p:nvPr>
-            <p:ph type="sldNum" sz="quarter" idx="5"/>
+            <p:ph type="sldNum" sz="quarter" idx="10"/>
           </p:nvPr>
         </p:nvSpPr>
         <p:spPr/>
@@ -2178,7 +2127,7 @@
             <a:fld id="{94525A9A-2399-4ACF-975E-77FD324B061A}" type="slidenum">
               <a:rPr lang="en-US" smtClean="0"/>
               <a:pPr/>
-              <a:t>26</a:t>
+              <a:t>28</a:t>
             </a:fld>
             <a:endParaRPr lang="en-US"/>
           </a:p>
@@ -2187,7 +2136,7 @@
     </p:spTree>
     <p:extLst>
       <p:ext uri="{BB962C8B-B14F-4D97-AF65-F5344CB8AC3E}">
-        <p14:creationId xmlns:p14="http://schemas.microsoft.com/office/powerpoint/2010/main" val="4206389515"/>
+        <p14:creationId xmlns:p14="http://schemas.microsoft.com/office/powerpoint/2010/main" val="3263903288"/>
       </p:ext>
     </p:extLst>
   </p:cSld>
@@ -2363,30 +2312,48 @@
           <a:lstStyle/>
           <a:p>
             <a:r>
-              <a:rPr lang="en-US"/>
-              <a:t>Note</a:t>
-            </a:r>
-            <a:r>
-              <a:rPr lang="en-US" baseline="0"/>
-              <a:t> that when running in the </a:t>
-            </a:r>
-            <a:r>
-              <a:rPr lang="en-US" b="1" baseline="0"/>
-              <a:t>background</a:t>
-            </a:r>
-            <a:r>
-              <a:rPr lang="en-US" baseline="0"/>
-              <a:t>, the shell </a:t>
-            </a:r>
-            <a:r>
-              <a:rPr lang="en-US" b="1" baseline="0"/>
-              <a:t>eventually</a:t>
-            </a:r>
-            <a:r>
-              <a:rPr lang="en-US" baseline="0"/>
-              <a:t> does wait on the user processes, only for the purpose of cleaning their records from the OS tables. </a:t>
-            </a:r>
-            <a:endParaRPr lang="en-US"/>
+              <a:rPr lang="en-US" dirty="0"/>
+              <a:t>For A: The father waits for the</a:t>
+            </a:r>
+            <a:r>
+              <a:rPr lang="en-US" baseline="0" dirty="0"/>
+              <a:t> son, and therefore, each iteration of the bash loop cannot end until both the son and father have finished working. Therefore, a maximum of </a:t>
+            </a:r>
+            <a:r>
+              <a:rPr lang="en-US" b="1" u="sng" baseline="0" dirty="0"/>
+              <a:t>2</a:t>
+            </a:r>
+            <a:r>
+              <a:rPr lang="en-US" b="1" u="none" baseline="0" dirty="0"/>
+              <a:t> </a:t>
+            </a:r>
+            <a:r>
+              <a:rPr lang="en-US" baseline="0" dirty="0"/>
+              <a:t>processes can run on the system, excluding the Shell process. </a:t>
+            </a:r>
+          </a:p>
+          <a:p>
+            <a:r>
+              <a:rPr lang="en-US" baseline="0" dirty="0"/>
+              <a:t>For B: It is possible that the father would finish </a:t>
+            </a:r>
+            <a:r>
+              <a:rPr lang="en-US" b="1" baseline="0" dirty="0"/>
+              <a:t>before</a:t>
+            </a:r>
+            <a:r>
+              <a:rPr lang="en-US" b="0" baseline="0" dirty="0"/>
+              <a:t> the son, thus allowing for another iteration of the bash loop. At the worst case, a total of N children would be running, and an additional father that has not yet finished running. We would have </a:t>
+            </a:r>
+            <a:r>
+              <a:rPr lang="en-US" b="1" u="sng" baseline="0" dirty="0"/>
+              <a:t>N+1</a:t>
+            </a:r>
+            <a:r>
+              <a:rPr lang="en-US" b="0" baseline="0" dirty="0"/>
+              <a:t> processes in that scenario, running concurrently. </a:t>
+            </a:r>
+            <a:endParaRPr lang="en-US" dirty="0"/>
           </a:p>
         </p:txBody>
       </p:sp>
@@ -2408,7 +2375,7 @@
             <a:fld id="{94525A9A-2399-4ACF-975E-77FD324B061A}" type="slidenum">
               <a:rPr lang="en-US" smtClean="0"/>
               <a:pPr/>
-              <a:t>27</a:t>
+              <a:t>30</a:t>
             </a:fld>
             <a:endParaRPr lang="en-US"/>
           </a:p>
@@ -2417,7 +2384,7 @@
     </p:spTree>
     <p:extLst>
       <p:ext uri="{BB962C8B-B14F-4D97-AF65-F5344CB8AC3E}">
-        <p14:creationId xmlns:p14="http://schemas.microsoft.com/office/powerpoint/2010/main" val="3263903288"/>
+        <p14:creationId xmlns:p14="http://schemas.microsoft.com/office/powerpoint/2010/main" val="2399809055"/>
       </p:ext>
     </p:extLst>
   </p:cSld>
@@ -2473,47 +2440,27 @@
           <a:p>
             <a:r>
               <a:rPr lang="en-US" dirty="0"/>
-              <a:t>For A: The father waits for the</a:t>
+              <a:t>The</a:t>
             </a:r>
             <a:r>
               <a:rPr lang="en-US" baseline="0" dirty="0"/>
-              <a:t> son, and therefore, each iteration of the bash loop cannot end until both the son and father have finished working. Therefore, a maximum of </a:t>
-            </a:r>
-            <a:r>
-              <a:rPr lang="en-US" b="1" u="sng" baseline="0" dirty="0"/>
-              <a:t>2</a:t>
-            </a:r>
-            <a:r>
-              <a:rPr lang="en-US" b="1" u="none" baseline="0" dirty="0"/>
-              <a:t> </a:t>
-            </a:r>
-            <a:r>
-              <a:rPr lang="en-US" baseline="0" dirty="0"/>
-              <a:t>processes can run on the system, excluding the Shell process. </a:t>
-            </a:r>
-          </a:p>
-          <a:p>
-            <a:r>
-              <a:rPr lang="en-US" baseline="0" dirty="0"/>
-              <a:t>For B: It is possible that the father would finish </a:t>
+              <a:t> answer here is the same for both processes: A total of 2N processes are possible </a:t>
             </a:r>
             <a:r>
               <a:rPr lang="en-US" b="1" baseline="0" dirty="0"/>
-              <a:t>before</a:t>
+              <a:t>– N fathers, and N sons</a:t>
             </a:r>
             <a:r>
               <a:rPr lang="en-US" b="0" baseline="0" dirty="0"/>
-              <a:t> the son, thus allowing for another iteration of the bash loop. At the worst case, a total of N children would be running, and an additional father that has not yet finished running. We would have </a:t>
-            </a:r>
-            <a:r>
-              <a:rPr lang="en-US" b="1" u="sng" baseline="0" dirty="0"/>
-              <a:t>N+1</a:t>
-            </a:r>
+              <a:t>, </a:t>
+            </a:r>
+          </a:p>
+          <a:p>
             <a:r>
               <a:rPr lang="en-US" b="0" baseline="0" dirty="0"/>
-              <a:t> processes in that scenario, running concurrently. </a:t>
-            </a:r>
-            <a:endParaRPr lang="en-US" dirty="0"/>
+              <a:t>The reason is that the shell continues to the next iteration immediately, without waiting for the previous iteration to finish.</a:t>
+            </a:r>
+            <a:endParaRPr lang="en-US" b="1" dirty="0"/>
           </a:p>
         </p:txBody>
       </p:sp>
@@ -2535,7 +2482,7 @@
             <a:fld id="{94525A9A-2399-4ACF-975E-77FD324B061A}" type="slidenum">
               <a:rPr lang="en-US" smtClean="0"/>
               <a:pPr/>
-              <a:t>29</a:t>
+              <a:t>31</a:t>
             </a:fld>
             <a:endParaRPr lang="en-US"/>
           </a:p>
@@ -2544,7 +2491,7 @@
     </p:spTree>
     <p:extLst>
       <p:ext uri="{BB962C8B-B14F-4D97-AF65-F5344CB8AC3E}">
-        <p14:creationId xmlns:p14="http://schemas.microsoft.com/office/powerpoint/2010/main" val="2399809055"/>
+        <p14:creationId xmlns:p14="http://schemas.microsoft.com/office/powerpoint/2010/main" val="365087721"/>
       </p:ext>
     </p:extLst>
   </p:cSld>
@@ -2598,29 +2545,72 @@
           <a:bodyPr/>
           <a:lstStyle/>
           <a:p>
-            <a:r>
-              <a:rPr lang="en-US" dirty="0"/>
-              <a:t>The</a:t>
-            </a:r>
-            <a:r>
-              <a:rPr lang="en-US" baseline="0" dirty="0"/>
-              <a:t> answer here is the same for both processes: A total of 2N processes are possible </a:t>
-            </a:r>
-            <a:r>
-              <a:rPr lang="en-US" b="1" baseline="0" dirty="0"/>
-              <a:t>– N fathers, and N sons</a:t>
-            </a:r>
-            <a:r>
-              <a:rPr lang="en-US" b="0" baseline="0" dirty="0"/>
-              <a:t>, </a:t>
-            </a:r>
-          </a:p>
-          <a:p>
-            <a:r>
-              <a:rPr lang="en-US" b="0" baseline="0" dirty="0"/>
-              <a:t>The reason is that the shell continues to the next iteration immediately, without waiting for the previous iteration to finish.</a:t>
-            </a:r>
-            <a:endParaRPr lang="en-US" b="1" dirty="0"/>
+            <a:pPr algn="r" rtl="1"/>
+            <a:r>
+              <a:rPr lang="he-IL"/>
+              <a:t>כדי לקשר את הפרק הזה לפרק הקודם, כדאי לשאול את הסטודנטים באילו מבני נתונים של הגרעין משתמשות קריאות המערכת השונות.</a:t>
+            </a:r>
+          </a:p>
+          <a:p>
+            <a:pPr algn="r" rtl="1"/>
+            <a:r>
+              <a:rPr lang="he-IL"/>
+              <a:t>למשל, </a:t>
+            </a:r>
+            <a:r>
+              <a:rPr lang="en-US" err="1"/>
+              <a:t>getpid</a:t>
+            </a:r>
+            <a:r>
+              <a:rPr lang="en-US"/>
+              <a:t>()</a:t>
+            </a:r>
+            <a:r>
+              <a:rPr lang="he-IL"/>
+              <a:t> ניגשת רק למתאר התהליך הנוכחי וקוראת את השדה </a:t>
+            </a:r>
+            <a:r>
+              <a:rPr lang="en-US" err="1"/>
+              <a:t>pid</a:t>
+            </a:r>
+            <a:r>
+              <a:rPr lang="he-IL"/>
+              <a:t>. היא לא ניגשת לרשימת התהליכים הגלובאלית או לטבלת המיפוי ההפוך.</a:t>
+            </a:r>
+          </a:p>
+          <a:p>
+            <a:pPr algn="r" rtl="1"/>
+            <a:endParaRPr lang="he-IL"/>
+          </a:p>
+          <a:p>
+            <a:pPr algn="r" rtl="1"/>
+            <a:r>
+              <a:rPr lang="he-IL"/>
+              <a:t>למעשה, אני חושב שעדיף להציג את הפרק כולו באופן שונה ולדבר על המימוש של קריאות המערכת </a:t>
+            </a:r>
+            <a:r>
+              <a:rPr lang="en-US"/>
+              <a:t>fork, exit, wait, …</a:t>
+            </a:r>
+            <a:r>
+              <a:rPr lang="he-IL"/>
+              <a:t> במקום לדבר על מבני הנתונים.</a:t>
+            </a:r>
+          </a:p>
+          <a:p>
+            <a:pPr algn="r" rtl="1"/>
+            <a:r>
+              <a:rPr lang="he-IL"/>
+              <a:t>למשל: במקום לדבר על תורי המתנה, להציג את המימוש של </a:t>
+            </a:r>
+            <a:r>
+              <a:rPr lang="en-US"/>
+              <a:t>wait</a:t>
+            </a:r>
+            <a:r>
+              <a:rPr lang="he-IL"/>
+              <a:t> ומשם להגיע באופן טבעי לתורי המתנה.</a:t>
+            </a:r>
           </a:p>
         </p:txBody>
       </p:sp>
@@ -2642,7 +2632,7 @@
             <a:fld id="{94525A9A-2399-4ACF-975E-77FD324B061A}" type="slidenum">
               <a:rPr lang="en-US" smtClean="0"/>
               <a:pPr/>
-              <a:t>30</a:t>
+              <a:t>32</a:t>
             </a:fld>
             <a:endParaRPr lang="en-US"/>
           </a:p>
@@ -2651,7 +2641,7 @@
     </p:spTree>
     <p:extLst>
       <p:ext uri="{BB962C8B-B14F-4D97-AF65-F5344CB8AC3E}">
-        <p14:creationId xmlns:p14="http://schemas.microsoft.com/office/powerpoint/2010/main" val="365087721"/>
+        <p14:creationId xmlns:p14="http://schemas.microsoft.com/office/powerpoint/2010/main" val="2298713930"/>
       </p:ext>
     </p:extLst>
   </p:cSld>
@@ -2705,8 +2695,7 @@
           <a:bodyPr/>
           <a:lstStyle/>
           <a:p>
-            <a:pPr algn="r" rtl="1"/>
-            <a:endParaRPr lang="he-IL" dirty="0"/>
+            <a:endParaRPr lang="en-US"/>
           </a:p>
         </p:txBody>
       </p:sp>
@@ -2717,7 +2706,7 @@
             <a:spLocks noGrp="1"/>
           </p:cNvSpPr>
           <p:nvPr>
-            <p:ph type="sldNum" sz="quarter" idx="10"/>
+            <p:ph type="sldNum" sz="quarter" idx="5"/>
           </p:nvPr>
         </p:nvSpPr>
         <p:spPr/>
@@ -2728,7 +2717,7 @@
             <a:fld id="{94525A9A-2399-4ACF-975E-77FD324B061A}" type="slidenum">
               <a:rPr lang="en-US" smtClean="0"/>
               <a:pPr/>
-              <a:t>31</a:t>
+              <a:t>33</a:t>
             </a:fld>
             <a:endParaRPr lang="en-US"/>
           </a:p>
@@ -2737,7 +2726,7 @@
     </p:spTree>
     <p:extLst>
       <p:ext uri="{BB962C8B-B14F-4D97-AF65-F5344CB8AC3E}">
-        <p14:creationId xmlns:p14="http://schemas.microsoft.com/office/powerpoint/2010/main" val="2298713930"/>
+        <p14:creationId xmlns:p14="http://schemas.microsoft.com/office/powerpoint/2010/main" val="1260148464"/>
       </p:ext>
     </p:extLst>
   </p:cSld>
@@ -2791,7 +2780,39 @@
           <a:bodyPr/>
           <a:lstStyle/>
           <a:p>
-            <a:endParaRPr lang="en-US"/>
+            <a:r>
+              <a:rPr lang="en-US" altLang="en-US"/>
+              <a:t>The</a:t>
+            </a:r>
+            <a:r>
+              <a:rPr lang="en-US" altLang="en-US" baseline="0"/>
+              <a:t> struct </a:t>
+            </a:r>
+            <a:r>
+              <a:rPr lang="en-US" altLang="en-US" baseline="0" err="1"/>
+              <a:t>task_struct</a:t>
+            </a:r>
+            <a:r>
+              <a:rPr lang="en-US" altLang="en-US" baseline="0"/>
+              <a:t> is defined in include/</a:t>
+            </a:r>
+            <a:r>
+              <a:rPr lang="en-US" altLang="en-US" baseline="0" err="1"/>
+              <a:t>linux</a:t>
+            </a:r>
+            <a:r>
+              <a:rPr lang="en-US" altLang="en-US" baseline="0"/>
+              <a:t>/</a:t>
+            </a:r>
+            <a:r>
+              <a:rPr lang="en-US" altLang="en-US" baseline="0" err="1"/>
+              <a:t>sched.h</a:t>
+            </a:r>
+            <a:r>
+              <a:rPr lang="en-US" altLang="en-US" baseline="0"/>
+              <a:t> .</a:t>
+            </a:r>
+            <a:endParaRPr lang="he-IL" altLang="en-US"/>
           </a:p>
         </p:txBody>
       </p:sp>
@@ -2802,7 +2823,7 @@
             <a:spLocks noGrp="1"/>
           </p:cNvSpPr>
           <p:nvPr>
-            <p:ph type="sldNum" sz="quarter" idx="5"/>
+            <p:ph type="sldNum" sz="quarter" idx="10"/>
           </p:nvPr>
         </p:nvSpPr>
         <p:spPr/>
@@ -2813,7 +2834,7 @@
             <a:fld id="{94525A9A-2399-4ACF-975E-77FD324B061A}" type="slidenum">
               <a:rPr lang="en-US" smtClean="0"/>
               <a:pPr/>
-              <a:t>32</a:t>
+              <a:t>34</a:t>
             </a:fld>
             <a:endParaRPr lang="en-US"/>
           </a:p>
@@ -2822,7 +2843,7 @@
     </p:spTree>
     <p:extLst>
       <p:ext uri="{BB962C8B-B14F-4D97-AF65-F5344CB8AC3E}">
-        <p14:creationId xmlns:p14="http://schemas.microsoft.com/office/powerpoint/2010/main" val="1260148464"/>
+        <p14:creationId xmlns:p14="http://schemas.microsoft.com/office/powerpoint/2010/main" val="1959972848"/>
       </p:ext>
     </p:extLst>
   </p:cSld>
@@ -2876,39 +2897,85 @@
           <a:bodyPr/>
           <a:lstStyle/>
           <a:p>
-            <a:r>
-              <a:rPr lang="en-US" altLang="en-US"/>
-              <a:t>The</a:t>
-            </a:r>
-            <a:r>
-              <a:rPr lang="en-US" altLang="en-US" baseline="0"/>
-              <a:t> struct </a:t>
-            </a:r>
-            <a:r>
-              <a:rPr lang="en-US" altLang="en-US" baseline="0" err="1"/>
-              <a:t>task_struct</a:t>
-            </a:r>
-            <a:r>
-              <a:rPr lang="en-US" altLang="en-US" baseline="0"/>
-              <a:t> is defined in include/</a:t>
-            </a:r>
-            <a:r>
-              <a:rPr lang="en-US" altLang="en-US" baseline="0" err="1"/>
-              <a:t>linux</a:t>
-            </a:r>
-            <a:r>
-              <a:rPr lang="en-US" altLang="en-US" baseline="0"/>
-              <a:t>/</a:t>
-            </a:r>
-            <a:r>
-              <a:rPr lang="en-US" altLang="en-US" baseline="0" err="1"/>
-              <a:t>sched.h</a:t>
-            </a:r>
-            <a:r>
-              <a:rPr lang="en-US" altLang="en-US" baseline="0"/>
-              <a:t> .</a:t>
-            </a:r>
-            <a:endParaRPr lang="he-IL" altLang="en-US"/>
+            <a:pPr algn="l" rtl="0"/>
+            <a:r>
+              <a:rPr lang="en-US" b="1"/>
+              <a:t>Advanced</a:t>
+            </a:r>
+            <a:r>
+              <a:rPr lang="en-US" b="1" baseline="0"/>
+              <a:t> Notes: </a:t>
+            </a:r>
+          </a:p>
+          <a:p>
+            <a:pPr marL="228600" indent="-228600" algn="l" rtl="0">
+              <a:buAutoNum type="arabicPeriod"/>
+            </a:pPr>
+            <a:r>
+              <a:rPr lang="en-US" b="0" baseline="0"/>
+              <a:t>The actual implementation returns  </a:t>
+            </a:r>
+            <a:r>
+              <a:rPr lang="en-US" b="1" baseline="0"/>
+              <a:t>current-&gt;</a:t>
+            </a:r>
+            <a:r>
+              <a:rPr lang="en-US" b="1" baseline="0" err="1"/>
+              <a:t>tgid</a:t>
+            </a:r>
+            <a:r>
+              <a:rPr lang="en-US" b="0" baseline="0"/>
+              <a:t>, but we still haven’t learned about threads at this point in the course.</a:t>
+            </a:r>
+          </a:p>
+          <a:p>
+            <a:pPr marL="228600" marR="0" lvl="0" indent="-228600" algn="l" defTabSz="914400" rtl="0" eaLnBrk="1" fontAlgn="auto" latinLnBrk="0" hangingPunct="1">
+              <a:lnSpc>
+                <a:spcPct val="100000"/>
+              </a:lnSpc>
+              <a:spcBef>
+                <a:spcPts val="0"/>
+              </a:spcBef>
+              <a:spcAft>
+                <a:spcPts val="0"/>
+              </a:spcAft>
+              <a:buClrTx/>
+              <a:buSzTx/>
+              <a:buFontTx/>
+              <a:buAutoNum type="arabicPeriod"/>
+              <a:tabLst/>
+              <a:defRPr/>
+            </a:pPr>
+            <a:r>
+              <a:rPr lang="en-US" b="0" baseline="0"/>
+              <a:t>The function returns </a:t>
+            </a:r>
+            <a:r>
+              <a:rPr lang="en-US" b="1" baseline="0"/>
+              <a:t>long</a:t>
+            </a:r>
+            <a:r>
+              <a:rPr lang="en-US" b="0" baseline="0"/>
+              <a:t> for 64 compatibility. It was once an </a:t>
+            </a:r>
+            <a:r>
+              <a:rPr lang="en-US" b="0" baseline="0" err="1"/>
+              <a:t>int</a:t>
+            </a:r>
+            <a:r>
+              <a:rPr lang="en-US" b="0" baseline="0"/>
+              <a:t> : </a:t>
+            </a:r>
+            <a:r>
+              <a:rPr lang="en-US" b="0"/>
+              <a:t>https://stackoverflow.com/questions/20940212/why-is-linux-syscall-return-type-long</a:t>
+            </a:r>
+          </a:p>
+          <a:p>
+            <a:pPr marL="228600" indent="-228600" algn="l" rtl="0">
+              <a:buAutoNum type="arabicPeriod"/>
+            </a:pPr>
+            <a:endParaRPr lang="he-IL" b="1"/>
           </a:p>
         </p:txBody>
       </p:sp>
@@ -2930,7 +2997,7 @@
             <a:fld id="{94525A9A-2399-4ACF-975E-77FD324B061A}" type="slidenum">
               <a:rPr lang="en-US" smtClean="0"/>
               <a:pPr/>
-              <a:t>33</a:t>
+              <a:t>35</a:t>
             </a:fld>
             <a:endParaRPr lang="en-US"/>
           </a:p>
@@ -2939,7 +3006,7 @@
     </p:spTree>
     <p:extLst>
       <p:ext uri="{BB962C8B-B14F-4D97-AF65-F5344CB8AC3E}">
-        <p14:creationId xmlns:p14="http://schemas.microsoft.com/office/powerpoint/2010/main" val="1959972848"/>
+        <p14:creationId xmlns:p14="http://schemas.microsoft.com/office/powerpoint/2010/main" val="3315886146"/>
       </p:ext>
     </p:extLst>
   </p:cSld>
@@ -2993,77 +3060,473 @@
           <a:bodyPr/>
           <a:lstStyle/>
           <a:p>
+            <a:pPr algn="r" rtl="1"/>
+            <a:r>
+              <a:rPr lang="he-IL" dirty="0"/>
+              <a:t>שאלה של סטודנט: האם כדי לתאר בן יתום </a:t>
+            </a:r>
+            <a:r>
+              <a:rPr lang="en-US" dirty="0" err="1"/>
+              <a:t>opptr</a:t>
+            </a:r>
+            <a:r>
+              <a:rPr lang="he-IL" dirty="0"/>
+              <a:t> מצביע ל-</a:t>
+            </a:r>
+            <a:r>
+              <a:rPr lang="en-US" dirty="0"/>
+              <a:t>NULL</a:t>
+            </a:r>
+            <a:r>
+              <a:rPr lang="he-IL" dirty="0"/>
+              <a:t> ו-</a:t>
+            </a:r>
+            <a:r>
+              <a:rPr lang="en-US" dirty="0" err="1"/>
+              <a:t>pptr</a:t>
+            </a:r>
+            <a:r>
+              <a:rPr lang="he-IL" dirty="0"/>
+              <a:t> מצביע לתהליך </a:t>
+            </a:r>
+            <a:r>
+              <a:rPr lang="en-US" dirty="0" err="1"/>
+              <a:t>init</a:t>
+            </a:r>
+            <a:r>
+              <a:rPr lang="he-IL" dirty="0"/>
+              <a:t> שיורש בנים יתומים?</a:t>
+            </a:r>
+          </a:p>
+          <a:p>
+            <a:pPr algn="r" rtl="1"/>
+            <a:r>
+              <a:rPr lang="he-IL" dirty="0"/>
+              <a:t>תשובה:</a:t>
+            </a:r>
+            <a:r>
+              <a:rPr lang="en-US" dirty="0"/>
+              <a:t> </a:t>
+            </a:r>
+            <a:r>
+              <a:rPr lang="he-IL" dirty="0"/>
+              <a:t>ע"פ הספר </a:t>
+            </a:r>
+            <a:r>
+              <a:rPr lang="en-US" dirty="0"/>
+              <a:t>UTLK3</a:t>
+            </a:r>
+            <a:r>
+              <a:rPr lang="he-IL" dirty="0"/>
+              <a:t> התשובה שלילית. </a:t>
+            </a:r>
+            <a:r>
+              <a:rPr lang="en-US" dirty="0" err="1"/>
+              <a:t>opptr</a:t>
+            </a:r>
+            <a:r>
+              <a:rPr lang="en-US" dirty="0"/>
+              <a:t>, </a:t>
+            </a:r>
+            <a:r>
+              <a:rPr lang="en-US" dirty="0" err="1"/>
+              <a:t>pptr</a:t>
+            </a:r>
+            <a:r>
+              <a:rPr lang="he-IL" dirty="0"/>
+              <a:t> יצביעו שניהם על </a:t>
+            </a:r>
+            <a:r>
+              <a:rPr lang="en-US" dirty="0" err="1"/>
+              <a:t>init</a:t>
+            </a:r>
+            <a:r>
+              <a:rPr lang="he-IL" dirty="0"/>
+              <a:t>.</a:t>
+            </a:r>
+          </a:p>
+          <a:p>
+            <a:r>
+              <a:rPr lang="en-US" sz="1200" b="0" i="0" u="none" strike="noStrike" kern="1200" baseline="0" dirty="0" err="1">
+                <a:solidFill>
+                  <a:schemeClr val="tx1"/>
+                </a:solidFill>
+                <a:latin typeface="+mn-lt"/>
+                <a:ea typeface="+mn-ea"/>
+                <a:cs typeface="+mn-cs"/>
+              </a:rPr>
+              <a:t>real_parent</a:t>
+            </a:r>
+            <a:r>
+              <a:rPr lang="en-US" sz="1200" b="0" i="0" u="none" strike="noStrike" kern="1200" baseline="0" dirty="0">
+                <a:solidFill>
+                  <a:schemeClr val="tx1"/>
+                </a:solidFill>
+                <a:latin typeface="+mn-lt"/>
+                <a:ea typeface="+mn-ea"/>
+                <a:cs typeface="+mn-cs"/>
+              </a:rPr>
+              <a:t> [</a:t>
+            </a:r>
+            <a:r>
+              <a:rPr lang="en-US" sz="1200" b="0" i="0" u="none" strike="noStrike" kern="1200" baseline="0" dirty="0" err="1">
+                <a:solidFill>
+                  <a:schemeClr val="tx1"/>
+                </a:solidFill>
+                <a:latin typeface="+mn-lt"/>
+                <a:ea typeface="+mn-ea"/>
+                <a:cs typeface="+mn-cs"/>
+              </a:rPr>
+              <a:t>opptr</a:t>
+            </a:r>
+            <a:r>
+              <a:rPr lang="en-US" sz="1200" b="0" i="0" u="none" strike="noStrike" kern="1200" baseline="0" dirty="0">
+                <a:solidFill>
+                  <a:schemeClr val="tx1"/>
+                </a:solidFill>
+                <a:latin typeface="+mn-lt"/>
+                <a:ea typeface="+mn-ea"/>
+                <a:cs typeface="+mn-cs"/>
+              </a:rPr>
+              <a:t>] - Points to the process descriptor of the process that created P or to the descriptor of process 1</a:t>
+            </a:r>
+          </a:p>
+          <a:p>
+            <a:r>
+              <a:rPr lang="en-US" sz="1200" b="0" i="0" u="none" strike="noStrike" kern="1200" baseline="0" dirty="0">
+                <a:solidFill>
+                  <a:schemeClr val="tx1"/>
+                </a:solidFill>
+                <a:latin typeface="+mn-lt"/>
+                <a:ea typeface="+mn-ea"/>
+                <a:cs typeface="+mn-cs"/>
+              </a:rPr>
+              <a:t>(</a:t>
+            </a:r>
+            <a:r>
+              <a:rPr lang="en-US" sz="1200" b="0" i="1" u="none" strike="noStrike" kern="1200" baseline="0" dirty="0" err="1">
+                <a:solidFill>
+                  <a:schemeClr val="tx1"/>
+                </a:solidFill>
+                <a:latin typeface="+mn-lt"/>
+                <a:ea typeface="+mn-ea"/>
+                <a:cs typeface="+mn-cs"/>
+              </a:rPr>
+              <a:t>init</a:t>
+            </a:r>
+            <a:r>
+              <a:rPr lang="en-US" sz="1200" b="0" i="0" u="none" strike="noStrike" kern="1200" baseline="0" dirty="0">
+                <a:solidFill>
+                  <a:schemeClr val="tx1"/>
+                </a:solidFill>
+                <a:latin typeface="+mn-lt"/>
+                <a:ea typeface="+mn-ea"/>
+                <a:cs typeface="+mn-cs"/>
+              </a:rPr>
+              <a:t>) if the parent process no longer exists. (Therefore, when a user starts a background process and exits the shell, the background process becomes the child of </a:t>
+            </a:r>
+            <a:r>
+              <a:rPr lang="en-US" sz="1200" b="0" i="1" u="none" strike="noStrike" kern="1200" baseline="0" dirty="0" err="1">
+                <a:solidFill>
+                  <a:schemeClr val="tx1"/>
+                </a:solidFill>
+                <a:latin typeface="+mn-lt"/>
+                <a:ea typeface="+mn-ea"/>
+                <a:cs typeface="+mn-cs"/>
+              </a:rPr>
+              <a:t>init</a:t>
+            </a:r>
+            <a:r>
+              <a:rPr lang="en-US" sz="1200" b="0" i="0" u="none" strike="noStrike" kern="1200" baseline="0" dirty="0" err="1">
+                <a:solidFill>
+                  <a:schemeClr val="tx1"/>
+                </a:solidFill>
+                <a:latin typeface="+mn-lt"/>
+                <a:ea typeface="+mn-ea"/>
+                <a:cs typeface="+mn-cs"/>
+              </a:rPr>
+              <a:t>.</a:t>
+            </a:r>
+            <a:r>
+              <a:rPr lang="en-US" sz="1200" b="0" i="0" u="none" strike="noStrike" kern="1200" baseline="0" dirty="0">
+                <a:solidFill>
+                  <a:schemeClr val="tx1"/>
+                </a:solidFill>
+                <a:latin typeface="+mn-lt"/>
+                <a:ea typeface="+mn-ea"/>
+                <a:cs typeface="+mn-cs"/>
+              </a:rPr>
+              <a:t>)</a:t>
+            </a:r>
+            <a:endParaRPr lang="he-IL" dirty="0"/>
+          </a:p>
+          <a:p>
             <a:pPr algn="l" rtl="0"/>
-            <a:r>
-              <a:rPr lang="en-US" b="1" dirty="0"/>
-              <a:t>Advanced</a:t>
-            </a:r>
-            <a:r>
-              <a:rPr lang="en-US" b="1" baseline="0" dirty="0"/>
-              <a:t> Notes: </a:t>
-            </a:r>
-          </a:p>
-          <a:p>
-            <a:pPr marL="228600" indent="-228600" algn="l" rtl="0">
-              <a:buAutoNum type="arabicPeriod"/>
-            </a:pPr>
-            <a:r>
-              <a:rPr lang="en-US" b="0" baseline="0" dirty="0"/>
-              <a:t>The actual implementation returns  </a:t>
-            </a:r>
-            <a:r>
-              <a:rPr lang="en-US" b="1" baseline="0" dirty="0"/>
-              <a:t>current-&gt;</a:t>
-            </a:r>
-            <a:r>
-              <a:rPr lang="en-US" b="1" baseline="0" dirty="0" err="1"/>
-              <a:t>tgid</a:t>
-            </a:r>
-            <a:r>
-              <a:rPr lang="en-US" b="0" baseline="0" dirty="0"/>
-              <a:t>, but we still haven’t learned about threads at this point in the course.</a:t>
-            </a:r>
-          </a:p>
-          <a:p>
-            <a:pPr marL="228600" marR="0" lvl="0" indent="-228600" algn="l" defTabSz="914400" rtl="0" eaLnBrk="1" fontAlgn="auto" latinLnBrk="0" hangingPunct="1">
-              <a:lnSpc>
-                <a:spcPct val="100000"/>
-              </a:lnSpc>
-              <a:spcBef>
-                <a:spcPts val="0"/>
-              </a:spcBef>
-              <a:spcAft>
-                <a:spcPts val="0"/>
-              </a:spcAft>
-              <a:buClrTx/>
-              <a:buSzTx/>
-              <a:buFontTx/>
-              <a:buAutoNum type="arabicPeriod"/>
-              <a:tabLst/>
-              <a:defRPr/>
-            </a:pPr>
-            <a:r>
-              <a:rPr lang="en-US" b="0" baseline="0" dirty="0"/>
-              <a:t>The function returns </a:t>
-            </a:r>
-            <a:r>
-              <a:rPr lang="en-US" b="1" baseline="0" dirty="0"/>
-              <a:t>long</a:t>
-            </a:r>
-            <a:r>
-              <a:rPr lang="en-US" b="0" baseline="0" dirty="0"/>
-              <a:t> for 64 compatibility. It was once an int : </a:t>
-            </a:r>
-            <a:r>
-              <a:rPr lang="en-US" b="0" dirty="0"/>
-              <a:t>https://stackoverflow.com/questions/20940212/why-is-linux-syscall-return-type-long</a:t>
-            </a:r>
-          </a:p>
-          <a:p>
-            <a:pPr marL="228600" indent="-228600" algn="l" rtl="0">
-              <a:buAutoNum type="arabicPeriod"/>
-            </a:pPr>
-            <a:endParaRPr lang="he-IL" b="1" dirty="0"/>
+            <a:endParaRPr lang="en-US" dirty="0"/>
+          </a:p>
+          <a:p>
+            <a:r>
+              <a:rPr lang="en-US" sz="1200" b="1" i="0" kern="1200" dirty="0">
+                <a:solidFill>
+                  <a:schemeClr val="tx1"/>
+                </a:solidFill>
+                <a:effectLst/>
+                <a:latin typeface="+mn-lt"/>
+                <a:ea typeface="+mn-ea"/>
+                <a:cs typeface="+mn-cs"/>
+              </a:rPr>
+              <a:t>Real parent vs. parent</a:t>
+            </a:r>
+          </a:p>
+          <a:p>
+            <a:r>
+              <a:rPr lang="en-US" sz="1200" b="0" i="0" kern="1200" dirty="0">
+                <a:solidFill>
+                  <a:schemeClr val="tx1"/>
+                </a:solidFill>
+                <a:effectLst/>
+                <a:latin typeface="+mn-lt"/>
+                <a:ea typeface="+mn-ea"/>
+                <a:cs typeface="+mn-cs"/>
+              </a:rPr>
+              <a:t>The field parent in </a:t>
+            </a:r>
+            <a:r>
+              <a:rPr lang="en-US" sz="1200" b="0" i="0" kern="1200" dirty="0" err="1">
+                <a:solidFill>
+                  <a:schemeClr val="tx1"/>
+                </a:solidFill>
+                <a:effectLst/>
+                <a:latin typeface="+mn-lt"/>
+                <a:ea typeface="+mn-ea"/>
+                <a:cs typeface="+mn-cs"/>
+              </a:rPr>
+              <a:t>task_struct</a:t>
+            </a:r>
+            <a:r>
+              <a:rPr lang="en-US" sz="1200" b="0" i="0" kern="1200" dirty="0">
+                <a:solidFill>
+                  <a:schemeClr val="tx1"/>
+                </a:solidFill>
+                <a:effectLst/>
+                <a:latin typeface="+mn-lt"/>
+                <a:ea typeface="+mn-ea"/>
+                <a:cs typeface="+mn-cs"/>
+              </a:rPr>
+              <a:t> usually matches the process descriptor pointed by </a:t>
+            </a:r>
+            <a:r>
+              <a:rPr lang="en-US" sz="1200" b="0" i="0" kern="1200" dirty="0" err="1">
+                <a:solidFill>
+                  <a:schemeClr val="tx1"/>
+                </a:solidFill>
+                <a:effectLst/>
+                <a:latin typeface="+mn-lt"/>
+                <a:ea typeface="+mn-ea"/>
+                <a:cs typeface="+mn-cs"/>
+              </a:rPr>
+              <a:t>real_parent</a:t>
+            </a:r>
+            <a:r>
+              <a:rPr lang="en-US" sz="1200" b="0" i="0" kern="1200" dirty="0">
+                <a:solidFill>
+                  <a:schemeClr val="tx1"/>
+                </a:solidFill>
+                <a:effectLst/>
+                <a:latin typeface="+mn-lt"/>
+                <a:ea typeface="+mn-ea"/>
+                <a:cs typeface="+mn-cs"/>
+              </a:rPr>
+              <a:t>.</a:t>
+            </a:r>
+          </a:p>
+          <a:p>
+            <a:r>
+              <a:rPr lang="en-US" sz="1200" b="0" i="0" kern="1200" dirty="0" err="1">
+                <a:solidFill>
+                  <a:schemeClr val="tx1"/>
+                </a:solidFill>
+                <a:effectLst/>
+                <a:latin typeface="+mn-lt"/>
+                <a:ea typeface="+mn-ea"/>
+                <a:cs typeface="+mn-cs"/>
+              </a:rPr>
+              <a:t>real_parent</a:t>
+            </a:r>
+            <a:r>
+              <a:rPr lang="en-US" sz="1200" b="0" i="0" kern="1200" dirty="0">
+                <a:solidFill>
+                  <a:schemeClr val="tx1"/>
+                </a:solidFill>
+                <a:effectLst/>
+                <a:latin typeface="+mn-lt"/>
+                <a:ea typeface="+mn-ea"/>
+                <a:cs typeface="+mn-cs"/>
+              </a:rPr>
+              <a:t>: Points to the process descriptor of the process that </a:t>
+            </a:r>
+            <a:r>
+              <a:rPr lang="en-US" sz="1200" b="1" i="0" kern="1200" dirty="0">
+                <a:solidFill>
+                  <a:schemeClr val="tx1"/>
+                </a:solidFill>
+                <a:effectLst/>
+                <a:latin typeface="+mn-lt"/>
+                <a:ea typeface="+mn-ea"/>
+                <a:cs typeface="+mn-cs"/>
+              </a:rPr>
+              <a:t>created</a:t>
+            </a:r>
+            <a:r>
+              <a:rPr lang="en-US" sz="1200" b="0" i="0" kern="1200" dirty="0">
+                <a:solidFill>
+                  <a:schemeClr val="tx1"/>
+                </a:solidFill>
+                <a:effectLst/>
+                <a:latin typeface="+mn-lt"/>
+                <a:ea typeface="+mn-ea"/>
+                <a:cs typeface="+mn-cs"/>
+              </a:rPr>
+              <a:t> P or to the descriptor of process 1 (</a:t>
+            </a:r>
+            <a:r>
+              <a:rPr lang="en-US" sz="1200" b="1" i="0" kern="1200" dirty="0" err="1">
+                <a:solidFill>
+                  <a:schemeClr val="tx1"/>
+                </a:solidFill>
+                <a:effectLst/>
+                <a:latin typeface="+mn-lt"/>
+                <a:ea typeface="+mn-ea"/>
+                <a:cs typeface="+mn-cs"/>
+              </a:rPr>
+              <a:t>init</a:t>
+            </a:r>
+            <a:r>
+              <a:rPr lang="en-US" sz="1200" b="0" i="0" kern="1200" dirty="0">
+                <a:solidFill>
+                  <a:schemeClr val="tx1"/>
+                </a:solidFill>
+                <a:effectLst/>
+                <a:latin typeface="+mn-lt"/>
+                <a:ea typeface="+mn-ea"/>
+                <a:cs typeface="+mn-cs"/>
+              </a:rPr>
+              <a:t>) if the parent process no longer exists.</a:t>
+            </a:r>
+          </a:p>
+          <a:p>
+            <a:r>
+              <a:rPr lang="en-US" sz="1200" b="0" i="0" kern="1200" dirty="0">
+                <a:solidFill>
+                  <a:schemeClr val="tx1"/>
+                </a:solidFill>
+                <a:effectLst/>
+                <a:latin typeface="+mn-lt"/>
+                <a:ea typeface="+mn-ea"/>
+                <a:cs typeface="+mn-cs"/>
+              </a:rPr>
+              <a:t>parent: Points to the </a:t>
+            </a:r>
+            <a:r>
+              <a:rPr lang="en-US" sz="1200" b="1" i="0" kern="1200" dirty="0">
+                <a:solidFill>
+                  <a:schemeClr val="tx1"/>
+                </a:solidFill>
+                <a:effectLst/>
+                <a:latin typeface="+mn-lt"/>
+                <a:ea typeface="+mn-ea"/>
+                <a:cs typeface="+mn-cs"/>
+              </a:rPr>
+              <a:t>current</a:t>
+            </a:r>
+            <a:r>
+              <a:rPr lang="en-US" sz="1200" b="0" i="0" kern="1200" dirty="0">
+                <a:solidFill>
+                  <a:schemeClr val="tx1"/>
+                </a:solidFill>
+                <a:effectLst/>
+                <a:latin typeface="+mn-lt"/>
+                <a:ea typeface="+mn-ea"/>
+                <a:cs typeface="+mn-cs"/>
+              </a:rPr>
+              <a:t> parent of P (this is the process that must </a:t>
+            </a:r>
+            <a:r>
+              <a:rPr lang="en-US" sz="1200" b="1" i="0" kern="1200" dirty="0">
+                <a:solidFill>
+                  <a:schemeClr val="tx1"/>
+                </a:solidFill>
+                <a:effectLst/>
+                <a:latin typeface="+mn-lt"/>
+                <a:ea typeface="+mn-ea"/>
+                <a:cs typeface="+mn-cs"/>
+              </a:rPr>
+              <a:t>be signaled</a:t>
+            </a:r>
+            <a:r>
+              <a:rPr lang="en-US" sz="1200" b="0" i="0" kern="1200" dirty="0">
+                <a:solidFill>
+                  <a:schemeClr val="tx1"/>
+                </a:solidFill>
+                <a:effectLst/>
+                <a:latin typeface="+mn-lt"/>
+                <a:ea typeface="+mn-ea"/>
+                <a:cs typeface="+mn-cs"/>
+              </a:rPr>
+              <a:t> when the child process terminates, i.e. SIGCHLD). It may occasionally differ from </a:t>
+            </a:r>
+            <a:r>
+              <a:rPr lang="en-US" sz="1200" b="0" i="0" kern="1200" dirty="0" err="1">
+                <a:solidFill>
+                  <a:schemeClr val="tx1"/>
+                </a:solidFill>
+                <a:effectLst/>
+                <a:latin typeface="+mn-lt"/>
+                <a:ea typeface="+mn-ea"/>
+                <a:cs typeface="+mn-cs"/>
+              </a:rPr>
+              <a:t>real_parent</a:t>
+            </a:r>
+            <a:r>
+              <a:rPr lang="en-US" sz="1200" b="0" i="0" kern="1200" dirty="0">
+                <a:solidFill>
+                  <a:schemeClr val="tx1"/>
+                </a:solidFill>
+                <a:effectLst/>
+                <a:latin typeface="+mn-lt"/>
+                <a:ea typeface="+mn-ea"/>
+                <a:cs typeface="+mn-cs"/>
+              </a:rPr>
+              <a:t> in some cases, such as when another process issues a </a:t>
+            </a:r>
+            <a:r>
+              <a:rPr lang="en-US" sz="1200" b="0" i="0" kern="1200" dirty="0" err="1">
+                <a:solidFill>
+                  <a:schemeClr val="tx1"/>
+                </a:solidFill>
+                <a:effectLst/>
+                <a:latin typeface="+mn-lt"/>
+                <a:ea typeface="+mn-ea"/>
+                <a:cs typeface="+mn-cs"/>
+              </a:rPr>
+              <a:t>ptrace</a:t>
+            </a:r>
+            <a:r>
+              <a:rPr lang="en-US" sz="1200" b="0" i="0" kern="1200" dirty="0">
+                <a:solidFill>
+                  <a:schemeClr val="tx1"/>
+                </a:solidFill>
+                <a:effectLst/>
+                <a:latin typeface="+mn-lt"/>
+                <a:ea typeface="+mn-ea"/>
+                <a:cs typeface="+mn-cs"/>
+              </a:rPr>
+              <a:t>() system call requesting that it be allowed to monitor P.</a:t>
+            </a:r>
+          </a:p>
+          <a:p>
+            <a:pPr algn="l" rtl="0"/>
+            <a:endParaRPr lang="en-US" dirty="0"/>
           </a:p>
         </p:txBody>
       </p:sp>
@@ -3085,7 +3548,7 @@
             <a:fld id="{94525A9A-2399-4ACF-975E-77FD324B061A}" type="slidenum">
               <a:rPr lang="en-US" smtClean="0"/>
               <a:pPr/>
-              <a:t>34</a:t>
+              <a:t>36</a:t>
             </a:fld>
             <a:endParaRPr lang="en-US"/>
           </a:p>
@@ -3094,7 +3557,7 @@
     </p:spTree>
     <p:extLst>
       <p:ext uri="{BB962C8B-B14F-4D97-AF65-F5344CB8AC3E}">
-        <p14:creationId xmlns:p14="http://schemas.microsoft.com/office/powerpoint/2010/main" val="3315886146"/>
+        <p14:creationId xmlns:p14="http://schemas.microsoft.com/office/powerpoint/2010/main" val="2198451286"/>
       </p:ext>
     </p:extLst>
   </p:cSld>
@@ -3148,473 +3611,44 @@
           <a:bodyPr/>
           <a:lstStyle/>
           <a:p>
+            <a:pPr marL="0" marR="0" lvl="0" indent="0" algn="r" defTabSz="914400" rtl="1" eaLnBrk="1" fontAlgn="auto" latinLnBrk="0" hangingPunct="1">
+              <a:lnSpc>
+                <a:spcPct val="100000"/>
+              </a:lnSpc>
+              <a:spcBef>
+                <a:spcPts val="0"/>
+              </a:spcBef>
+              <a:spcAft>
+                <a:spcPts val="0"/>
+              </a:spcAft>
+              <a:buClrTx/>
+              <a:buSzTx/>
+              <a:buFontTx/>
+              <a:buNone/>
+              <a:tabLst/>
+              <a:defRPr/>
+            </a:pPr>
+            <a:r>
+              <a:rPr lang="he-IL"/>
+              <a:t>שימו לב: </a:t>
+            </a:r>
+            <a:r>
+              <a:rPr lang="he-IL" altLang="en-US"/>
+              <a:t>התיעוד של </a:t>
+            </a:r>
+            <a:r>
+              <a:rPr lang="en-US" altLang="en-US"/>
+              <a:t>wait()</a:t>
+            </a:r>
+            <a:r>
+              <a:rPr lang="he-IL" altLang="en-US"/>
+              <a:t> לא מבטיח ערך חזרה לפי סדר היצירה, למרות שכך לינוקס עושה בפועל.</a:t>
+            </a:r>
+            <a:endParaRPr lang="en-US" altLang="en-US"/>
+          </a:p>
+          <a:p>
             <a:pPr algn="r" rtl="1"/>
-            <a:r>
-              <a:rPr lang="he-IL" dirty="0"/>
-              <a:t>שאלה של סטודנט: האם כדי לתאר בן יתום </a:t>
-            </a:r>
-            <a:r>
-              <a:rPr lang="en-US" dirty="0" err="1"/>
-              <a:t>opptr</a:t>
-            </a:r>
-            <a:r>
-              <a:rPr lang="he-IL" dirty="0"/>
-              <a:t> מצביע ל-</a:t>
-            </a:r>
-            <a:r>
-              <a:rPr lang="en-US" dirty="0"/>
-              <a:t>NULL</a:t>
-            </a:r>
-            <a:r>
-              <a:rPr lang="he-IL" dirty="0"/>
-              <a:t> ו-</a:t>
-            </a:r>
-            <a:r>
-              <a:rPr lang="en-US" dirty="0" err="1"/>
-              <a:t>pptr</a:t>
-            </a:r>
-            <a:r>
-              <a:rPr lang="he-IL" dirty="0"/>
-              <a:t> מצביע לתהליך </a:t>
-            </a:r>
-            <a:r>
-              <a:rPr lang="en-US" dirty="0" err="1"/>
-              <a:t>init</a:t>
-            </a:r>
-            <a:r>
-              <a:rPr lang="he-IL" dirty="0"/>
-              <a:t> שיורש בנים יתומים?</a:t>
-            </a:r>
-          </a:p>
-          <a:p>
-            <a:pPr algn="r" rtl="1"/>
-            <a:r>
-              <a:rPr lang="he-IL" dirty="0"/>
-              <a:t>תשובה:</a:t>
-            </a:r>
-            <a:r>
-              <a:rPr lang="en-US" dirty="0"/>
-              <a:t> </a:t>
-            </a:r>
-            <a:r>
-              <a:rPr lang="he-IL" dirty="0"/>
-              <a:t>ע"פ הספר </a:t>
-            </a:r>
-            <a:r>
-              <a:rPr lang="en-US" dirty="0"/>
-              <a:t>UTLK3</a:t>
-            </a:r>
-            <a:r>
-              <a:rPr lang="he-IL" dirty="0"/>
-              <a:t> התשובה שלילית. </a:t>
-            </a:r>
-            <a:r>
-              <a:rPr lang="en-US" dirty="0" err="1"/>
-              <a:t>opptr</a:t>
-            </a:r>
-            <a:r>
-              <a:rPr lang="en-US" dirty="0"/>
-              <a:t>, </a:t>
-            </a:r>
-            <a:r>
-              <a:rPr lang="en-US" dirty="0" err="1"/>
-              <a:t>pptr</a:t>
-            </a:r>
-            <a:r>
-              <a:rPr lang="he-IL" dirty="0"/>
-              <a:t> יצביעו שניהם על </a:t>
-            </a:r>
-            <a:r>
-              <a:rPr lang="en-US" dirty="0" err="1"/>
-              <a:t>init</a:t>
-            </a:r>
-            <a:r>
-              <a:rPr lang="he-IL" dirty="0"/>
-              <a:t>.</a:t>
-            </a:r>
-          </a:p>
-          <a:p>
-            <a:r>
-              <a:rPr lang="en-US" sz="1200" b="0" i="0" u="none" strike="noStrike" kern="1200" baseline="0" dirty="0" err="1">
-                <a:solidFill>
-                  <a:schemeClr val="tx1"/>
-                </a:solidFill>
-                <a:latin typeface="+mn-lt"/>
-                <a:ea typeface="+mn-ea"/>
-                <a:cs typeface="+mn-cs"/>
-              </a:rPr>
-              <a:t>real_parent</a:t>
-            </a:r>
-            <a:r>
-              <a:rPr lang="en-US" sz="1200" b="0" i="0" u="none" strike="noStrike" kern="1200" baseline="0" dirty="0">
-                <a:solidFill>
-                  <a:schemeClr val="tx1"/>
-                </a:solidFill>
-                <a:latin typeface="+mn-lt"/>
-                <a:ea typeface="+mn-ea"/>
-                <a:cs typeface="+mn-cs"/>
-              </a:rPr>
-              <a:t> [</a:t>
-            </a:r>
-            <a:r>
-              <a:rPr lang="en-US" sz="1200" b="0" i="0" u="none" strike="noStrike" kern="1200" baseline="0" dirty="0" err="1">
-                <a:solidFill>
-                  <a:schemeClr val="tx1"/>
-                </a:solidFill>
-                <a:latin typeface="+mn-lt"/>
-                <a:ea typeface="+mn-ea"/>
-                <a:cs typeface="+mn-cs"/>
-              </a:rPr>
-              <a:t>opptr</a:t>
-            </a:r>
-            <a:r>
-              <a:rPr lang="en-US" sz="1200" b="0" i="0" u="none" strike="noStrike" kern="1200" baseline="0" dirty="0">
-                <a:solidFill>
-                  <a:schemeClr val="tx1"/>
-                </a:solidFill>
-                <a:latin typeface="+mn-lt"/>
-                <a:ea typeface="+mn-ea"/>
-                <a:cs typeface="+mn-cs"/>
-              </a:rPr>
-              <a:t>] - Points to the process descriptor of the process that created P or to the descriptor of process 1</a:t>
-            </a:r>
-          </a:p>
-          <a:p>
-            <a:r>
-              <a:rPr lang="en-US" sz="1200" b="0" i="0" u="none" strike="noStrike" kern="1200" baseline="0" dirty="0">
-                <a:solidFill>
-                  <a:schemeClr val="tx1"/>
-                </a:solidFill>
-                <a:latin typeface="+mn-lt"/>
-                <a:ea typeface="+mn-ea"/>
-                <a:cs typeface="+mn-cs"/>
-              </a:rPr>
-              <a:t>(</a:t>
-            </a:r>
-            <a:r>
-              <a:rPr lang="en-US" sz="1200" b="0" i="1" u="none" strike="noStrike" kern="1200" baseline="0" dirty="0" err="1">
-                <a:solidFill>
-                  <a:schemeClr val="tx1"/>
-                </a:solidFill>
-                <a:latin typeface="+mn-lt"/>
-                <a:ea typeface="+mn-ea"/>
-                <a:cs typeface="+mn-cs"/>
-              </a:rPr>
-              <a:t>init</a:t>
-            </a:r>
-            <a:r>
-              <a:rPr lang="en-US" sz="1200" b="0" i="0" u="none" strike="noStrike" kern="1200" baseline="0" dirty="0">
-                <a:solidFill>
-                  <a:schemeClr val="tx1"/>
-                </a:solidFill>
-                <a:latin typeface="+mn-lt"/>
-                <a:ea typeface="+mn-ea"/>
-                <a:cs typeface="+mn-cs"/>
-              </a:rPr>
-              <a:t>) if the parent process no longer exists. (Therefore, when a user starts a background process and exits the shell, the background process becomes the child of </a:t>
-            </a:r>
-            <a:r>
-              <a:rPr lang="en-US" sz="1200" b="0" i="1" u="none" strike="noStrike" kern="1200" baseline="0" dirty="0" err="1">
-                <a:solidFill>
-                  <a:schemeClr val="tx1"/>
-                </a:solidFill>
-                <a:latin typeface="+mn-lt"/>
-                <a:ea typeface="+mn-ea"/>
-                <a:cs typeface="+mn-cs"/>
-              </a:rPr>
-              <a:t>init</a:t>
-            </a:r>
-            <a:r>
-              <a:rPr lang="en-US" sz="1200" b="0" i="0" u="none" strike="noStrike" kern="1200" baseline="0" dirty="0" err="1">
-                <a:solidFill>
-                  <a:schemeClr val="tx1"/>
-                </a:solidFill>
-                <a:latin typeface="+mn-lt"/>
-                <a:ea typeface="+mn-ea"/>
-                <a:cs typeface="+mn-cs"/>
-              </a:rPr>
-              <a:t>.</a:t>
-            </a:r>
-            <a:r>
-              <a:rPr lang="en-US" sz="1200" b="0" i="0" u="none" strike="noStrike" kern="1200" baseline="0" dirty="0">
-                <a:solidFill>
-                  <a:schemeClr val="tx1"/>
-                </a:solidFill>
-                <a:latin typeface="+mn-lt"/>
-                <a:ea typeface="+mn-ea"/>
-                <a:cs typeface="+mn-cs"/>
-              </a:rPr>
-              <a:t>)</a:t>
-            </a:r>
-            <a:endParaRPr lang="he-IL" dirty="0"/>
-          </a:p>
-          <a:p>
-            <a:pPr algn="l" rtl="0"/>
-            <a:endParaRPr lang="en-US" dirty="0"/>
-          </a:p>
-          <a:p>
-            <a:r>
-              <a:rPr lang="en-US" sz="1200" b="1" i="0" kern="1200" dirty="0">
-                <a:solidFill>
-                  <a:schemeClr val="tx1"/>
-                </a:solidFill>
-                <a:effectLst/>
-                <a:latin typeface="+mn-lt"/>
-                <a:ea typeface="+mn-ea"/>
-                <a:cs typeface="+mn-cs"/>
-              </a:rPr>
-              <a:t>Real parent vs. parent</a:t>
-            </a:r>
-          </a:p>
-          <a:p>
-            <a:r>
-              <a:rPr lang="en-US" sz="1200" b="0" i="0" kern="1200" dirty="0">
-                <a:solidFill>
-                  <a:schemeClr val="tx1"/>
-                </a:solidFill>
-                <a:effectLst/>
-                <a:latin typeface="+mn-lt"/>
-                <a:ea typeface="+mn-ea"/>
-                <a:cs typeface="+mn-cs"/>
-              </a:rPr>
-              <a:t>The field parent in </a:t>
-            </a:r>
-            <a:r>
-              <a:rPr lang="en-US" sz="1200" b="0" i="0" kern="1200" dirty="0" err="1">
-                <a:solidFill>
-                  <a:schemeClr val="tx1"/>
-                </a:solidFill>
-                <a:effectLst/>
-                <a:latin typeface="+mn-lt"/>
-                <a:ea typeface="+mn-ea"/>
-                <a:cs typeface="+mn-cs"/>
-              </a:rPr>
-              <a:t>task_struct</a:t>
-            </a:r>
-            <a:r>
-              <a:rPr lang="en-US" sz="1200" b="0" i="0" kern="1200" dirty="0">
-                <a:solidFill>
-                  <a:schemeClr val="tx1"/>
-                </a:solidFill>
-                <a:effectLst/>
-                <a:latin typeface="+mn-lt"/>
-                <a:ea typeface="+mn-ea"/>
-                <a:cs typeface="+mn-cs"/>
-              </a:rPr>
-              <a:t> usually matches the process descriptor pointed by </a:t>
-            </a:r>
-            <a:r>
-              <a:rPr lang="en-US" sz="1200" b="0" i="0" kern="1200" dirty="0" err="1">
-                <a:solidFill>
-                  <a:schemeClr val="tx1"/>
-                </a:solidFill>
-                <a:effectLst/>
-                <a:latin typeface="+mn-lt"/>
-                <a:ea typeface="+mn-ea"/>
-                <a:cs typeface="+mn-cs"/>
-              </a:rPr>
-              <a:t>real_parent</a:t>
-            </a:r>
-            <a:r>
-              <a:rPr lang="en-US" sz="1200" b="0" i="0" kern="1200" dirty="0">
-                <a:solidFill>
-                  <a:schemeClr val="tx1"/>
-                </a:solidFill>
-                <a:effectLst/>
-                <a:latin typeface="+mn-lt"/>
-                <a:ea typeface="+mn-ea"/>
-                <a:cs typeface="+mn-cs"/>
-              </a:rPr>
-              <a:t>.</a:t>
-            </a:r>
-          </a:p>
-          <a:p>
-            <a:r>
-              <a:rPr lang="en-US" sz="1200" b="0" i="0" kern="1200" dirty="0" err="1">
-                <a:solidFill>
-                  <a:schemeClr val="tx1"/>
-                </a:solidFill>
-                <a:effectLst/>
-                <a:latin typeface="+mn-lt"/>
-                <a:ea typeface="+mn-ea"/>
-                <a:cs typeface="+mn-cs"/>
-              </a:rPr>
-              <a:t>real_parent</a:t>
-            </a:r>
-            <a:r>
-              <a:rPr lang="en-US" sz="1200" b="0" i="0" kern="1200" dirty="0">
-                <a:solidFill>
-                  <a:schemeClr val="tx1"/>
-                </a:solidFill>
-                <a:effectLst/>
-                <a:latin typeface="+mn-lt"/>
-                <a:ea typeface="+mn-ea"/>
-                <a:cs typeface="+mn-cs"/>
-              </a:rPr>
-              <a:t>: Points to the process descriptor of the process that </a:t>
-            </a:r>
-            <a:r>
-              <a:rPr lang="en-US" sz="1200" b="1" i="0" kern="1200" dirty="0">
-                <a:solidFill>
-                  <a:schemeClr val="tx1"/>
-                </a:solidFill>
-                <a:effectLst/>
-                <a:latin typeface="+mn-lt"/>
-                <a:ea typeface="+mn-ea"/>
-                <a:cs typeface="+mn-cs"/>
-              </a:rPr>
-              <a:t>created</a:t>
-            </a:r>
-            <a:r>
-              <a:rPr lang="en-US" sz="1200" b="0" i="0" kern="1200" dirty="0">
-                <a:solidFill>
-                  <a:schemeClr val="tx1"/>
-                </a:solidFill>
-                <a:effectLst/>
-                <a:latin typeface="+mn-lt"/>
-                <a:ea typeface="+mn-ea"/>
-                <a:cs typeface="+mn-cs"/>
-              </a:rPr>
-              <a:t> P or to the descriptor of process 1 (</a:t>
-            </a:r>
-            <a:r>
-              <a:rPr lang="en-US" sz="1200" b="1" i="0" kern="1200" dirty="0" err="1">
-                <a:solidFill>
-                  <a:schemeClr val="tx1"/>
-                </a:solidFill>
-                <a:effectLst/>
-                <a:latin typeface="+mn-lt"/>
-                <a:ea typeface="+mn-ea"/>
-                <a:cs typeface="+mn-cs"/>
-              </a:rPr>
-              <a:t>init</a:t>
-            </a:r>
-            <a:r>
-              <a:rPr lang="en-US" sz="1200" b="0" i="0" kern="1200" dirty="0">
-                <a:solidFill>
-                  <a:schemeClr val="tx1"/>
-                </a:solidFill>
-                <a:effectLst/>
-                <a:latin typeface="+mn-lt"/>
-                <a:ea typeface="+mn-ea"/>
-                <a:cs typeface="+mn-cs"/>
-              </a:rPr>
-              <a:t>) if the parent process no longer exists.</a:t>
-            </a:r>
-          </a:p>
-          <a:p>
-            <a:r>
-              <a:rPr lang="en-US" sz="1200" b="0" i="0" kern="1200" dirty="0">
-                <a:solidFill>
-                  <a:schemeClr val="tx1"/>
-                </a:solidFill>
-                <a:effectLst/>
-                <a:latin typeface="+mn-lt"/>
-                <a:ea typeface="+mn-ea"/>
-                <a:cs typeface="+mn-cs"/>
-              </a:rPr>
-              <a:t>parent: Points to the </a:t>
-            </a:r>
-            <a:r>
-              <a:rPr lang="en-US" sz="1200" b="1" i="0" kern="1200" dirty="0">
-                <a:solidFill>
-                  <a:schemeClr val="tx1"/>
-                </a:solidFill>
-                <a:effectLst/>
-                <a:latin typeface="+mn-lt"/>
-                <a:ea typeface="+mn-ea"/>
-                <a:cs typeface="+mn-cs"/>
-              </a:rPr>
-              <a:t>current</a:t>
-            </a:r>
-            <a:r>
-              <a:rPr lang="en-US" sz="1200" b="0" i="0" kern="1200" dirty="0">
-                <a:solidFill>
-                  <a:schemeClr val="tx1"/>
-                </a:solidFill>
-                <a:effectLst/>
-                <a:latin typeface="+mn-lt"/>
-                <a:ea typeface="+mn-ea"/>
-                <a:cs typeface="+mn-cs"/>
-              </a:rPr>
-              <a:t> parent of P (this is the process that must </a:t>
-            </a:r>
-            <a:r>
-              <a:rPr lang="en-US" sz="1200" b="1" i="0" kern="1200" dirty="0">
-                <a:solidFill>
-                  <a:schemeClr val="tx1"/>
-                </a:solidFill>
-                <a:effectLst/>
-                <a:latin typeface="+mn-lt"/>
-                <a:ea typeface="+mn-ea"/>
-                <a:cs typeface="+mn-cs"/>
-              </a:rPr>
-              <a:t>be signaled</a:t>
-            </a:r>
-            <a:r>
-              <a:rPr lang="en-US" sz="1200" b="0" i="0" kern="1200" dirty="0">
-                <a:solidFill>
-                  <a:schemeClr val="tx1"/>
-                </a:solidFill>
-                <a:effectLst/>
-                <a:latin typeface="+mn-lt"/>
-                <a:ea typeface="+mn-ea"/>
-                <a:cs typeface="+mn-cs"/>
-              </a:rPr>
-              <a:t> when the child process terminates, i.e. SIGCHLD). It may occasionally differ from </a:t>
-            </a:r>
-            <a:r>
-              <a:rPr lang="en-US" sz="1200" b="0" i="0" kern="1200" dirty="0" err="1">
-                <a:solidFill>
-                  <a:schemeClr val="tx1"/>
-                </a:solidFill>
-                <a:effectLst/>
-                <a:latin typeface="+mn-lt"/>
-                <a:ea typeface="+mn-ea"/>
-                <a:cs typeface="+mn-cs"/>
-              </a:rPr>
-              <a:t>real_parent</a:t>
-            </a:r>
-            <a:r>
-              <a:rPr lang="en-US" sz="1200" b="0" i="0" kern="1200" dirty="0">
-                <a:solidFill>
-                  <a:schemeClr val="tx1"/>
-                </a:solidFill>
-                <a:effectLst/>
-                <a:latin typeface="+mn-lt"/>
-                <a:ea typeface="+mn-ea"/>
-                <a:cs typeface="+mn-cs"/>
-              </a:rPr>
-              <a:t> in some cases, such as when another process issues a </a:t>
-            </a:r>
-            <a:r>
-              <a:rPr lang="en-US" sz="1200" b="0" i="0" kern="1200" dirty="0" err="1">
-                <a:solidFill>
-                  <a:schemeClr val="tx1"/>
-                </a:solidFill>
-                <a:effectLst/>
-                <a:latin typeface="+mn-lt"/>
-                <a:ea typeface="+mn-ea"/>
-                <a:cs typeface="+mn-cs"/>
-              </a:rPr>
-              <a:t>ptrace</a:t>
-            </a:r>
-            <a:r>
-              <a:rPr lang="en-US" sz="1200" b="0" i="0" kern="1200" dirty="0">
-                <a:solidFill>
-                  <a:schemeClr val="tx1"/>
-                </a:solidFill>
-                <a:effectLst/>
-                <a:latin typeface="+mn-lt"/>
-                <a:ea typeface="+mn-ea"/>
-                <a:cs typeface="+mn-cs"/>
-              </a:rPr>
-              <a:t>() system call requesting that it be allowed to monitor P.</a:t>
-            </a:r>
-          </a:p>
-          <a:p>
-            <a:pPr algn="l" rtl="0"/>
-            <a:endParaRPr lang="en-US" dirty="0"/>
+            <a:endParaRPr lang="en-US"/>
           </a:p>
         </p:txBody>
       </p:sp>
@@ -3636,7 +3670,7 @@
             <a:fld id="{94525A9A-2399-4ACF-975E-77FD324B061A}" type="slidenum">
               <a:rPr lang="en-US" smtClean="0"/>
               <a:pPr/>
-              <a:t>35</a:t>
+              <a:t>37</a:t>
             </a:fld>
             <a:endParaRPr lang="en-US"/>
           </a:p>
@@ -3645,7 +3679,7 @@
     </p:spTree>
     <p:extLst>
       <p:ext uri="{BB962C8B-B14F-4D97-AF65-F5344CB8AC3E}">
-        <p14:creationId xmlns:p14="http://schemas.microsoft.com/office/powerpoint/2010/main" val="2198451286"/>
+        <p14:creationId xmlns:p14="http://schemas.microsoft.com/office/powerpoint/2010/main" val="2822651228"/>
       </p:ext>
     </p:extLst>
   </p:cSld>
@@ -3699,44 +3733,47 @@
           <a:bodyPr/>
           <a:lstStyle/>
           <a:p>
-            <a:pPr marL="0" marR="0" lvl="0" indent="0" algn="r" defTabSz="914400" rtl="1" eaLnBrk="1" fontAlgn="auto" latinLnBrk="0" hangingPunct="1">
-              <a:lnSpc>
-                <a:spcPct val="100000"/>
-              </a:lnSpc>
-              <a:spcBef>
-                <a:spcPts val="0"/>
-              </a:spcBef>
-              <a:spcAft>
-                <a:spcPts val="0"/>
-              </a:spcAft>
-              <a:buClrTx/>
-              <a:buSzTx/>
-              <a:buFontTx/>
-              <a:buNone/>
-              <a:tabLst/>
-              <a:defRPr/>
-            </a:pPr>
-            <a:r>
-              <a:rPr lang="he-IL"/>
-              <a:t>שימו לב: </a:t>
-            </a:r>
-            <a:r>
-              <a:rPr lang="he-IL" altLang="en-US"/>
-              <a:t>התיעוד של </a:t>
-            </a:r>
-            <a:r>
-              <a:rPr lang="en-US" altLang="en-US"/>
-              <a:t>wait()</a:t>
-            </a:r>
-            <a:r>
-              <a:rPr lang="he-IL" altLang="en-US"/>
-              <a:t> לא מבטיח ערך חזרה לפי סדר היצירה, למרות שכך לינוקס עושה בפועל.</a:t>
-            </a:r>
-            <a:endParaRPr lang="en-US" altLang="en-US"/>
-          </a:p>
-          <a:p>
-            <a:pPr algn="r" rtl="1"/>
-            <a:endParaRPr lang="en-US"/>
+            <a:r>
+              <a:rPr lang="en-US" b="1"/>
+              <a:t>Answer:</a:t>
+            </a:r>
+            <a:r>
+              <a:rPr lang="en-US" b="0" baseline="0"/>
+              <a:t> it is useful for removing and adding mid list – we can supply a pointer to one of the list elements and use it to delete the cell and connect the next process to the one before the removed cell.</a:t>
+            </a:r>
+          </a:p>
+          <a:p>
+            <a:endParaRPr lang="en-US" b="1"/>
+          </a:p>
+          <a:p>
+            <a:r>
+              <a:rPr lang="en-US" b="1"/>
+              <a:t>Question for the students:</a:t>
+            </a:r>
+            <a:r>
+              <a:rPr lang="en-US" b="1" baseline="0"/>
+              <a:t> </a:t>
+            </a:r>
+            <a:r>
+              <a:rPr lang="en-US" b="0" baseline="0"/>
+              <a:t>Why do we need this, if we have the hash table?</a:t>
+            </a:r>
+            <a:endParaRPr lang="he-IL" b="0" baseline="0"/>
+          </a:p>
+          <a:p>
+            <a:r>
+              <a:rPr lang="en-US" b="1"/>
+              <a:t>Answer:</a:t>
+            </a:r>
+            <a:r>
+              <a:rPr lang="en-US" b="1" baseline="0"/>
+              <a:t> </a:t>
+            </a:r>
+            <a:r>
+              <a:rPr lang="en-US" b="0" baseline="0"/>
+              <a:t>For operations that need to iterate over all of the available processes – for example, PID recycling. </a:t>
+            </a:r>
+            <a:endParaRPr lang="en-US" b="1"/>
           </a:p>
         </p:txBody>
       </p:sp>
@@ -3758,7 +3795,7 @@
             <a:fld id="{94525A9A-2399-4ACF-975E-77FD324B061A}" type="slidenum">
               <a:rPr lang="en-US" smtClean="0"/>
               <a:pPr/>
-              <a:t>36</a:t>
+              <a:t>38</a:t>
             </a:fld>
             <a:endParaRPr lang="en-US"/>
           </a:p>
@@ -3767,7 +3804,7 @@
     </p:spTree>
     <p:extLst>
       <p:ext uri="{BB962C8B-B14F-4D97-AF65-F5344CB8AC3E}">
-        <p14:creationId xmlns:p14="http://schemas.microsoft.com/office/powerpoint/2010/main" val="2822651228"/>
+        <p14:creationId xmlns:p14="http://schemas.microsoft.com/office/powerpoint/2010/main" val="4225373184"/>
       </p:ext>
     </p:extLst>
   </p:cSld>
@@ -3821,47 +3858,24 @@
           <a:bodyPr/>
           <a:lstStyle/>
           <a:p>
-            <a:r>
-              <a:rPr lang="en-US" b="1"/>
-              <a:t>Answer:</a:t>
-            </a:r>
-            <a:r>
-              <a:rPr lang="en-US" b="0" baseline="0"/>
-              <a:t> it is useful for removing and adding mid list – we can supply a pointer to one of the list elements and use it to delete the cell and connect the next process to the one before the removed cell.</a:t>
-            </a:r>
-          </a:p>
-          <a:p>
-            <a:endParaRPr lang="en-US" b="1"/>
-          </a:p>
-          <a:p>
-            <a:r>
-              <a:rPr lang="en-US" b="1"/>
-              <a:t>Question for the students:</a:t>
-            </a:r>
-            <a:r>
-              <a:rPr lang="en-US" b="1" baseline="0"/>
-              <a:t> </a:t>
-            </a:r>
-            <a:r>
-              <a:rPr lang="en-US" b="0" baseline="0"/>
-              <a:t>Why do we need this, if we have the hash table?</a:t>
-            </a:r>
-            <a:endParaRPr lang="he-IL" b="0" baseline="0"/>
-          </a:p>
-          <a:p>
-            <a:r>
-              <a:rPr lang="en-US" b="1"/>
-              <a:t>Answer:</a:t>
-            </a:r>
-            <a:r>
-              <a:rPr lang="en-US" b="1" baseline="0"/>
-              <a:t> </a:t>
-            </a:r>
-            <a:r>
-              <a:rPr lang="en-US" b="0" baseline="0"/>
-              <a:t>For operations that need to iterate over all of the available processes – for example, PID recycling. </a:t>
-            </a:r>
-            <a:endParaRPr lang="en-US" b="1"/>
+            <a:pPr marL="0" marR="0" lvl="0" indent="0" algn="r" defTabSz="914400" rtl="1" eaLnBrk="1" fontAlgn="auto" latinLnBrk="0" hangingPunct="1">
+              <a:lnSpc>
+                <a:spcPct val="100000"/>
+              </a:lnSpc>
+              <a:spcBef>
+                <a:spcPts val="0"/>
+              </a:spcBef>
+              <a:spcAft>
+                <a:spcPts val="0"/>
+              </a:spcAft>
+              <a:buClrTx/>
+              <a:buSzTx/>
+              <a:buFontTx/>
+              <a:buNone/>
+              <a:tabLst/>
+              <a:defRPr/>
+            </a:pPr>
+            <a:endParaRPr lang="en-US" dirty="0"/>
           </a:p>
         </p:txBody>
       </p:sp>
@@ -3883,7 +3897,7 @@
             <a:fld id="{94525A9A-2399-4ACF-975E-77FD324B061A}" type="slidenum">
               <a:rPr lang="en-US" smtClean="0"/>
               <a:pPr/>
-              <a:t>37</a:t>
+              <a:t>39</a:t>
             </a:fld>
             <a:endParaRPr lang="en-US"/>
           </a:p>
@@ -3892,7 +3906,7 @@
     </p:spTree>
     <p:extLst>
       <p:ext uri="{BB962C8B-B14F-4D97-AF65-F5344CB8AC3E}">
-        <p14:creationId xmlns:p14="http://schemas.microsoft.com/office/powerpoint/2010/main" val="4225373184"/>
+        <p14:creationId xmlns:p14="http://schemas.microsoft.com/office/powerpoint/2010/main" val="1357349691"/>
       </p:ext>
     </p:extLst>
   </p:cSld>
@@ -4419,24 +4433,106 @@
           <a:bodyPr/>
           <a:lstStyle/>
           <a:p>
-            <a:pPr marL="0" marR="0" lvl="0" indent="0" algn="r" defTabSz="914400" rtl="1" eaLnBrk="1" fontAlgn="auto" latinLnBrk="0" hangingPunct="1">
-              <a:lnSpc>
-                <a:spcPct val="100000"/>
-              </a:lnSpc>
-              <a:spcBef>
-                <a:spcPts val="0"/>
-              </a:spcBef>
-              <a:spcAft>
-                <a:spcPts val="0"/>
-              </a:spcAft>
-              <a:buClrTx/>
-              <a:buSzTx/>
-              <a:buFontTx/>
-              <a:buNone/>
-              <a:tabLst/>
-              <a:defRPr/>
+            <a:pPr marL="171450" lvl="0" indent="-171450" algn="r" rtl="1">
+              <a:buFont typeface="Arial" panose="020B0604020202020204" pitchFamily="34" charset="0"/>
+              <a:buChar char="•"/>
             </a:pPr>
-            <a:endParaRPr lang="en-US" dirty="0"/>
+            <a:r>
+              <a:rPr lang="he-IL" altLang="en-US" dirty="0"/>
+              <a:t>גודל הטבלה הוא </a:t>
+            </a:r>
+            <a:r>
+              <a:rPr lang="en-US" altLang="en-US" dirty="0"/>
+              <a:t>PIDHASH_SZ</a:t>
+            </a:r>
+            <a:r>
+              <a:rPr lang="he-IL" altLang="en-US" dirty="0"/>
+              <a:t> (בד"כ 1024) כניסות.</a:t>
+            </a:r>
+            <a:endParaRPr lang="en-US" altLang="en-US" dirty="0"/>
+          </a:p>
+          <a:p>
+            <a:pPr marL="171450" lvl="0" indent="-171450" algn="r" rtl="1">
+              <a:buFont typeface="Arial" panose="020B0604020202020204" pitchFamily="34" charset="0"/>
+              <a:buChar char="•"/>
+            </a:pPr>
+            <a:r>
+              <a:rPr lang="he-IL" altLang="en-US" dirty="0"/>
+              <a:t>בדרך-כלל מספר התהליכים במערכת קטן בהרבה מ-</a:t>
+            </a:r>
+            <a:r>
+              <a:rPr lang="en-US" altLang="en-US" dirty="0"/>
+              <a:t>32K</a:t>
+            </a:r>
+            <a:r>
+              <a:rPr lang="he-IL" altLang="en-US" dirty="0"/>
+              <a:t> ולכן אין צורך להחזיק כניסות עבור כל ה-</a:t>
+            </a:r>
+            <a:r>
+              <a:rPr lang="en-US" altLang="en-US" dirty="0" err="1"/>
+              <a:t>pid</a:t>
+            </a:r>
+            <a:r>
+              <a:rPr lang="he-IL" altLang="en-US" dirty="0"/>
+              <a:t> האפשריים.</a:t>
+            </a:r>
+            <a:r>
+              <a:rPr lang="en-US" altLang="en-US" baseline="0" dirty="0"/>
+              <a:t> </a:t>
+            </a:r>
+          </a:p>
+          <a:p>
+            <a:pPr marL="171450" lvl="0" indent="-171450" algn="r" rtl="1">
+              <a:buFont typeface="Arial" panose="020B0604020202020204" pitchFamily="34" charset="0"/>
+              <a:buChar char="•"/>
+            </a:pPr>
+            <a:r>
+              <a:rPr lang="he-IL" altLang="en-US" dirty="0"/>
+              <a:t>התנגשויות בטבלת הגיבוב נפתרות בשיטת </a:t>
+            </a:r>
+            <a:r>
+              <a:rPr lang="en-US" altLang="en-US" dirty="0"/>
+              <a:t>separate chaining</a:t>
+            </a:r>
+            <a:r>
+              <a:rPr lang="he-IL" altLang="en-US" dirty="0"/>
+              <a:t>,</a:t>
+            </a:r>
+            <a:r>
+              <a:rPr lang="en-US" altLang="en-US" baseline="0" dirty="0"/>
+              <a:t> </a:t>
+            </a:r>
+            <a:r>
+              <a:rPr lang="he-IL" altLang="en-US" dirty="0"/>
+              <a:t>כלומר תהליכים שונים עבורם </a:t>
+            </a:r>
+            <a:r>
+              <a:rPr lang="he-IL" altLang="en-US" dirty="0" err="1"/>
+              <a:t>פונקצית</a:t>
+            </a:r>
+            <a:r>
+              <a:rPr lang="he-IL" altLang="en-US" dirty="0"/>
+              <a:t> ה-</a:t>
+            </a:r>
+            <a:r>
+              <a:rPr lang="en-US" altLang="en-US" dirty="0"/>
+              <a:t>hash</a:t>
+            </a:r>
+            <a:r>
+              <a:rPr lang="he-IL" altLang="en-US" dirty="0"/>
+              <a:t> מחזירה ערך זהה נמצאים ברשימה מקושרת השומרת את מתארי התהליך.</a:t>
+            </a:r>
+            <a:endParaRPr lang="en-US" altLang="en-US" dirty="0"/>
+          </a:p>
+          <a:p>
+            <a:pPr marL="171450" lvl="0" indent="-171450" algn="r" rtl="1">
+              <a:buFont typeface="Arial" panose="020B0604020202020204" pitchFamily="34" charset="0"/>
+              <a:buChar char="•"/>
+            </a:pPr>
+            <a:r>
+              <a:rPr lang="he-IL" altLang="en-US" dirty="0"/>
+              <a:t>שרשרת ההתנגשויות בכל תא בטבלה היא רשימה מקושרת דו-כיוונית.</a:t>
+            </a:r>
           </a:p>
         </p:txBody>
       </p:sp>
@@ -4458,7 +4554,7 @@
             <a:fld id="{94525A9A-2399-4ACF-975E-77FD324B061A}" type="slidenum">
               <a:rPr lang="en-US" smtClean="0"/>
               <a:pPr/>
-              <a:t>38</a:t>
+              <a:t>40</a:t>
             </a:fld>
             <a:endParaRPr lang="en-US"/>
           </a:p>
@@ -4467,7 +4563,7 @@
     </p:spTree>
     <p:extLst>
       <p:ext uri="{BB962C8B-B14F-4D97-AF65-F5344CB8AC3E}">
-        <p14:creationId xmlns:p14="http://schemas.microsoft.com/office/powerpoint/2010/main" val="1357349691"/>
+        <p14:creationId xmlns:p14="http://schemas.microsoft.com/office/powerpoint/2010/main" val="2107053660"/>
       </p:ext>
     </p:extLst>
   </p:cSld>
@@ -4521,105 +4617,43 @@
           <a:bodyPr/>
           <a:lstStyle/>
           <a:p>
-            <a:pPr marL="171450" lvl="0" indent="-171450" algn="r" rtl="1">
-              <a:buFont typeface="Arial" panose="020B0604020202020204" pitchFamily="34" charset="0"/>
-              <a:buChar char="•"/>
-            </a:pPr>
+            <a:pPr algn="r" rtl="1"/>
+            <a:r>
+              <a:rPr lang="he-IL" dirty="0"/>
+              <a:t>תהליכים בתורי הריצה נקראים לפעמים "תהליכים בטווח הקצר" ואילו תהליכים בתורי המתנה נקראים "תהליכים בטווח הבינוני/ארוך".</a:t>
+            </a:r>
+          </a:p>
+          <a:p>
+            <a:pPr algn="r" rtl="1"/>
             <a:r>
               <a:rPr lang="he-IL" altLang="en-US" dirty="0"/>
-              <a:t>גודל הטבלה הוא </a:t>
-            </a:r>
-            <a:r>
-              <a:rPr lang="en-US" altLang="en-US" dirty="0"/>
-              <a:t>PIDHASH_SZ</a:t>
-            </a:r>
-            <a:r>
-              <a:rPr lang="he-IL" altLang="en-US" dirty="0"/>
-              <a:t> (בד"כ 1024) כניסות.</a:t>
-            </a:r>
-            <a:endParaRPr lang="en-US" altLang="en-US" dirty="0"/>
-          </a:p>
-          <a:p>
-            <a:pPr marL="171450" lvl="0" indent="-171450" algn="r" rtl="1">
-              <a:buFont typeface="Arial" panose="020B0604020202020204" pitchFamily="34" charset="0"/>
-              <a:buChar char="•"/>
-            </a:pPr>
-            <a:r>
-              <a:rPr lang="he-IL" altLang="en-US" dirty="0"/>
-              <a:t>בדרך-כלל מספר התהליכים במערכת קטן בהרבה מ-</a:t>
-            </a:r>
-            <a:r>
-              <a:rPr lang="en-US" altLang="en-US" dirty="0"/>
-              <a:t>32K</a:t>
-            </a:r>
-            <a:r>
-              <a:rPr lang="he-IL" altLang="en-US" dirty="0"/>
-              <a:t> ולכן אין צורך להחזיק כניסות עבור כל ה-</a:t>
-            </a:r>
-            <a:r>
-              <a:rPr lang="en-US" altLang="en-US" dirty="0" err="1"/>
-              <a:t>pid</a:t>
-            </a:r>
-            <a:r>
-              <a:rPr lang="he-IL" altLang="en-US" dirty="0"/>
-              <a:t> האפשריים.</a:t>
-            </a:r>
-            <a:r>
-              <a:rPr lang="en-US" altLang="en-US" baseline="0" dirty="0"/>
-              <a:t> </a:t>
-            </a:r>
-          </a:p>
-          <a:p>
-            <a:pPr marL="171450" lvl="0" indent="-171450" algn="r" rtl="1">
-              <a:buFont typeface="Arial" panose="020B0604020202020204" pitchFamily="34" charset="0"/>
-              <a:buChar char="•"/>
-            </a:pPr>
-            <a:r>
-              <a:rPr lang="he-IL" altLang="en-US" dirty="0"/>
-              <a:t>התנגשויות בטבלת הגיבוב נפתרות בשיטת </a:t>
-            </a:r>
-            <a:r>
-              <a:rPr lang="en-US" altLang="en-US" dirty="0"/>
-              <a:t>separate chaining</a:t>
-            </a:r>
-            <a:r>
-              <a:rPr lang="he-IL" altLang="en-US" dirty="0"/>
-              <a:t>,</a:t>
-            </a:r>
-            <a:r>
-              <a:rPr lang="en-US" altLang="en-US" baseline="0" dirty="0"/>
-              <a:t> </a:t>
-            </a:r>
-            <a:r>
-              <a:rPr lang="he-IL" altLang="en-US" dirty="0"/>
-              <a:t>כלומר תהליכים שונים עבורם </a:t>
-            </a:r>
-            <a:r>
-              <a:rPr lang="he-IL" altLang="en-US" dirty="0" err="1"/>
-              <a:t>פונקצית</a:t>
-            </a:r>
-            <a:r>
-              <a:rPr lang="he-IL" altLang="en-US" dirty="0"/>
-              <a:t> ה-</a:t>
-            </a:r>
-            <a:r>
-              <a:rPr lang="en-US" altLang="en-US" dirty="0"/>
-              <a:t>hash</a:t>
-            </a:r>
-            <a:r>
-              <a:rPr lang="he-IL" altLang="en-US" dirty="0"/>
-              <a:t> מחזירה ערך זהה נמצאים ברשימה מקושרת השומרת את מתארי התהליך.</a:t>
-            </a:r>
-            <a:endParaRPr lang="en-US" altLang="en-US" dirty="0"/>
-          </a:p>
-          <a:p>
-            <a:pPr marL="171450" lvl="0" indent="-171450" algn="r" rtl="1">
-              <a:buFont typeface="Arial" panose="020B0604020202020204" pitchFamily="34" charset="0"/>
-              <a:buChar char="•"/>
-            </a:pPr>
-            <a:r>
-              <a:rPr lang="he-IL" altLang="en-US" dirty="0"/>
-              <a:t>שרשרת ההתנגשויות בכל תא בטבלה היא רשימה מקושרת דו-כיוונית.</a:t>
+              <a:t>זמן התהליכים לטווח הקצר בוחר תהליכים מתור הריצה למעבד. זמן התהליכים לטווח הבינוני/ארוך מעביר תהליכים מתורי המתנה לתורי הריצה.</a:t>
+            </a:r>
+          </a:p>
+          <a:p>
+            <a:pPr algn="r" rtl="1"/>
+            <a:endParaRPr lang="he-IL" dirty="0"/>
+          </a:p>
+          <a:p>
+            <a:pPr algn="r" rtl="1"/>
+            <a:r>
+              <a:rPr lang="he-IL" dirty="0"/>
+              <a:t>עוד מידע על זימון לטווח הקצר/בינוני/ארוך:</a:t>
+            </a:r>
+          </a:p>
+          <a:p>
+            <a:pPr algn="r" rtl="1"/>
+            <a:r>
+              <a:rPr lang="en-US" dirty="0"/>
+              <a:t>http://techdifferences.com/difference-between-long-term-and-short-term-scheduler.html</a:t>
+            </a:r>
+            <a:endParaRPr lang="he-IL" dirty="0"/>
+          </a:p>
+          <a:p>
+            <a:pPr algn="r" rtl="1"/>
+            <a:r>
+              <a:rPr lang="en-US" dirty="0"/>
+              <a:t>https://www.cim.mcgill.ca/~franco/OpSys-304-427/lecture-notes/node38.html</a:t>
             </a:r>
           </a:p>
         </p:txBody>
@@ -4642,129 +4676,7 @@
             <a:fld id="{94525A9A-2399-4ACF-975E-77FD324B061A}" type="slidenum">
               <a:rPr lang="en-US" smtClean="0"/>
               <a:pPr/>
-              <a:t>39</a:t>
-            </a:fld>
-            <a:endParaRPr lang="en-US"/>
-          </a:p>
-        </p:txBody>
-      </p:sp>
-    </p:spTree>
-    <p:extLst>
-      <p:ext uri="{BB962C8B-B14F-4D97-AF65-F5344CB8AC3E}">
-        <p14:creationId xmlns:p14="http://schemas.microsoft.com/office/powerpoint/2010/main" val="2107053660"/>
-      </p:ext>
-    </p:extLst>
-  </p:cSld>
-  <p:clrMapOvr>
-    <a:masterClrMapping/>
-  </p:clrMapOvr>
-</p:notes>
-</file>
-
-<file path=ppt/notesSlides/notesSlide32.xml><?xml version="1.0" encoding="utf-8"?>
-<p:notes xmlns:a="http://schemas.openxmlformats.org/drawingml/2006/main" xmlns:r="http://schemas.openxmlformats.org/officeDocument/2006/relationships" xmlns:p="http://schemas.openxmlformats.org/presentationml/2006/main">
-  <p:cSld>
-    <p:spTree>
-      <p:nvGrpSpPr>
-        <p:cNvPr id="1" name=""/>
-        <p:cNvGrpSpPr/>
-        <p:nvPr/>
-      </p:nvGrpSpPr>
-      <p:grpSpPr>
-        <a:xfrm>
-          <a:off x="0" y="0"/>
-          <a:ext cx="0" cy="0"/>
-          <a:chOff x="0" y="0"/>
-          <a:chExt cx="0" cy="0"/>
-        </a:xfrm>
-      </p:grpSpPr>
-      <p:sp>
-        <p:nvSpPr>
-          <p:cNvPr id="2" name="Slide Image Placeholder 1"/>
-          <p:cNvSpPr>
-            <a:spLocks noGrp="1" noRot="1" noChangeAspect="1"/>
-          </p:cNvSpPr>
-          <p:nvPr>
-            <p:ph type="sldImg"/>
-          </p:nvPr>
-        </p:nvSpPr>
-        <p:spPr/>
-      </p:sp>
-      <p:sp>
-        <p:nvSpPr>
-          <p:cNvPr id="3" name="Notes Placeholder 2"/>
-          <p:cNvSpPr>
-            <a:spLocks noGrp="1"/>
-          </p:cNvSpPr>
-          <p:nvPr>
-            <p:ph type="body" idx="1"/>
-          </p:nvPr>
-        </p:nvSpPr>
-        <p:spPr/>
-        <p:txBody>
-          <a:bodyPr/>
-          <a:lstStyle/>
-          <a:p>
-            <a:pPr algn="r" rtl="1"/>
-            <a:r>
-              <a:rPr lang="he-IL" dirty="0"/>
-              <a:t>תהליכים בתורי הריצה נקראים לפעמים "תהליכים בטווח הקצר" ואילו תהליכים בתורי המתנה נקראים "תהליכים בטווח הבינוני/ארוך".</a:t>
-            </a:r>
-          </a:p>
-          <a:p>
-            <a:pPr algn="r" rtl="1"/>
-            <a:r>
-              <a:rPr lang="he-IL" altLang="en-US" dirty="0"/>
-              <a:t>זמן התהליכים לטווח הקצר בוחר תהליכים מתור הריצה למעבד. זמן התהליכים לטווח הבינוני/ארוך מעביר תהליכים מתורי המתנה לתורי הריצה.</a:t>
-            </a:r>
-          </a:p>
-          <a:p>
-            <a:pPr algn="r" rtl="1"/>
-            <a:endParaRPr lang="he-IL" dirty="0"/>
-          </a:p>
-          <a:p>
-            <a:pPr algn="r" rtl="1"/>
-            <a:r>
-              <a:rPr lang="he-IL" dirty="0"/>
-              <a:t>עוד מידע על זימון לטווח הקצר/בינוני/ארוך:</a:t>
-            </a:r>
-          </a:p>
-          <a:p>
-            <a:pPr algn="r" rtl="1"/>
-            <a:r>
-              <a:rPr lang="en-US" dirty="0"/>
-              <a:t>http://techdifferences.com/difference-between-long-term-and-short-term-scheduler.html</a:t>
-            </a:r>
-            <a:endParaRPr lang="he-IL" dirty="0"/>
-          </a:p>
-          <a:p>
-            <a:pPr algn="r" rtl="1"/>
-            <a:r>
-              <a:rPr lang="en-US" dirty="0"/>
-              <a:t>https://www.cim.mcgill.ca/~franco/OpSys-304-427/lecture-notes/node38.html</a:t>
-            </a:r>
-          </a:p>
-        </p:txBody>
-      </p:sp>
-      <p:sp>
-        <p:nvSpPr>
-          <p:cNvPr id="4" name="Slide Number Placeholder 3"/>
-          <p:cNvSpPr>
-            <a:spLocks noGrp="1"/>
-          </p:cNvSpPr>
-          <p:nvPr>
-            <p:ph type="sldNum" sz="quarter" idx="10"/>
-          </p:nvPr>
-        </p:nvSpPr>
-        <p:spPr/>
-        <p:txBody>
-          <a:bodyPr/>
-          <a:lstStyle/>
-          <a:p>
-            <a:fld id="{94525A9A-2399-4ACF-975E-77FD324B061A}" type="slidenum">
-              <a:rPr lang="en-US" smtClean="0"/>
-              <a:pPr/>
-              <a:t>40</a:t>
+              <a:t>41</a:t>
             </a:fld>
             <a:endParaRPr lang="en-US"/>
           </a:p>
@@ -4783,7 +4695,7 @@
 </p:notes>
 </file>
 
-<file path=ppt/notesSlides/notesSlide33.xml><?xml version="1.0" encoding="utf-8"?>
+<file path=ppt/notesSlides/notesSlide32.xml><?xml version="1.0" encoding="utf-8"?>
 <p:notes xmlns:a="http://schemas.openxmlformats.org/drawingml/2006/main" xmlns:r="http://schemas.openxmlformats.org/officeDocument/2006/relationships" xmlns:p="http://schemas.openxmlformats.org/presentationml/2006/main">
   <p:cSld>
     <p:spTree>
@@ -4946,7 +4858,7 @@
             <a:fld id="{233680DA-75D2-42FC-9F77-DEC1984EC08B}" type="slidenum">
               <a:rPr lang="he-IL" altLang="en-US"/>
               <a:pPr eaLnBrk="1" hangingPunct="1"/>
-              <a:t>41</a:t>
+              <a:t>42</a:t>
             </a:fld>
             <a:endParaRPr lang="en-US" altLang="en-US"/>
           </a:p>
@@ -5081,6 +4993,312 @@
     <p:extLst>
       <p:ext uri="{BB962C8B-B14F-4D97-AF65-F5344CB8AC3E}">
         <p14:creationId xmlns:p14="http://schemas.microsoft.com/office/powerpoint/2010/main" val="2385093336"/>
+      </p:ext>
+    </p:extLst>
+  </p:cSld>
+  <p:clrMapOvr>
+    <a:masterClrMapping/>
+  </p:clrMapOvr>
+</p:notes>
+</file>
+
+<file path=ppt/notesSlides/notesSlide33.xml><?xml version="1.0" encoding="utf-8"?>
+<p:notes xmlns:a="http://schemas.openxmlformats.org/drawingml/2006/main" xmlns:r="http://schemas.openxmlformats.org/officeDocument/2006/relationships" xmlns:p="http://schemas.openxmlformats.org/presentationml/2006/main">
+  <p:cSld>
+    <p:spTree>
+      <p:nvGrpSpPr>
+        <p:cNvPr id="1" name=""/>
+        <p:cNvGrpSpPr/>
+        <p:nvPr/>
+      </p:nvGrpSpPr>
+      <p:grpSpPr>
+        <a:xfrm>
+          <a:off x="0" y="0"/>
+          <a:ext cx="0" cy="0"/>
+          <a:chOff x="0" y="0"/>
+          <a:chExt cx="0" cy="0"/>
+        </a:xfrm>
+      </p:grpSpPr>
+      <p:sp>
+        <p:nvSpPr>
+          <p:cNvPr id="2" name="Slide Image Placeholder 1"/>
+          <p:cNvSpPr>
+            <a:spLocks noGrp="1" noRot="1" noChangeAspect="1"/>
+          </p:cNvSpPr>
+          <p:nvPr>
+            <p:ph type="sldImg"/>
+          </p:nvPr>
+        </p:nvSpPr>
+        <p:spPr/>
+      </p:sp>
+      <p:sp>
+        <p:nvSpPr>
+          <p:cNvPr id="3" name="Notes Placeholder 2"/>
+          <p:cNvSpPr>
+            <a:spLocks noGrp="1"/>
+          </p:cNvSpPr>
+          <p:nvPr>
+            <p:ph type="body" idx="1"/>
+          </p:nvPr>
+        </p:nvSpPr>
+        <p:spPr/>
+        <p:txBody>
+          <a:bodyPr>
+            <a:normAutofit fontScale="92500"/>
+          </a:bodyPr>
+          <a:lstStyle/>
+          <a:p>
+            <a:pPr algn="r" rtl="1"/>
+            <a:r>
+              <a:rPr lang="he-IL"/>
+              <a:t>עוד לא למדנו על שליחת סיגנלים – נגיע לכך בתרגול 7.</a:t>
+            </a:r>
+          </a:p>
+          <a:p>
+            <a:pPr fontAlgn="base"/>
+            <a:r>
+              <a:rPr lang="en-US" sz="1200" b="0" i="0" kern="1200">
+                <a:solidFill>
+                  <a:schemeClr val="tx1"/>
+                </a:solidFill>
+                <a:effectLst/>
+                <a:latin typeface="+mn-lt"/>
+                <a:ea typeface="+mn-ea"/>
+                <a:cs typeface="+mn-cs"/>
+              </a:rPr>
+              <a:t>TASK_INTERRUPTIBLE, the interruptible sleep. If a task is marked with this flag, it is sleeping, but can be woken by signals. This means the code which marked the task as sleeping is expecting a possible signal, and after it wakes up will check for it and return from the system call. After the signal is handled, the system call can potentially be automatically restarted </a:t>
+            </a:r>
+            <a:endParaRPr lang="he-IL" sz="1200" b="0" i="0" kern="1200">
+              <a:solidFill>
+                <a:schemeClr val="tx1"/>
+              </a:solidFill>
+              <a:effectLst/>
+              <a:latin typeface="+mn-lt"/>
+              <a:ea typeface="+mn-ea"/>
+              <a:cs typeface="+mn-cs"/>
+            </a:endParaRPr>
+          </a:p>
+          <a:p>
+            <a:pPr fontAlgn="base"/>
+            <a:r>
+              <a:rPr lang="en-US" sz="1200" b="0" i="0" kern="1200">
+                <a:solidFill>
+                  <a:schemeClr val="tx1"/>
+                </a:solidFill>
+                <a:effectLst/>
+                <a:latin typeface="+mn-lt"/>
+                <a:ea typeface="+mn-ea"/>
+                <a:cs typeface="+mn-cs"/>
+              </a:rPr>
+              <a:t>TASK_UNINTERRUPTIBLE, the uninterruptible sleep. If a task is marked with this flag, it is not expecting to be woken up by anything other than whatever it is waiting for, either because it cannot easily be restarted, or because programs are expecting the system call to be atomic. This can also be used for sleeps known to be very short.</a:t>
+            </a:r>
+            <a:endParaRPr lang="he-IL" sz="1200" b="0" i="0" kern="1200">
+              <a:solidFill>
+                <a:schemeClr val="tx1"/>
+              </a:solidFill>
+              <a:effectLst/>
+              <a:latin typeface="+mn-lt"/>
+              <a:ea typeface="+mn-ea"/>
+              <a:cs typeface="+mn-cs"/>
+            </a:endParaRPr>
+          </a:p>
+          <a:p>
+            <a:pPr fontAlgn="base"/>
+            <a:endParaRPr lang="he-IL" sz="1200" b="0" i="0" kern="1200">
+              <a:solidFill>
+                <a:schemeClr val="tx1"/>
+              </a:solidFill>
+              <a:effectLst/>
+              <a:latin typeface="+mn-lt"/>
+              <a:ea typeface="+mn-ea"/>
+              <a:cs typeface="+mn-cs"/>
+            </a:endParaRPr>
+          </a:p>
+          <a:p>
+            <a:pPr fontAlgn="base"/>
+            <a:r>
+              <a:rPr lang="en-US" sz="1200" b="0" i="0" kern="1200">
+                <a:solidFill>
+                  <a:schemeClr val="tx1"/>
+                </a:solidFill>
+                <a:effectLst/>
+                <a:latin typeface="+mn-lt"/>
+                <a:ea typeface="+mn-ea"/>
+                <a:cs typeface="+mn-cs"/>
+              </a:rPr>
+              <a:t>Uninterruptable processes are USUALLY waiting for I/O following a page fault.</a:t>
+            </a:r>
+          </a:p>
+          <a:p>
+            <a:pPr fontAlgn="base"/>
+            <a:r>
+              <a:rPr lang="en-US" sz="1200" b="0" i="0" kern="1200">
+                <a:solidFill>
+                  <a:schemeClr val="tx1"/>
+                </a:solidFill>
+                <a:effectLst/>
+                <a:latin typeface="+mn-lt"/>
+                <a:ea typeface="+mn-ea"/>
+                <a:cs typeface="+mn-cs"/>
+              </a:rPr>
+              <a:t>Consider this:</a:t>
+            </a:r>
+          </a:p>
+          <a:p>
+            <a:pPr fontAlgn="base"/>
+            <a:r>
+              <a:rPr lang="en-US" sz="1200" b="0" i="0" kern="1200">
+                <a:solidFill>
+                  <a:schemeClr val="tx1"/>
+                </a:solidFill>
+                <a:effectLst/>
+                <a:latin typeface="+mn-lt"/>
+                <a:ea typeface="+mn-ea"/>
+                <a:cs typeface="+mn-cs"/>
+              </a:rPr>
+              <a:t>The thread tries to access a page which is not in core (either an executable which is demand-loaded, a page of anonymous memory which has been swapped out, or a </a:t>
+            </a:r>
+            <a:r>
+              <a:rPr lang="en-US" sz="1200" b="0" i="0" kern="1200" err="1">
+                <a:solidFill>
+                  <a:schemeClr val="tx1"/>
+                </a:solidFill>
+                <a:effectLst/>
+                <a:latin typeface="+mn-lt"/>
+                <a:ea typeface="+mn-ea"/>
+                <a:cs typeface="+mn-cs"/>
+              </a:rPr>
+              <a:t>mmap</a:t>
+            </a:r>
+            <a:r>
+              <a:rPr lang="en-US" sz="1200" b="0" i="0" kern="1200">
+                <a:solidFill>
+                  <a:schemeClr val="tx1"/>
+                </a:solidFill>
+                <a:effectLst/>
+                <a:latin typeface="+mn-lt"/>
+                <a:ea typeface="+mn-ea"/>
+                <a:cs typeface="+mn-cs"/>
+              </a:rPr>
+              <a:t>()'d file which is demand loaded, which are much the same thing)</a:t>
+            </a:r>
+          </a:p>
+          <a:p>
+            <a:pPr fontAlgn="base"/>
+            <a:r>
+              <a:rPr lang="en-US" sz="1200" b="0" i="0" kern="1200">
+                <a:solidFill>
+                  <a:schemeClr val="tx1"/>
+                </a:solidFill>
+                <a:effectLst/>
+                <a:latin typeface="+mn-lt"/>
+                <a:ea typeface="+mn-ea"/>
+                <a:cs typeface="+mn-cs"/>
+              </a:rPr>
+              <a:t>The kernel is now (trying to) load it in</a:t>
+            </a:r>
+          </a:p>
+          <a:p>
+            <a:pPr fontAlgn="base"/>
+            <a:r>
+              <a:rPr lang="en-US" sz="1200" b="0" i="0" kern="1200">
+                <a:solidFill>
+                  <a:schemeClr val="tx1"/>
+                </a:solidFill>
+                <a:effectLst/>
+                <a:latin typeface="+mn-lt"/>
+                <a:ea typeface="+mn-ea"/>
+                <a:cs typeface="+mn-cs"/>
+              </a:rPr>
+              <a:t>The process can't continue until the page is available.</a:t>
+            </a:r>
+          </a:p>
+          <a:p>
+            <a:pPr fontAlgn="base"/>
+            <a:r>
+              <a:rPr lang="en-US" sz="1200" b="0" i="0" kern="1200">
+                <a:solidFill>
+                  <a:schemeClr val="tx1"/>
+                </a:solidFill>
+                <a:effectLst/>
+                <a:latin typeface="+mn-lt"/>
+                <a:ea typeface="+mn-ea"/>
+                <a:cs typeface="+mn-cs"/>
+              </a:rPr>
+              <a:t>The process/task cannot be interrupted in this state, because it can't handle any signals; if it did, another page fault would happen and it would be back where it was.</a:t>
+            </a:r>
+          </a:p>
+          <a:p>
+            <a:pPr fontAlgn="base"/>
+            <a:endParaRPr lang="en-US" sz="1200" b="0" i="0" kern="1200">
+              <a:solidFill>
+                <a:schemeClr val="tx1"/>
+              </a:solidFill>
+              <a:effectLst/>
+              <a:latin typeface="+mn-lt"/>
+              <a:ea typeface="+mn-ea"/>
+              <a:cs typeface="+mn-cs"/>
+            </a:endParaRPr>
+          </a:p>
+          <a:p>
+            <a:pPr algn="r" rtl="1"/>
+            <a:endParaRPr lang="he-IL"/>
+          </a:p>
+          <a:p>
+            <a:pPr algn="r" rtl="1"/>
+            <a:endParaRPr lang="he-IL"/>
+          </a:p>
+          <a:p>
+            <a:pPr algn="r" rtl="1"/>
+            <a:r>
+              <a:rPr lang="he-IL"/>
+              <a:t>קריאה</a:t>
+            </a:r>
+            <a:r>
+              <a:rPr lang="he-IL" baseline="0"/>
+              <a:t> למתקדמים:</a:t>
+            </a:r>
+            <a:br>
+              <a:rPr lang="en-US" baseline="0"/>
+            </a:br>
+            <a:r>
+              <a:rPr lang="en-US">
+                <a:hlinkClick r:id="rId3"/>
+              </a:rPr>
+              <a:t>https://stackoverflow.com/questions/223644/what-is-an-uninterruptable-process</a:t>
+            </a:r>
+            <a:endParaRPr lang="en-US"/>
+          </a:p>
+        </p:txBody>
+      </p:sp>
+      <p:sp>
+        <p:nvSpPr>
+          <p:cNvPr id="4" name="Slide Number Placeholder 3"/>
+          <p:cNvSpPr>
+            <a:spLocks noGrp="1"/>
+          </p:cNvSpPr>
+          <p:nvPr>
+            <p:ph type="sldNum" sz="quarter" idx="10"/>
+          </p:nvPr>
+        </p:nvSpPr>
+        <p:spPr/>
+        <p:txBody>
+          <a:bodyPr/>
+          <a:lstStyle/>
+          <a:p>
+            <a:fld id="{94525A9A-2399-4ACF-975E-77FD324B061A}" type="slidenum">
+              <a:rPr lang="en-US" smtClean="0"/>
+              <a:pPr/>
+              <a:t>43</a:t>
+            </a:fld>
+            <a:endParaRPr lang="en-US"/>
+          </a:p>
+        </p:txBody>
+      </p:sp>
+    </p:spTree>
+    <p:extLst>
+      <p:ext uri="{BB962C8B-B14F-4D97-AF65-F5344CB8AC3E}">
+        <p14:creationId xmlns:p14="http://schemas.microsoft.com/office/powerpoint/2010/main" val="1578432150"/>
       </p:ext>
     </p:extLst>
   </p:cSld>
@@ -5131,231 +5349,154 @@
         </p:nvSpPr>
         <p:spPr/>
         <p:txBody>
-          <a:bodyPr>
-            <a:normAutofit fontScale="92500"/>
-          </a:bodyPr>
+          <a:bodyPr/>
           <a:lstStyle/>
           <a:p>
-            <a:pPr algn="r" rtl="1"/>
-            <a:r>
-              <a:rPr lang="he-IL"/>
-              <a:t>עוד לא למדנו על שליחת סיגנלים – נגיע לכך בתרגול 7.</a:t>
-            </a:r>
-          </a:p>
-          <a:p>
-            <a:pPr fontAlgn="base"/>
-            <a:r>
-              <a:rPr lang="en-US" sz="1200" b="0" i="0" kern="1200">
-                <a:solidFill>
-                  <a:schemeClr val="tx1"/>
-                </a:solidFill>
-                <a:effectLst/>
-                <a:latin typeface="+mn-lt"/>
-                <a:ea typeface="+mn-ea"/>
-                <a:cs typeface="+mn-cs"/>
-              </a:rPr>
-              <a:t>TASK_INTERRUPTIBLE, the interruptible sleep. If a task is marked with this flag, it is sleeping, but can be woken by signals. This means the code which marked the task as sleeping is expecting a possible signal, and after it wakes up will check for it and return from the system call. After the signal is handled, the system call can potentially be automatically restarted </a:t>
-            </a:r>
-            <a:endParaRPr lang="he-IL" sz="1200" b="0" i="0" kern="1200">
-              <a:solidFill>
-                <a:schemeClr val="tx1"/>
-              </a:solidFill>
-              <a:effectLst/>
-              <a:latin typeface="+mn-lt"/>
-              <a:ea typeface="+mn-ea"/>
-              <a:cs typeface="+mn-cs"/>
-            </a:endParaRPr>
-          </a:p>
-          <a:p>
-            <a:pPr fontAlgn="base"/>
-            <a:r>
-              <a:rPr lang="en-US" sz="1200" b="0" i="0" kern="1200">
-                <a:solidFill>
-                  <a:schemeClr val="tx1"/>
-                </a:solidFill>
-                <a:effectLst/>
-                <a:latin typeface="+mn-lt"/>
-                <a:ea typeface="+mn-ea"/>
-                <a:cs typeface="+mn-cs"/>
-              </a:rPr>
-              <a:t>TASK_UNINTERRUPTIBLE, the uninterruptible sleep. If a task is marked with this flag, it is not expecting to be woken up by anything other than whatever it is waiting for, either because it cannot easily be restarted, or because programs are expecting the system call to be atomic. This can also be used for sleeps known to be very short.</a:t>
-            </a:r>
-            <a:endParaRPr lang="he-IL" sz="1200" b="0" i="0" kern="1200">
-              <a:solidFill>
-                <a:schemeClr val="tx1"/>
-              </a:solidFill>
-              <a:effectLst/>
-              <a:latin typeface="+mn-lt"/>
-              <a:ea typeface="+mn-ea"/>
-              <a:cs typeface="+mn-cs"/>
-            </a:endParaRPr>
-          </a:p>
-          <a:p>
-            <a:pPr fontAlgn="base"/>
-            <a:endParaRPr lang="he-IL" sz="1200" b="0" i="0" kern="1200">
-              <a:solidFill>
-                <a:schemeClr val="tx1"/>
-              </a:solidFill>
-              <a:effectLst/>
-              <a:latin typeface="+mn-lt"/>
-              <a:ea typeface="+mn-ea"/>
-              <a:cs typeface="+mn-cs"/>
-            </a:endParaRPr>
-          </a:p>
-          <a:p>
-            <a:pPr fontAlgn="base"/>
-            <a:r>
-              <a:rPr lang="en-US" sz="1200" b="0" i="0" kern="1200">
-                <a:solidFill>
-                  <a:schemeClr val="tx1"/>
-                </a:solidFill>
-                <a:effectLst/>
-                <a:latin typeface="+mn-lt"/>
-                <a:ea typeface="+mn-ea"/>
-                <a:cs typeface="+mn-cs"/>
-              </a:rPr>
-              <a:t>Uninterruptable processes are USUALLY waiting for I/O following a page fault.</a:t>
-            </a:r>
-          </a:p>
-          <a:p>
-            <a:pPr fontAlgn="base"/>
-            <a:r>
-              <a:rPr lang="en-US" sz="1200" b="0" i="0" kern="1200">
-                <a:solidFill>
-                  <a:schemeClr val="tx1"/>
-                </a:solidFill>
-                <a:effectLst/>
-                <a:latin typeface="+mn-lt"/>
-                <a:ea typeface="+mn-ea"/>
-                <a:cs typeface="+mn-cs"/>
-              </a:rPr>
-              <a:t>Consider this:</a:t>
-            </a:r>
-          </a:p>
-          <a:p>
-            <a:pPr fontAlgn="base"/>
-            <a:r>
-              <a:rPr lang="en-US" sz="1200" b="0" i="0" kern="1200">
-                <a:solidFill>
-                  <a:schemeClr val="tx1"/>
-                </a:solidFill>
-                <a:effectLst/>
-                <a:latin typeface="+mn-lt"/>
-                <a:ea typeface="+mn-ea"/>
-                <a:cs typeface="+mn-cs"/>
-              </a:rPr>
-              <a:t>The thread tries to access a page which is not in core (either an executable which is demand-loaded, a page of anonymous memory which has been swapped out, or a </a:t>
-            </a:r>
-            <a:r>
-              <a:rPr lang="en-US" sz="1200" b="0" i="0" kern="1200" err="1">
-                <a:solidFill>
-                  <a:schemeClr val="tx1"/>
-                </a:solidFill>
-                <a:effectLst/>
-                <a:latin typeface="+mn-lt"/>
-                <a:ea typeface="+mn-ea"/>
-                <a:cs typeface="+mn-cs"/>
-              </a:rPr>
-              <a:t>mmap</a:t>
-            </a:r>
-            <a:r>
-              <a:rPr lang="en-US" sz="1200" b="0" i="0" kern="1200">
-                <a:solidFill>
-                  <a:schemeClr val="tx1"/>
-                </a:solidFill>
-                <a:effectLst/>
-                <a:latin typeface="+mn-lt"/>
-                <a:ea typeface="+mn-ea"/>
-                <a:cs typeface="+mn-cs"/>
-              </a:rPr>
-              <a:t>()'d file which is demand loaded, which are much the same thing)</a:t>
-            </a:r>
-          </a:p>
-          <a:p>
-            <a:pPr fontAlgn="base"/>
-            <a:r>
-              <a:rPr lang="en-US" sz="1200" b="0" i="0" kern="1200">
-                <a:solidFill>
-                  <a:schemeClr val="tx1"/>
-                </a:solidFill>
-                <a:effectLst/>
-                <a:latin typeface="+mn-lt"/>
-                <a:ea typeface="+mn-ea"/>
-                <a:cs typeface="+mn-cs"/>
-              </a:rPr>
-              <a:t>The kernel is now (trying to) load it in</a:t>
-            </a:r>
-          </a:p>
-          <a:p>
-            <a:pPr fontAlgn="base"/>
-            <a:r>
-              <a:rPr lang="en-US" sz="1200" b="0" i="0" kern="1200">
-                <a:solidFill>
-                  <a:schemeClr val="tx1"/>
-                </a:solidFill>
-                <a:effectLst/>
-                <a:latin typeface="+mn-lt"/>
-                <a:ea typeface="+mn-ea"/>
-                <a:cs typeface="+mn-cs"/>
-              </a:rPr>
-              <a:t>The process can't continue until the page is available.</a:t>
-            </a:r>
-          </a:p>
-          <a:p>
-            <a:pPr fontAlgn="base"/>
-            <a:r>
-              <a:rPr lang="en-US" sz="1200" b="0" i="0" kern="1200">
-                <a:solidFill>
-                  <a:schemeClr val="tx1"/>
-                </a:solidFill>
-                <a:effectLst/>
-                <a:latin typeface="+mn-lt"/>
-                <a:ea typeface="+mn-ea"/>
-                <a:cs typeface="+mn-cs"/>
-              </a:rPr>
-              <a:t>The process/task cannot be interrupted in this state, because it can't handle any signals; if it did, another page fault would happen and it would be back where it was.</a:t>
-            </a:r>
-          </a:p>
-          <a:p>
-            <a:pPr fontAlgn="base"/>
-            <a:endParaRPr lang="en-US" sz="1200" b="0" i="0" kern="1200">
-              <a:solidFill>
-                <a:schemeClr val="tx1"/>
-              </a:solidFill>
-              <a:effectLst/>
-              <a:latin typeface="+mn-lt"/>
-              <a:ea typeface="+mn-ea"/>
-              <a:cs typeface="+mn-cs"/>
-            </a:endParaRPr>
-          </a:p>
-          <a:p>
-            <a:pPr algn="r" rtl="1"/>
-            <a:endParaRPr lang="he-IL"/>
-          </a:p>
-          <a:p>
-            <a:pPr algn="r" rtl="1"/>
-            <a:endParaRPr lang="he-IL"/>
-          </a:p>
-          <a:p>
-            <a:pPr algn="r" rtl="1"/>
-            <a:r>
-              <a:rPr lang="he-IL"/>
-              <a:t>קריאה</a:t>
-            </a:r>
-            <a:r>
-              <a:rPr lang="he-IL" baseline="0"/>
-              <a:t> למתקדמים:</a:t>
-            </a:r>
-            <a:br>
-              <a:rPr lang="en-US" baseline="0"/>
-            </a:br>
-            <a:r>
-              <a:rPr lang="en-US">
-                <a:hlinkClick r:id="rId3"/>
-              </a:rPr>
-              <a:t>https://stackoverflow.com/questions/223644/what-is-an-uninterruptable-process</a:t>
-            </a:r>
-            <a:endParaRPr lang="en-US"/>
+            <a:pPr marL="0" marR="0" lvl="0" indent="0" algn="r" defTabSz="914400" rtl="1" eaLnBrk="1" fontAlgn="auto" latinLnBrk="0" hangingPunct="1">
+              <a:lnSpc>
+                <a:spcPct val="100000"/>
+              </a:lnSpc>
+              <a:spcBef>
+                <a:spcPts val="0"/>
+              </a:spcBef>
+              <a:spcAft>
+                <a:spcPts val="0"/>
+              </a:spcAft>
+              <a:buClrTx/>
+              <a:buSzTx/>
+              <a:buFontTx/>
+              <a:buNone/>
+              <a:tabLst/>
+              <a:defRPr/>
+            </a:pPr>
+            <a:r>
+              <a:rPr lang="he-IL" altLang="en-US" b="0" dirty="0"/>
+              <a:t>תשובה: מערכת ההפעלה בוחרת את התהליך הבא לריצה על המעבד מתוך תור הריצה של אותו מעבד.</a:t>
+            </a:r>
+          </a:p>
+          <a:p>
+            <a:pPr marL="0" marR="0" lvl="0" indent="0" algn="r" defTabSz="914400" rtl="1" eaLnBrk="1" fontAlgn="auto" latinLnBrk="0" hangingPunct="1">
+              <a:lnSpc>
+                <a:spcPct val="100000"/>
+              </a:lnSpc>
+              <a:spcBef>
+                <a:spcPts val="0"/>
+              </a:spcBef>
+              <a:spcAft>
+                <a:spcPts val="0"/>
+              </a:spcAft>
+              <a:buClrTx/>
+              <a:buSzTx/>
+              <a:buFontTx/>
+              <a:buNone/>
+              <a:tabLst/>
+              <a:defRPr/>
+            </a:pPr>
+            <a:r>
+              <a:rPr lang="he-IL" altLang="en-US" b="0" dirty="0"/>
+              <a:t>אם תהליך מסוים היה נמצא בשני תורי ריצה של שני מעבדים שונים באותו רגע, הוא היה עלול להיקרא לריצה על שני המעבדים בו-זמנית, וזה כמובן אסור.</a:t>
+            </a:r>
+          </a:p>
+          <a:p>
+            <a:pPr marL="0" marR="0" lvl="0" indent="0" algn="r" defTabSz="914400" rtl="1" eaLnBrk="1" fontAlgn="auto" latinLnBrk="0" hangingPunct="1">
+              <a:lnSpc>
+                <a:spcPct val="100000"/>
+              </a:lnSpc>
+              <a:spcBef>
+                <a:spcPts val="0"/>
+              </a:spcBef>
+              <a:spcAft>
+                <a:spcPts val="0"/>
+              </a:spcAft>
+              <a:buClrTx/>
+              <a:buSzTx/>
+              <a:buFontTx/>
+              <a:buNone/>
+              <a:tabLst/>
+              <a:defRPr/>
+            </a:pPr>
+            <a:r>
+              <a:rPr lang="he-IL" altLang="en-US" b="0" dirty="0"/>
+              <a:t>(שימו לב: ניתן להריץ את אותה תוכנית בו-זמנית על שני מעבדים שונים בשני תהליכים שונים. אבל תהליך אחד יכול לרוץ רק על מעבד אחד בכל רגע נתון.)</a:t>
+            </a:r>
+          </a:p>
+          <a:p>
+            <a:pPr marL="0" marR="0" lvl="0" indent="0" algn="l" defTabSz="914400" rtl="0" eaLnBrk="1" fontAlgn="auto" latinLnBrk="0" hangingPunct="1">
+              <a:lnSpc>
+                <a:spcPct val="100000"/>
+              </a:lnSpc>
+              <a:spcBef>
+                <a:spcPts val="0"/>
+              </a:spcBef>
+              <a:spcAft>
+                <a:spcPts val="0"/>
+              </a:spcAft>
+              <a:buClrTx/>
+              <a:buSzTx/>
+              <a:buFontTx/>
+              <a:buNone/>
+              <a:tabLst/>
+              <a:defRPr/>
+            </a:pPr>
+            <a:r>
+              <a:rPr lang="en-US" altLang="en-US" b="0" dirty="0"/>
+              <a:t>The accurate definition of </a:t>
+            </a:r>
+            <a:r>
+              <a:rPr lang="en-US" altLang="en-US" b="0" dirty="0" err="1"/>
+              <a:t>runqueues</a:t>
+            </a:r>
+            <a:r>
+              <a:rPr lang="en-US" altLang="en-US" b="0" dirty="0"/>
+              <a:t> can be found in kernel/sched/</a:t>
+            </a:r>
+            <a:r>
+              <a:rPr lang="en-US" altLang="en-US" b="0" dirty="0" err="1"/>
+              <a:t>sched.h</a:t>
+            </a:r>
+            <a:r>
+              <a:rPr lang="en-US" altLang="en-US" b="0" dirty="0"/>
+              <a:t> :</a:t>
+            </a:r>
+          </a:p>
+          <a:p>
+            <a:pPr marL="0" marR="0" lvl="0" indent="0" algn="l" defTabSz="914400" rtl="0" eaLnBrk="1" fontAlgn="auto" latinLnBrk="0" hangingPunct="1">
+              <a:lnSpc>
+                <a:spcPct val="100000"/>
+              </a:lnSpc>
+              <a:spcBef>
+                <a:spcPts val="0"/>
+              </a:spcBef>
+              <a:spcAft>
+                <a:spcPts val="0"/>
+              </a:spcAft>
+              <a:buClrTx/>
+              <a:buSzTx/>
+              <a:buFontTx/>
+              <a:buNone/>
+              <a:tabLst/>
+              <a:defRPr/>
+            </a:pPr>
+            <a:r>
+              <a:rPr lang="en-US" altLang="en-US" b="0" dirty="0"/>
+              <a:t>DECLARE_PER_CPU_SHARED_ALIGNED(struct </a:t>
+            </a:r>
+            <a:r>
+              <a:rPr lang="en-US" altLang="en-US" b="0" dirty="0" err="1"/>
+              <a:t>rq</a:t>
+            </a:r>
+            <a:r>
+              <a:rPr lang="en-US" altLang="en-US" b="0" dirty="0"/>
+              <a:t>, </a:t>
+            </a:r>
+            <a:r>
+              <a:rPr lang="en-US" altLang="en-US" b="0" dirty="0" err="1"/>
+              <a:t>runqueues</a:t>
+            </a:r>
+            <a:r>
+              <a:rPr lang="en-US" altLang="en-US" b="0" dirty="0"/>
+              <a:t>);</a:t>
+            </a:r>
           </a:p>
         </p:txBody>
       </p:sp>
@@ -5377,7 +5518,7 @@
             <a:fld id="{94525A9A-2399-4ACF-975E-77FD324B061A}" type="slidenum">
               <a:rPr lang="en-US" smtClean="0"/>
               <a:pPr/>
-              <a:t>42</a:t>
+              <a:t>44</a:t>
             </a:fld>
             <a:endParaRPr lang="en-US"/>
           </a:p>
@@ -5386,7 +5527,7 @@
     </p:spTree>
     <p:extLst>
       <p:ext uri="{BB962C8B-B14F-4D97-AF65-F5344CB8AC3E}">
-        <p14:creationId xmlns:p14="http://schemas.microsoft.com/office/powerpoint/2010/main" val="1578432150"/>
+        <p14:creationId xmlns:p14="http://schemas.microsoft.com/office/powerpoint/2010/main" val="259959117"/>
       </p:ext>
     </p:extLst>
   </p:cSld>
@@ -5440,151 +5581,8 @@
           <a:bodyPr/>
           <a:lstStyle/>
           <a:p>
-            <a:pPr marL="0" marR="0" lvl="0" indent="0" algn="r" defTabSz="914400" rtl="1" eaLnBrk="1" fontAlgn="auto" latinLnBrk="0" hangingPunct="1">
-              <a:lnSpc>
-                <a:spcPct val="100000"/>
-              </a:lnSpc>
-              <a:spcBef>
-                <a:spcPts val="0"/>
-              </a:spcBef>
-              <a:spcAft>
-                <a:spcPts val="0"/>
-              </a:spcAft>
-              <a:buClrTx/>
-              <a:buSzTx/>
-              <a:buFontTx/>
-              <a:buNone/>
-              <a:tabLst/>
-              <a:defRPr/>
-            </a:pPr>
-            <a:r>
-              <a:rPr lang="he-IL" altLang="en-US" b="0" dirty="0"/>
-              <a:t>תשובה: מערכת ההפעלה בוחרת את התהליך הבא לריצה על המעבד מתוך תור הריצה של אותו מעבד.</a:t>
-            </a:r>
-          </a:p>
-          <a:p>
-            <a:pPr marL="0" marR="0" lvl="0" indent="0" algn="r" defTabSz="914400" rtl="1" eaLnBrk="1" fontAlgn="auto" latinLnBrk="0" hangingPunct="1">
-              <a:lnSpc>
-                <a:spcPct val="100000"/>
-              </a:lnSpc>
-              <a:spcBef>
-                <a:spcPts val="0"/>
-              </a:spcBef>
-              <a:spcAft>
-                <a:spcPts val="0"/>
-              </a:spcAft>
-              <a:buClrTx/>
-              <a:buSzTx/>
-              <a:buFontTx/>
-              <a:buNone/>
-              <a:tabLst/>
-              <a:defRPr/>
-            </a:pPr>
-            <a:r>
-              <a:rPr lang="he-IL" altLang="en-US" b="0" dirty="0"/>
-              <a:t>אם תהליך מסוים היה נמצא בשני תורי ריצה של שני מעבדים שונים באותו רגע, הוא היה עלול להיקרא לריצה על שני המעבדים בו-זמנית, וזה כמובן אסור.</a:t>
-            </a:r>
-          </a:p>
-          <a:p>
-            <a:pPr marL="0" marR="0" lvl="0" indent="0" algn="r" defTabSz="914400" rtl="1" eaLnBrk="1" fontAlgn="auto" latinLnBrk="0" hangingPunct="1">
-              <a:lnSpc>
-                <a:spcPct val="100000"/>
-              </a:lnSpc>
-              <a:spcBef>
-                <a:spcPts val="0"/>
-              </a:spcBef>
-              <a:spcAft>
-                <a:spcPts val="0"/>
-              </a:spcAft>
-              <a:buClrTx/>
-              <a:buSzTx/>
-              <a:buFontTx/>
-              <a:buNone/>
-              <a:tabLst/>
-              <a:defRPr/>
-            </a:pPr>
-            <a:r>
-              <a:rPr lang="he-IL" altLang="en-US" b="0" dirty="0"/>
-              <a:t>(שימו לב: ניתן להריץ את אותה תוכנית בו-זמנית על שני מעבדים שונים בשני תהליכים שונים. אבל תהליך אחד יכול לרוץ רק על מעבד אחד בכל רגע נתון.)</a:t>
-            </a:r>
-          </a:p>
-          <a:p>
-            <a:pPr marL="0" marR="0" lvl="0" indent="0" algn="l" defTabSz="914400" rtl="0" eaLnBrk="1" fontAlgn="auto" latinLnBrk="0" hangingPunct="1">
-              <a:lnSpc>
-                <a:spcPct val="100000"/>
-              </a:lnSpc>
-              <a:spcBef>
-                <a:spcPts val="0"/>
-              </a:spcBef>
-              <a:spcAft>
-                <a:spcPts val="0"/>
-              </a:spcAft>
-              <a:buClrTx/>
-              <a:buSzTx/>
-              <a:buFontTx/>
-              <a:buNone/>
-              <a:tabLst/>
-              <a:defRPr/>
-            </a:pPr>
-            <a:r>
-              <a:rPr lang="en-US" altLang="en-US" b="0" dirty="0"/>
-              <a:t>The accurate definition of </a:t>
-            </a:r>
-            <a:r>
-              <a:rPr lang="en-US" altLang="en-US" b="0" dirty="0" err="1"/>
-              <a:t>runqueues</a:t>
-            </a:r>
-            <a:r>
-              <a:rPr lang="en-US" altLang="en-US" b="0" dirty="0"/>
-              <a:t> can be found in kernel/sched/</a:t>
-            </a:r>
-            <a:r>
-              <a:rPr lang="en-US" altLang="en-US" b="0" dirty="0" err="1"/>
-              <a:t>sched.h</a:t>
-            </a:r>
-            <a:r>
-              <a:rPr lang="en-US" altLang="en-US" b="0" dirty="0"/>
-              <a:t> :</a:t>
-            </a:r>
-          </a:p>
-          <a:p>
-            <a:pPr marL="0" marR="0" lvl="0" indent="0" algn="l" defTabSz="914400" rtl="0" eaLnBrk="1" fontAlgn="auto" latinLnBrk="0" hangingPunct="1">
-              <a:lnSpc>
-                <a:spcPct val="100000"/>
-              </a:lnSpc>
-              <a:spcBef>
-                <a:spcPts val="0"/>
-              </a:spcBef>
-              <a:spcAft>
-                <a:spcPts val="0"/>
-              </a:spcAft>
-              <a:buClrTx/>
-              <a:buSzTx/>
-              <a:buFontTx/>
-              <a:buNone/>
-              <a:tabLst/>
-              <a:defRPr/>
-            </a:pPr>
-            <a:r>
-              <a:rPr lang="en-US" altLang="en-US" b="0" dirty="0"/>
-              <a:t>DECLARE_PER_CPU_SHARED_ALIGNED(struct </a:t>
-            </a:r>
-            <a:r>
-              <a:rPr lang="en-US" altLang="en-US" b="0" dirty="0" err="1"/>
-              <a:t>rq</a:t>
-            </a:r>
-            <a:r>
-              <a:rPr lang="en-US" altLang="en-US" b="0" dirty="0"/>
-              <a:t>, </a:t>
-            </a:r>
-            <a:r>
-              <a:rPr lang="en-US" altLang="en-US" b="0" dirty="0" err="1"/>
-              <a:t>runqueues</a:t>
-            </a:r>
-            <a:r>
-              <a:rPr lang="en-US" altLang="en-US" b="0" dirty="0"/>
-              <a:t>);</a:t>
-            </a:r>
+            <a:pPr algn="r" rtl="1"/>
+            <a:endParaRPr lang="en-US"/>
           </a:p>
         </p:txBody>
       </p:sp>
@@ -5606,7 +5604,7 @@
             <a:fld id="{94525A9A-2399-4ACF-975E-77FD324B061A}" type="slidenum">
               <a:rPr lang="en-US" smtClean="0"/>
               <a:pPr/>
-              <a:t>43</a:t>
+              <a:t>45</a:t>
             </a:fld>
             <a:endParaRPr lang="en-US"/>
           </a:p>
@@ -5615,7 +5613,7 @@
     </p:spTree>
     <p:extLst>
       <p:ext uri="{BB962C8B-B14F-4D97-AF65-F5344CB8AC3E}">
-        <p14:creationId xmlns:p14="http://schemas.microsoft.com/office/powerpoint/2010/main" val="259959117"/>
+        <p14:creationId xmlns:p14="http://schemas.microsoft.com/office/powerpoint/2010/main" val="3570306254"/>
       </p:ext>
     </p:extLst>
   </p:cSld>
@@ -5666,92 +5664,6 @@
         </p:nvSpPr>
         <p:spPr/>
         <p:txBody>
-          <a:bodyPr/>
-          <a:lstStyle/>
-          <a:p>
-            <a:pPr algn="r" rtl="1"/>
-            <a:endParaRPr lang="en-US"/>
-          </a:p>
-        </p:txBody>
-      </p:sp>
-      <p:sp>
-        <p:nvSpPr>
-          <p:cNvPr id="4" name="Slide Number Placeholder 3"/>
-          <p:cNvSpPr>
-            <a:spLocks noGrp="1"/>
-          </p:cNvSpPr>
-          <p:nvPr>
-            <p:ph type="sldNum" sz="quarter" idx="10"/>
-          </p:nvPr>
-        </p:nvSpPr>
-        <p:spPr/>
-        <p:txBody>
-          <a:bodyPr/>
-          <a:lstStyle/>
-          <a:p>
-            <a:fld id="{94525A9A-2399-4ACF-975E-77FD324B061A}" type="slidenum">
-              <a:rPr lang="en-US" smtClean="0"/>
-              <a:pPr/>
-              <a:t>44</a:t>
-            </a:fld>
-            <a:endParaRPr lang="en-US"/>
-          </a:p>
-        </p:txBody>
-      </p:sp>
-    </p:spTree>
-    <p:extLst>
-      <p:ext uri="{BB962C8B-B14F-4D97-AF65-F5344CB8AC3E}">
-        <p14:creationId xmlns:p14="http://schemas.microsoft.com/office/powerpoint/2010/main" val="3570306254"/>
-      </p:ext>
-    </p:extLst>
-  </p:cSld>
-  <p:clrMapOvr>
-    <a:masterClrMapping/>
-  </p:clrMapOvr>
-</p:notes>
-</file>
-
-<file path=ppt/notesSlides/notesSlide37.xml><?xml version="1.0" encoding="utf-8"?>
-<p:notes xmlns:a="http://schemas.openxmlformats.org/drawingml/2006/main" xmlns:r="http://schemas.openxmlformats.org/officeDocument/2006/relationships" xmlns:p="http://schemas.openxmlformats.org/presentationml/2006/main">
-  <p:cSld>
-    <p:spTree>
-      <p:nvGrpSpPr>
-        <p:cNvPr id="1" name=""/>
-        <p:cNvGrpSpPr/>
-        <p:nvPr/>
-      </p:nvGrpSpPr>
-      <p:grpSpPr>
-        <a:xfrm>
-          <a:off x="0" y="0"/>
-          <a:ext cx="0" cy="0"/>
-          <a:chOff x="0" y="0"/>
-          <a:chExt cx="0" cy="0"/>
-        </a:xfrm>
-      </p:grpSpPr>
-      <p:sp>
-        <p:nvSpPr>
-          <p:cNvPr id="2" name="Slide Image Placeholder 1"/>
-          <p:cNvSpPr>
-            <a:spLocks noGrp="1" noRot="1" noChangeAspect="1"/>
-          </p:cNvSpPr>
-          <p:nvPr>
-            <p:ph type="sldImg"/>
-          </p:nvPr>
-        </p:nvSpPr>
-        <p:spPr/>
-      </p:sp>
-      <p:sp>
-        <p:nvSpPr>
-          <p:cNvPr id="3" name="Notes Placeholder 2"/>
-          <p:cNvSpPr>
-            <a:spLocks noGrp="1"/>
-          </p:cNvSpPr>
-          <p:nvPr>
-            <p:ph type="body" idx="1"/>
-          </p:nvPr>
-        </p:nvSpPr>
-        <p:spPr/>
-        <p:txBody>
           <a:bodyPr>
             <a:normAutofit/>
           </a:bodyPr>
@@ -5891,7 +5803,7 @@
             <a:fld id="{94525A9A-2399-4ACF-975E-77FD324B061A}" type="slidenum">
               <a:rPr lang="en-US" smtClean="0"/>
               <a:pPr/>
-              <a:t>45</a:t>
+              <a:t>46</a:t>
             </a:fld>
             <a:endParaRPr lang="en-US"/>
           </a:p>
@@ -12131,7 +12043,7 @@
           <a:lstStyle/>
           <a:p>
             <a:r>
-              <a:rPr lang="en-US"/>
+              <a:rPr lang="en-US" dirty="0"/>
               <a:t>Click to edit Master title style</a:t>
             </a:r>
           </a:p>
@@ -12164,35 +12076,35 @@
           <a:p>
             <a:pPr lvl="0"/>
             <a:r>
-              <a:rPr lang="en-US"/>
+              <a:rPr lang="en-US" dirty="0"/>
               <a:t>Click to edit Master text styles</a:t>
             </a:r>
           </a:p>
           <a:p>
             <a:pPr lvl="1"/>
             <a:r>
-              <a:rPr lang="en-US"/>
+              <a:rPr lang="en-US" dirty="0"/>
               <a:t>Second level</a:t>
             </a:r>
           </a:p>
           <a:p>
             <a:pPr lvl="2"/>
             <a:r>
-              <a:rPr lang="en-US"/>
+              <a:rPr lang="en-US" dirty="0"/>
               <a:t>Third level</a:t>
             </a:r>
           </a:p>
           <a:p>
             <a:pPr lvl="3"/>
             <a:r>
-              <a:rPr lang="en-US"/>
+              <a:rPr lang="en-US" dirty="0"/>
               <a:t>Fourth level</a:t>
             </a:r>
           </a:p>
           <a:p>
             <a:pPr lvl="4"/>
             <a:r>
-              <a:rPr lang="en-US"/>
+              <a:rPr lang="en-US" dirty="0"/>
               <a:t>Fifth level</a:t>
             </a:r>
           </a:p>
@@ -12271,11 +12183,13 @@
                 <a:solidFill>
                   <a:srgbClr val="FFFFFF"/>
                 </a:solidFill>
+                <a:latin typeface="Lucida Sans Unicode" panose="020B0602030504020204" pitchFamily="34" charset="0"/>
+                <a:cs typeface="Lucida Sans Unicode" panose="020B0602030504020204" pitchFamily="34" charset="0"/>
               </a:defRPr>
             </a:lvl1pPr>
           </a:lstStyle>
           <a:p>
-            <a:endParaRPr lang="en-US"/>
+            <a:endParaRPr lang="en-US" dirty="0"/>
           </a:p>
         </p:txBody>
       </p:sp>
@@ -12306,15 +12220,17 @@
                 <a:solidFill>
                   <a:srgbClr val="FFFFFF"/>
                 </a:solidFill>
+                <a:latin typeface="Lucida Sans Unicode" panose="020B0602030504020204" pitchFamily="34" charset="0"/>
+                <a:cs typeface="Lucida Sans Unicode" panose="020B0602030504020204" pitchFamily="34" charset="0"/>
               </a:defRPr>
             </a:lvl1pPr>
           </a:lstStyle>
           <a:p>
             <a:r>
-              <a:rPr lang="he-IL"/>
+              <a:rPr lang="he-IL" dirty="0"/>
               <a:t>מערכות הפעלה - תרגול 2</a:t>
             </a:r>
-            <a:endParaRPr lang="en-US"/>
+            <a:endParaRPr lang="en-US" dirty="0"/>
           </a:p>
         </p:txBody>
       </p:sp>
@@ -12345,6 +12261,8 @@
                 <a:solidFill>
                   <a:srgbClr val="FFFFFF"/>
                 </a:solidFill>
+                <a:latin typeface="Lucida Sans Unicode" panose="020B0602030504020204" pitchFamily="34" charset="0"/>
+                <a:cs typeface="Lucida Sans Unicode" panose="020B0602030504020204" pitchFamily="34" charset="0"/>
               </a:defRPr>
             </a:lvl1pPr>
           </a:lstStyle>
@@ -12354,7 +12272,7 @@
               <a:pPr/>
               <a:t>‹#›</a:t>
             </a:fld>
-            <a:endParaRPr lang="en-US"/>
+            <a:endParaRPr lang="en-US" dirty="0"/>
           </a:p>
         </p:txBody>
       </p:sp>
@@ -12386,9 +12304,9 @@
           <a:solidFill>
             <a:schemeClr val="tx2"/>
           </a:solidFill>
-          <a:latin typeface="+mj-lt"/>
+          <a:latin typeface="Lucida Sans Unicode" panose="020B0602030504020204" pitchFamily="34" charset="0"/>
           <a:ea typeface="+mj-ea"/>
-          <a:cs typeface="+mj-cs"/>
+          <a:cs typeface="Lucida Sans Unicode" panose="020B0602030504020204" pitchFamily="34" charset="0"/>
         </a:defRPr>
       </a:lvl1pPr>
     </p:titleStyle>
@@ -12407,9 +12325,9 @@
           <a:solidFill>
             <a:schemeClr val="tx1"/>
           </a:solidFill>
-          <a:latin typeface="+mn-lt"/>
+          <a:latin typeface="Lucida Sans Unicode" panose="020B0602030504020204" pitchFamily="34" charset="0"/>
           <a:ea typeface="+mn-ea"/>
-          <a:cs typeface="+mn-cs"/>
+          <a:cs typeface="Lucida Sans Unicode" panose="020B0602030504020204" pitchFamily="34" charset="0"/>
         </a:defRPr>
       </a:lvl1pPr>
       <a:lvl2pPr marL="457200" indent="-182880" algn="r" defTabSz="914400" rtl="1" eaLnBrk="1" latinLnBrk="0" hangingPunct="1">
@@ -12426,9 +12344,9 @@
           <a:solidFill>
             <a:schemeClr val="tx1"/>
           </a:solidFill>
-          <a:latin typeface="+mn-lt"/>
+          <a:latin typeface="Lucida Sans Unicode" panose="020B0602030504020204" pitchFamily="34" charset="0"/>
           <a:ea typeface="+mn-ea"/>
-          <a:cs typeface="+mn-cs"/>
+          <a:cs typeface="Lucida Sans Unicode" panose="020B0602030504020204" pitchFamily="34" charset="0"/>
         </a:defRPr>
       </a:lvl2pPr>
       <a:lvl3pPr marL="731520" indent="-182880" algn="r" defTabSz="914400" rtl="1" eaLnBrk="1" latinLnBrk="0" hangingPunct="1">
@@ -12445,9 +12363,9 @@
           <a:solidFill>
             <a:schemeClr val="tx1"/>
           </a:solidFill>
-          <a:latin typeface="+mn-lt"/>
+          <a:latin typeface="Lucida Sans Unicode" panose="020B0602030504020204" pitchFamily="34" charset="0"/>
           <a:ea typeface="+mn-ea"/>
-          <a:cs typeface="+mn-cs"/>
+          <a:cs typeface="Lucida Sans Unicode" panose="020B0602030504020204" pitchFamily="34" charset="0"/>
         </a:defRPr>
       </a:lvl3pPr>
       <a:lvl4pPr marL="1005840" indent="-182880" algn="r" defTabSz="914400" rtl="1" eaLnBrk="1" latinLnBrk="0" hangingPunct="1">
@@ -12463,9 +12381,9 @@
           <a:solidFill>
             <a:schemeClr val="tx1"/>
           </a:solidFill>
-          <a:latin typeface="+mn-lt"/>
+          <a:latin typeface="Lucida Sans Unicode" panose="020B0602030504020204" pitchFamily="34" charset="0"/>
           <a:ea typeface="+mn-ea"/>
-          <a:cs typeface="+mn-cs"/>
+          <a:cs typeface="Lucida Sans Unicode" panose="020B0602030504020204" pitchFamily="34" charset="0"/>
         </a:defRPr>
       </a:lvl4pPr>
       <a:lvl5pPr marL="1188720" indent="-137160" algn="r" defTabSz="914400" rtl="1" eaLnBrk="1" latinLnBrk="0" hangingPunct="1">
@@ -12482,9 +12400,9 @@
           <a:solidFill>
             <a:schemeClr val="tx1"/>
           </a:solidFill>
-          <a:latin typeface="+mn-lt"/>
+          <a:latin typeface="Lucida Sans Unicode" panose="020B0602030504020204" pitchFamily="34" charset="0"/>
           <a:ea typeface="+mn-ea"/>
-          <a:cs typeface="+mn-cs"/>
+          <a:cs typeface="Lucida Sans Unicode" panose="020B0602030504020204" pitchFamily="34" charset="0"/>
         </a:defRPr>
       </a:lvl5pPr>
       <a:lvl6pPr marL="1371600" indent="-182880" algn="l" defTabSz="914400" rtl="0" eaLnBrk="1" latinLnBrk="0" hangingPunct="1">
@@ -15855,7 +15773,7 @@
         <p:spPr/>
         <p:txBody>
           <a:bodyPr>
-            <a:normAutofit/>
+            <a:normAutofit fontScale="92500" lnSpcReduction="10000"/>
           </a:bodyPr>
           <a:lstStyle/>
           <a:p>
@@ -18106,7 +18024,7 @@
         <p:spPr/>
         <p:txBody>
           <a:bodyPr>
-            <a:normAutofit/>
+            <a:normAutofit lnSpcReduction="10000"/>
           </a:bodyPr>
           <a:lstStyle/>
           <a:p>
@@ -18118,7 +18036,7 @@
           <a:p>
             <a:r>
               <a:rPr lang="he-IL" dirty="0"/>
-              <a:t>בשעה הראשונה: נלמד איך </a:t>
+              <a:t>נלמד איך </a:t>
             </a:r>
             <a:r>
               <a:rPr lang="he-IL" b="1" dirty="0"/>
@@ -18212,15 +18130,7 @@
           <a:p>
             <a:r>
               <a:rPr lang="he-IL" dirty="0"/>
-              <a:t>בשעה </a:t>
-            </a:r>
-            <a:r>
-              <a:rPr lang="he-IL" dirty="0" err="1"/>
-              <a:t>השניה</a:t>
-            </a:r>
-            <a:r>
-              <a:rPr lang="he-IL" dirty="0"/>
-              <a:t>: נלמד איך </a:t>
+              <a:t>נלמד איך </a:t>
             </a:r>
             <a:r>
               <a:rPr lang="he-IL" b="1" dirty="0"/>
@@ -18306,7 +18216,7 @@
         </p:blipFill>
         <p:spPr>
           <a:xfrm>
-            <a:off x="749389" y="3724956"/>
+            <a:off x="869132" y="3828370"/>
             <a:ext cx="7645222" cy="1889924"/>
           </a:xfrm>
           <a:prstGeom prst="rect">
@@ -18657,7 +18567,7 @@
         <p:spPr/>
         <p:txBody>
           <a:bodyPr vert="horz" lIns="91440" tIns="45720" rIns="91440" bIns="45720" rtlCol="0" anchor="t">
-            <a:normAutofit lnSpcReduction="10000"/>
+            <a:normAutofit fontScale="92500" lnSpcReduction="10000"/>
           </a:bodyPr>
           <a:lstStyle/>
           <a:p>
@@ -19556,7 +19466,9 @@
         </p:nvSpPr>
         <p:spPr/>
         <p:txBody>
-          <a:bodyPr/>
+          <a:bodyPr>
+            <a:normAutofit/>
+          </a:bodyPr>
           <a:lstStyle/>
           <a:p>
             <a:r>
@@ -19857,7 +19769,7 @@
         <p:spPr/>
         <p:txBody>
           <a:bodyPr>
-            <a:normAutofit lnSpcReduction="10000"/>
+            <a:normAutofit fontScale="92500" lnSpcReduction="10000"/>
           </a:bodyPr>
           <a:lstStyle/>
           <a:p>
@@ -21145,9 +21057,9 @@
       </p:grpSpPr>
       <p:sp>
         <p:nvSpPr>
-          <p:cNvPr id="37891" name="Rectangle 2"/>
-          <p:cNvSpPr>
-            <a:spLocks noGrp="1" noChangeArrowheads="1"/>
+          <p:cNvPr id="2" name="Title 1"/>
+          <p:cNvSpPr>
+            <a:spLocks noGrp="1"/>
           </p:cNvSpPr>
           <p:nvPr>
             <p:ph type="title"/>
@@ -21159,142 +21071,16 @@
           <a:lstStyle/>
           <a:p>
             <a:r>
-              <a:rPr lang="he-IL" altLang="en-US"/>
-              <a:t>אתחול תהליכים בלינוקס</a:t>
-            </a:r>
-            <a:endParaRPr lang="en-US" altLang="en-US"/>
-          </a:p>
-        </p:txBody>
-      </p:sp>
-      <p:sp>
-        <p:nvSpPr>
-          <p:cNvPr id="37892" name="Rectangle 3"/>
-          <p:cNvSpPr>
-            <a:spLocks noGrp="1" noChangeArrowheads="1"/>
-          </p:cNvSpPr>
-          <p:nvPr>
-            <p:ph idx="1"/>
-          </p:nvPr>
-        </p:nvSpPr>
-        <p:spPr/>
-        <p:txBody>
-          <a:bodyPr/>
-          <a:lstStyle/>
-          <a:p>
-            <a:r>
-              <a:rPr lang="he-IL" altLang="en-US"/>
-              <a:t>משתמשים מתחברים לעבודה בלינוקס דרך מסופים (</a:t>
-            </a:r>
-            <a:r>
-              <a:rPr lang="en-US" altLang="en-US"/>
-              <a:t>terminal</a:t>
-            </a:r>
-            <a:r>
-              <a:rPr lang="he-IL" altLang="en-US"/>
-              <a:t>).</a:t>
-            </a:r>
-          </a:p>
-          <a:p>
-            <a:pPr lvl="1"/>
-            <a:r>
-              <a:rPr lang="he-IL" altLang="en-US"/>
-              <a:t>מסוף = מסך + מקלדת (מקומי או מרוחק).</a:t>
-            </a:r>
-          </a:p>
-          <a:p>
-            <a:pPr lvl="1"/>
-            <a:endParaRPr lang="he-IL" altLang="en-US"/>
-          </a:p>
-          <a:p>
-            <a:r>
-              <a:rPr lang="he-IL" altLang="en-US"/>
-              <a:t>התהליך </a:t>
-            </a:r>
-            <a:r>
-              <a:rPr lang="en-US" altLang="en-US"/>
-              <a:t>init</a:t>
-            </a:r>
-            <a:r>
-              <a:rPr lang="he-IL" altLang="en-US"/>
-              <a:t> יוצר תהליך בן עבור כל מסוף, אשר טוען ומבצע את המשימות הבאות לפי הסדר:</a:t>
-            </a:r>
-          </a:p>
-          <a:p>
-            <a:pPr marL="457200" indent="-457200">
-              <a:buFont typeface="+mj-lt"/>
-              <a:buAutoNum type="arabicPeriod"/>
-            </a:pPr>
-            <a:r>
-              <a:rPr lang="he-IL" altLang="en-US"/>
-              <a:t>איתחול של המסוף.</a:t>
-            </a:r>
-          </a:p>
-          <a:p>
-            <a:pPr marL="457200" indent="-457200">
-              <a:buFont typeface="+mj-lt"/>
-              <a:buAutoNum type="arabicPeriod"/>
-            </a:pPr>
-            <a:r>
-              <a:rPr lang="he-IL" altLang="en-US"/>
-              <a:t>התחברות של המשתמש עם שם משתמש וסיסמא באמצעות תכנית </a:t>
-            </a:r>
-            <a:r>
-              <a:rPr lang="en-US" altLang="en-US"/>
-              <a:t>login</a:t>
-            </a:r>
-            <a:r>
-              <a:rPr lang="he-IL" altLang="en-US"/>
-              <a:t>.</a:t>
-            </a:r>
-          </a:p>
-          <a:p>
-            <a:pPr marL="457200" indent="-457200">
-              <a:buFont typeface="+mj-lt"/>
-              <a:buAutoNum type="arabicPeriod"/>
-            </a:pPr>
-            <a:r>
-              <a:rPr lang="he-IL" altLang="en-US"/>
-              <a:t>אם אושרה כניסת המשתמש: קריאה לתוכנית </a:t>
-            </a:r>
-            <a:r>
-              <a:rPr lang="en-US" altLang="en-US"/>
-              <a:t> </a:t>
-            </a:r>
-            <a:r>
-              <a:rPr lang="en-US" altLang="en-US" b="1">
-                <a:solidFill>
-                  <a:srgbClr val="0000FF"/>
-                </a:solidFill>
-              </a:rPr>
-              <a:t>shell</a:t>
-            </a:r>
-            <a:r>
-              <a:rPr lang="he-IL" altLang="en-US"/>
-              <a:t>(כמו </a:t>
-            </a:r>
-            <a:r>
-              <a:rPr lang="en-US" altLang="en-US"/>
-              <a:t>tcsh</a:t>
-            </a:r>
-            <a:r>
-              <a:rPr lang="he-IL" altLang="en-US"/>
-              <a:t> או </a:t>
-            </a:r>
-            <a:r>
-              <a:rPr lang="en-US" altLang="en-US"/>
-              <a:t>bash</a:t>
-            </a:r>
-            <a:r>
-              <a:rPr lang="he-IL" altLang="en-US"/>
-              <a:t>) המאפשרת למשתמש להעביר פקודות למערכת ההפעלה.</a:t>
-            </a:r>
-            <a:endParaRPr lang="he-IL" altLang="en-US" dirty="0"/>
-          </a:p>
-        </p:txBody>
-      </p:sp>
-      <p:sp>
-        <p:nvSpPr>
-          <p:cNvPr id="2" name="Footer Placeholder 1"/>
+              <a:rPr lang="he-IL"/>
+              <a:t>הפסקה</a:t>
+            </a:r>
+            <a:endParaRPr lang="en-US"/>
+          </a:p>
+        </p:txBody>
+      </p:sp>
+      <p:sp>
+        <p:nvSpPr>
+          <p:cNvPr id="4" name="Footer Placeholder 3"/>
           <p:cNvSpPr>
             <a:spLocks noGrp="1"/>
           </p:cNvSpPr>
@@ -21307,6 +21093,7 @@
           <a:bodyPr/>
           <a:lstStyle/>
           <a:p>
+            <a:pPr algn="r"/>
             <a:r>
               <a:rPr lang="he-IL"/>
               <a:t>מערכות הפעלה - תרגול 2</a:t>
@@ -21317,7 +21104,7 @@
       </p:sp>
       <p:sp>
         <p:nvSpPr>
-          <p:cNvPr id="3" name="Slide Number Placeholder 2"/>
+          <p:cNvPr id="5" name="Slide Number Placeholder 4"/>
           <p:cNvSpPr>
             <a:spLocks noGrp="1"/>
           </p:cNvSpPr>
@@ -21339,10 +21126,42 @@
           </a:p>
         </p:txBody>
       </p:sp>
+      <p:pic>
+        <p:nvPicPr>
+          <p:cNvPr id="8" name="Content Placeholder 7"/>
+          <p:cNvPicPr>
+            <a:picLocks noGrp="1" noChangeAspect="1"/>
+          </p:cNvPicPr>
+          <p:nvPr>
+            <p:ph idx="1"/>
+          </p:nvPr>
+        </p:nvPicPr>
+        <p:blipFill>
+          <a:blip r:embed="rId2">
+            <a:extLst>
+              <a:ext uri="{28A0092B-C50C-407E-A947-70E740481C1C}">
+                <a14:useLocalDpi xmlns:a14="http://schemas.microsoft.com/office/drawing/2010/main" val="0"/>
+              </a:ext>
+            </a:extLst>
+          </a:blip>
+          <a:stretch>
+            <a:fillRect/>
+          </a:stretch>
+        </p:blipFill>
+        <p:spPr>
+          <a:xfrm>
+            <a:off x="2178050" y="1600200"/>
+            <a:ext cx="4787900" cy="4876800"/>
+          </a:xfrm>
+          <a:prstGeom prst="rect">
+            <a:avLst/>
+          </a:prstGeom>
+        </p:spPr>
+      </p:pic>
     </p:spTree>
     <p:extLst>
       <p:ext uri="{BB962C8B-B14F-4D97-AF65-F5344CB8AC3E}">
-        <p14:creationId xmlns:p14="http://schemas.microsoft.com/office/powerpoint/2010/main" val="993071816"/>
+        <p14:creationId xmlns:p14="http://schemas.microsoft.com/office/powerpoint/2010/main" val="4273714869"/>
       </p:ext>
     </p:extLst>
   </p:cSld>
@@ -21371,9 +21190,9 @@
       </p:grpSpPr>
       <p:sp>
         <p:nvSpPr>
-          <p:cNvPr id="2" name="Title 1"/>
-          <p:cNvSpPr>
-            <a:spLocks noGrp="1"/>
+          <p:cNvPr id="37891" name="Rectangle 2"/>
+          <p:cNvSpPr>
+            <a:spLocks noGrp="1" noChangeArrowheads="1"/>
           </p:cNvSpPr>
           <p:nvPr>
             <p:ph type="title"/>
@@ -21385,21 +21204,18 @@
           <a:lstStyle/>
           <a:p>
             <a:r>
-              <a:rPr lang="he-IL" dirty="0"/>
-              <a:t>דוגמה לשימוש בתהליכים - </a:t>
-            </a:r>
-            <a:r>
-              <a:rPr lang="en-US" dirty="0"/>
-              <a:t>shell</a:t>
-            </a:r>
-          </a:p>
-        </p:txBody>
-      </p:sp>
-      <p:sp>
-        <p:nvSpPr>
-          <p:cNvPr id="3" name="Content Placeholder 2"/>
-          <p:cNvSpPr>
-            <a:spLocks noGrp="1"/>
+              <a:rPr lang="he-IL" altLang="en-US"/>
+              <a:t>אתחול תהליכים בלינוקס</a:t>
+            </a:r>
+            <a:endParaRPr lang="en-US" altLang="en-US"/>
+          </a:p>
+        </p:txBody>
+      </p:sp>
+      <p:sp>
+        <p:nvSpPr>
+          <p:cNvPr id="37892" name="Rectangle 3"/>
+          <p:cNvSpPr>
+            <a:spLocks noGrp="1" noChangeArrowheads="1"/>
           </p:cNvSpPr>
           <p:nvPr>
             <p:ph idx="1"/>
@@ -21411,141 +21227,119 @@
           <a:lstStyle/>
           <a:p>
             <a:r>
-              <a:rPr lang="he-IL" altLang="en-US" dirty="0"/>
-              <a:t>ממשק שורת פקודה (</a:t>
-            </a:r>
-            <a:r>
-              <a:rPr lang="en-US" altLang="en-US" dirty="0"/>
-              <a:t>command line</a:t>
-            </a:r>
-            <a:r>
-              <a:rPr lang="he-IL" altLang="en-US" dirty="0"/>
+              <a:rPr lang="he-IL" altLang="en-US"/>
+              <a:t>משתמשים מתחברים לעבודה בלינוקס דרך מסופים (</a:t>
+            </a:r>
+            <a:r>
+              <a:rPr lang="en-US" altLang="en-US"/>
+              <a:t>terminal</a:t>
+            </a:r>
+            <a:r>
+              <a:rPr lang="he-IL" altLang="en-US"/>
               <a:t>).</a:t>
             </a:r>
           </a:p>
           <a:p>
-            <a:r>
-              <a:rPr lang="he-IL" altLang="en-US" dirty="0"/>
-              <a:t>ייעוד עיקרי: לקבל פקודות ולבצע אותן באופן סדרתי.</a:t>
-            </a:r>
-          </a:p>
-          <a:p>
             <a:pPr lvl="1"/>
             <a:r>
-              <a:rPr lang="he-IL" altLang="en-US" dirty="0"/>
-              <a:t>ה-</a:t>
-            </a:r>
-            <a:r>
-              <a:rPr lang="en-US" altLang="en-US" dirty="0"/>
-              <a:t>shell</a:t>
-            </a:r>
-            <a:r>
-              <a:rPr lang="he-IL" altLang="en-US" dirty="0"/>
-              <a:t> מייצר </a:t>
-            </a:r>
-            <a:r>
-              <a:rPr lang="he-IL" altLang="en-US" b="1" dirty="0"/>
-              <a:t>תהליך בן עבור כל פקודה </a:t>
-            </a:r>
-            <a:r>
-              <a:rPr lang="he-IL" altLang="en-US" dirty="0"/>
-              <a:t>על-מנת לבצע אותה.</a:t>
-            </a:r>
-          </a:p>
-          <a:p>
-            <a:r>
-              <a:rPr lang="he-IL" altLang="en-US" dirty="0"/>
-              <a:t>כל פקודה ניתן להריץ בחזית (</a:t>
-            </a:r>
-            <a:r>
-              <a:rPr lang="en-US" altLang="en-US" dirty="0">
+              <a:rPr lang="he-IL" altLang="en-US"/>
+              <a:t>מסוף = מסך + מקלדת (מקומי או מרוחק).</a:t>
+            </a:r>
+          </a:p>
+          <a:p>
+            <a:pPr lvl="1"/>
+            <a:endParaRPr lang="he-IL" altLang="en-US"/>
+          </a:p>
+          <a:p>
+            <a:r>
+              <a:rPr lang="he-IL" altLang="en-US"/>
+              <a:t>התהליך </a:t>
+            </a:r>
+            <a:r>
+              <a:rPr lang="en-US" altLang="en-US"/>
+              <a:t>init</a:t>
+            </a:r>
+            <a:r>
+              <a:rPr lang="he-IL" altLang="en-US"/>
+              <a:t> יוצר תהליך בן עבור כל מסוף, אשר טוען ומבצע את המשימות הבאות לפי הסדר:</a:t>
+            </a:r>
+          </a:p>
+          <a:p>
+            <a:pPr marL="457200" indent="-457200">
+              <a:buFont typeface="+mj-lt"/>
+              <a:buAutoNum type="arabicPeriod"/>
+            </a:pPr>
+            <a:r>
+              <a:rPr lang="he-IL" altLang="en-US"/>
+              <a:t>איתחול של המסוף.</a:t>
+            </a:r>
+          </a:p>
+          <a:p>
+            <a:pPr marL="457200" indent="-457200">
+              <a:buFont typeface="+mj-lt"/>
+              <a:buAutoNum type="arabicPeriod"/>
+            </a:pPr>
+            <a:r>
+              <a:rPr lang="he-IL" altLang="en-US"/>
+              <a:t>התחברות של המשתמש עם שם משתמש וסיסמא באמצעות תכנית </a:t>
+            </a:r>
+            <a:r>
+              <a:rPr lang="en-US" altLang="en-US"/>
+              <a:t>login</a:t>
+            </a:r>
+            <a:r>
+              <a:rPr lang="he-IL" altLang="en-US"/>
+              <a:t>.</a:t>
+            </a:r>
+          </a:p>
+          <a:p>
+            <a:pPr marL="457200" indent="-457200">
+              <a:buFont typeface="+mj-lt"/>
+              <a:buAutoNum type="arabicPeriod"/>
+            </a:pPr>
+            <a:r>
+              <a:rPr lang="he-IL" altLang="en-US"/>
+              <a:t>אם אושרה כניסת המשתמש: קריאה לתוכנית </a:t>
+            </a:r>
+            <a:r>
+              <a:rPr lang="en-US" altLang="en-US"/>
+              <a:t> </a:t>
+            </a:r>
+            <a:r>
+              <a:rPr lang="en-US" altLang="en-US" b="1">
                 <a:solidFill>
                   <a:srgbClr val="0000FF"/>
                 </a:solidFill>
               </a:rPr>
-              <a:t>foreground</a:t>
-            </a:r>
-            <a:r>
-              <a:rPr lang="he-IL" altLang="en-US" dirty="0"/>
-              <a:t>) או ברקע (</a:t>
-            </a:r>
-            <a:r>
-              <a:rPr lang="en-US" altLang="en-US" dirty="0">
-                <a:solidFill>
-                  <a:srgbClr val="0000FF"/>
-                </a:solidFill>
-              </a:rPr>
-              <a:t>background</a:t>
-            </a:r>
-            <a:r>
-              <a:rPr lang="he-IL" altLang="en-US" dirty="0"/>
-              <a:t>).</a:t>
-            </a:r>
-          </a:p>
-          <a:p>
-            <a:pPr lvl="1"/>
-            <a:r>
-              <a:rPr lang="he-IL" altLang="en-US" dirty="0"/>
-              <a:t>הרצה בחזית: האב (</a:t>
-            </a:r>
-            <a:r>
-              <a:rPr lang="en-US" altLang="en-US" dirty="0"/>
               <a:t>shell</a:t>
             </a:r>
             <a:r>
-              <a:rPr lang="he-IL" altLang="en-US" dirty="0"/>
-              <a:t>) ממתין לסיום הבן לפני קריאת הפקודה הבאה.</a:t>
-            </a:r>
-          </a:p>
-          <a:p>
-            <a:pPr lvl="1"/>
-            <a:r>
-              <a:rPr lang="he-IL" altLang="en-US" dirty="0"/>
-              <a:t>הרצה ברקע: האב (</a:t>
-            </a:r>
-            <a:r>
-              <a:rPr lang="en-US" altLang="en-US" dirty="0"/>
-              <a:t>shell</a:t>
-            </a:r>
-            <a:r>
-              <a:rPr lang="he-IL" altLang="en-US" dirty="0"/>
-              <a:t>) עובר מיד לקריאת הפקודה הבאה.</a:t>
-            </a:r>
-          </a:p>
-          <a:p>
-            <a:r>
-              <a:rPr lang="he-IL" dirty="0"/>
-              <a:t>ייעוד נוסף: להציג קבצים ותיקיות על-מנת לסייר במערכת.</a:t>
-            </a:r>
-          </a:p>
-          <a:p>
-            <a:endParaRPr lang="he-IL" dirty="0"/>
-          </a:p>
-          <a:p>
-            <a:r>
-              <a:rPr lang="he-IL" dirty="0"/>
-              <a:t>דוגמה חיה:</a:t>
-            </a:r>
-          </a:p>
-          <a:p>
-            <a:pPr lvl="1"/>
-            <a:r>
-              <a:rPr lang="en-US" dirty="0">
-                <a:hlinkClick r:id="rId3"/>
-              </a:rPr>
-              <a:t>https://www.tutorialspoint.com/unix_terminal_online.php</a:t>
-            </a:r>
-            <a:endParaRPr lang="he-IL" dirty="0"/>
-          </a:p>
-          <a:p>
-            <a:pPr lvl="1"/>
-            <a:endParaRPr lang="en-US" dirty="0"/>
-          </a:p>
-        </p:txBody>
-      </p:sp>
-      <p:sp>
-        <p:nvSpPr>
-          <p:cNvPr id="4" name="Footer Placeholder 3"/>
+              <a:rPr lang="he-IL" altLang="en-US"/>
+              <a:t>(כמו </a:t>
+            </a:r>
+            <a:r>
+              <a:rPr lang="en-US" altLang="en-US"/>
+              <a:t>tcsh</a:t>
+            </a:r>
+            <a:r>
+              <a:rPr lang="he-IL" altLang="en-US"/>
+              <a:t> או </a:t>
+            </a:r>
+            <a:r>
+              <a:rPr lang="en-US" altLang="en-US"/>
+              <a:t>bash</a:t>
+            </a:r>
+            <a:r>
+              <a:rPr lang="he-IL" altLang="en-US"/>
+              <a:t>) המאפשרת למשתמש להעביר פקודות למערכת ההפעלה.</a:t>
+            </a:r>
+            <a:endParaRPr lang="he-IL" altLang="en-US" dirty="0"/>
+          </a:p>
+        </p:txBody>
+      </p:sp>
+      <p:sp>
+        <p:nvSpPr>
+          <p:cNvPr id="2" name="Footer Placeholder 1"/>
           <p:cNvSpPr>
             <a:spLocks noGrp="1"/>
           </p:cNvSpPr>
@@ -21568,7 +21362,7 @@
       </p:sp>
       <p:sp>
         <p:nvSpPr>
-          <p:cNvPr id="5" name="Slide Number Placeholder 4"/>
+          <p:cNvPr id="3" name="Slide Number Placeholder 2"/>
           <p:cNvSpPr>
             <a:spLocks noGrp="1"/>
           </p:cNvSpPr>
@@ -21593,7 +21387,7 @@
     </p:spTree>
     <p:extLst>
       <p:ext uri="{BB962C8B-B14F-4D97-AF65-F5344CB8AC3E}">
-        <p14:creationId xmlns:p14="http://schemas.microsoft.com/office/powerpoint/2010/main" val="2206206977"/>
+        <p14:creationId xmlns:p14="http://schemas.microsoft.com/office/powerpoint/2010/main" val="993071816"/>
       </p:ext>
     </p:extLst>
   </p:cSld>
@@ -21622,6 +21416,257 @@
       </p:grpSpPr>
       <p:sp>
         <p:nvSpPr>
+          <p:cNvPr id="2" name="Title 1"/>
+          <p:cNvSpPr>
+            <a:spLocks noGrp="1"/>
+          </p:cNvSpPr>
+          <p:nvPr>
+            <p:ph type="title"/>
+          </p:nvPr>
+        </p:nvSpPr>
+        <p:spPr/>
+        <p:txBody>
+          <a:bodyPr/>
+          <a:lstStyle/>
+          <a:p>
+            <a:r>
+              <a:rPr lang="he-IL" dirty="0"/>
+              <a:t>דוגמה לשימוש בתהליכים - </a:t>
+            </a:r>
+            <a:r>
+              <a:rPr lang="en-US" dirty="0"/>
+              <a:t>shell</a:t>
+            </a:r>
+          </a:p>
+        </p:txBody>
+      </p:sp>
+      <p:sp>
+        <p:nvSpPr>
+          <p:cNvPr id="3" name="Content Placeholder 2"/>
+          <p:cNvSpPr>
+            <a:spLocks noGrp="1"/>
+          </p:cNvSpPr>
+          <p:nvPr>
+            <p:ph idx="1"/>
+          </p:nvPr>
+        </p:nvSpPr>
+        <p:spPr/>
+        <p:txBody>
+          <a:bodyPr/>
+          <a:lstStyle/>
+          <a:p>
+            <a:r>
+              <a:rPr lang="he-IL" altLang="en-US" dirty="0"/>
+              <a:t>ממשק שורת פקודה (</a:t>
+            </a:r>
+            <a:r>
+              <a:rPr lang="en-US" altLang="en-US" dirty="0"/>
+              <a:t>command line</a:t>
+            </a:r>
+            <a:r>
+              <a:rPr lang="he-IL" altLang="en-US" dirty="0"/>
+              <a:t>).</a:t>
+            </a:r>
+          </a:p>
+          <a:p>
+            <a:r>
+              <a:rPr lang="he-IL" altLang="en-US" dirty="0"/>
+              <a:t>ייעוד עיקרי: לקבל פקודות ולבצע אותן באופן סדרתי.</a:t>
+            </a:r>
+          </a:p>
+          <a:p>
+            <a:pPr lvl="1"/>
+            <a:r>
+              <a:rPr lang="he-IL" altLang="en-US" dirty="0"/>
+              <a:t>ה-</a:t>
+            </a:r>
+            <a:r>
+              <a:rPr lang="en-US" altLang="en-US" dirty="0"/>
+              <a:t>shell</a:t>
+            </a:r>
+            <a:r>
+              <a:rPr lang="he-IL" altLang="en-US" dirty="0"/>
+              <a:t> מייצר </a:t>
+            </a:r>
+            <a:r>
+              <a:rPr lang="he-IL" altLang="en-US" b="1" dirty="0"/>
+              <a:t>תהליך בן עבור כל פקודה </a:t>
+            </a:r>
+            <a:r>
+              <a:rPr lang="he-IL" altLang="en-US" dirty="0"/>
+              <a:t>על-מנת לבצע אותה.</a:t>
+            </a:r>
+          </a:p>
+          <a:p>
+            <a:r>
+              <a:rPr lang="he-IL" altLang="en-US" dirty="0"/>
+              <a:t>כל פקודה ניתן להריץ בחזית (</a:t>
+            </a:r>
+            <a:r>
+              <a:rPr lang="en-US" altLang="en-US" dirty="0">
+                <a:solidFill>
+                  <a:srgbClr val="0000FF"/>
+                </a:solidFill>
+              </a:rPr>
+              <a:t>foreground</a:t>
+            </a:r>
+            <a:r>
+              <a:rPr lang="he-IL" altLang="en-US" dirty="0"/>
+              <a:t>) או ברקע (</a:t>
+            </a:r>
+            <a:r>
+              <a:rPr lang="en-US" altLang="en-US" dirty="0">
+                <a:solidFill>
+                  <a:srgbClr val="0000FF"/>
+                </a:solidFill>
+              </a:rPr>
+              <a:t>background</a:t>
+            </a:r>
+            <a:r>
+              <a:rPr lang="he-IL" altLang="en-US" dirty="0"/>
+              <a:t>).</a:t>
+            </a:r>
+          </a:p>
+          <a:p>
+            <a:pPr lvl="1"/>
+            <a:r>
+              <a:rPr lang="he-IL" altLang="en-US" dirty="0"/>
+              <a:t>הרצה בחזית: האב (</a:t>
+            </a:r>
+            <a:r>
+              <a:rPr lang="en-US" altLang="en-US" dirty="0"/>
+              <a:t>shell</a:t>
+            </a:r>
+            <a:r>
+              <a:rPr lang="he-IL" altLang="en-US" dirty="0"/>
+              <a:t>) ממתין לסיום הבן לפני קריאת הפקודה הבאה.</a:t>
+            </a:r>
+          </a:p>
+          <a:p>
+            <a:pPr lvl="1"/>
+            <a:r>
+              <a:rPr lang="he-IL" altLang="en-US" dirty="0"/>
+              <a:t>הרצה ברקע: האב (</a:t>
+            </a:r>
+            <a:r>
+              <a:rPr lang="en-US" altLang="en-US" dirty="0"/>
+              <a:t>shell</a:t>
+            </a:r>
+            <a:r>
+              <a:rPr lang="he-IL" altLang="en-US" dirty="0"/>
+              <a:t>) עובר מיד לקריאת הפקודה הבאה.</a:t>
+            </a:r>
+          </a:p>
+          <a:p>
+            <a:r>
+              <a:rPr lang="he-IL" dirty="0"/>
+              <a:t>ייעוד נוסף: להציג קבצים ותיקיות על-מנת לסייר במערכת.</a:t>
+            </a:r>
+          </a:p>
+          <a:p>
+            <a:endParaRPr lang="he-IL" dirty="0"/>
+          </a:p>
+          <a:p>
+            <a:r>
+              <a:rPr lang="he-IL" dirty="0"/>
+              <a:t>דוגמה חיה:</a:t>
+            </a:r>
+          </a:p>
+          <a:p>
+            <a:pPr lvl="1"/>
+            <a:r>
+              <a:rPr lang="en-US" dirty="0">
+                <a:hlinkClick r:id="rId3"/>
+              </a:rPr>
+              <a:t>https://www.tutorialspoint.com/unix_terminal_online.php</a:t>
+            </a:r>
+            <a:endParaRPr lang="he-IL" dirty="0"/>
+          </a:p>
+          <a:p>
+            <a:pPr lvl="1"/>
+            <a:endParaRPr lang="en-US" dirty="0"/>
+          </a:p>
+        </p:txBody>
+      </p:sp>
+      <p:sp>
+        <p:nvSpPr>
+          <p:cNvPr id="4" name="Footer Placeholder 3"/>
+          <p:cNvSpPr>
+            <a:spLocks noGrp="1"/>
+          </p:cNvSpPr>
+          <p:nvPr>
+            <p:ph type="ftr" sz="quarter" idx="11"/>
+          </p:nvPr>
+        </p:nvSpPr>
+        <p:spPr/>
+        <p:txBody>
+          <a:bodyPr/>
+          <a:lstStyle/>
+          <a:p>
+            <a:r>
+              <a:rPr lang="he-IL"/>
+              <a:t>מערכות הפעלה - תרגול 2</a:t>
+            </a:r>
+            <a:endParaRPr lang="en-US"/>
+          </a:p>
+        </p:txBody>
+      </p:sp>
+      <p:sp>
+        <p:nvSpPr>
+          <p:cNvPr id="5" name="Slide Number Placeholder 4"/>
+          <p:cNvSpPr>
+            <a:spLocks noGrp="1"/>
+          </p:cNvSpPr>
+          <p:nvPr>
+            <p:ph type="sldNum" sz="quarter" idx="12"/>
+          </p:nvPr>
+        </p:nvSpPr>
+        <p:spPr/>
+        <p:txBody>
+          <a:bodyPr/>
+          <a:lstStyle/>
+          <a:p>
+            <a:fld id="{0CFEC368-1D7A-4F81-ABF6-AE0E36BAF64C}" type="slidenum">
+              <a:rPr lang="en-US" smtClean="0"/>
+              <a:pPr/>
+              <a:t>27</a:t>
+            </a:fld>
+            <a:endParaRPr lang="en-US"/>
+          </a:p>
+        </p:txBody>
+      </p:sp>
+    </p:spTree>
+    <p:extLst>
+      <p:ext uri="{BB962C8B-B14F-4D97-AF65-F5344CB8AC3E}">
+        <p14:creationId xmlns:p14="http://schemas.microsoft.com/office/powerpoint/2010/main" val="2206206977"/>
+      </p:ext>
+    </p:extLst>
+  </p:cSld>
+  <p:clrMapOvr>
+    <a:masterClrMapping/>
+  </p:clrMapOvr>
+</p:sld>
+</file>
+
+<file path=ppt/slides/slide28.xml><?xml version="1.0" encoding="utf-8"?>
+<p:sld xmlns:a="http://schemas.openxmlformats.org/drawingml/2006/main" xmlns:r="http://schemas.openxmlformats.org/officeDocument/2006/relationships" xmlns:p="http://schemas.openxmlformats.org/presentationml/2006/main">
+  <p:cSld>
+    <p:spTree>
+      <p:nvGrpSpPr>
+        <p:cNvPr id="1" name=""/>
+        <p:cNvGrpSpPr/>
+        <p:nvPr/>
+      </p:nvGrpSpPr>
+      <p:grpSpPr>
+        <a:xfrm>
+          <a:off x="0" y="0"/>
+          <a:ext cx="0" cy="0"/>
+          <a:chOff x="0" y="0"/>
+          <a:chExt cx="0" cy="0"/>
+        </a:xfrm>
+      </p:grpSpPr>
+      <p:sp>
+        <p:nvSpPr>
           <p:cNvPr id="38915" name="Rectangle 2"/>
           <p:cNvSpPr>
             <a:spLocks noGrp="1" noChangeArrowheads="1"/>
@@ -21747,7 +21792,7 @@
             <a:fld id="{0CFEC368-1D7A-4F81-ABF6-AE0E36BAF64C}" type="slidenum">
               <a:rPr lang="en-US" smtClean="0"/>
               <a:pPr/>
-              <a:t>27</a:t>
+              <a:t>28</a:t>
             </a:fld>
             <a:endParaRPr lang="en-US"/>
           </a:p>
@@ -23853,7 +23898,7 @@
 </p:sld>
 </file>
 
-<file path=ppt/slides/slide28.xml><?xml version="1.0" encoding="utf-8"?>
+<file path=ppt/slides/slide29.xml><?xml version="1.0" encoding="utf-8"?>
 <p:sld xmlns:a="http://schemas.openxmlformats.org/drawingml/2006/main" xmlns:r="http://schemas.openxmlformats.org/officeDocument/2006/relationships" xmlns:p="http://schemas.openxmlformats.org/presentationml/2006/main">
   <p:cSld>
     <p:spTree>
@@ -23912,7 +23957,7 @@
             <a:fld id="{0CFEC368-1D7A-4F81-ABF6-AE0E36BAF64C}" type="slidenum">
               <a:rPr lang="en-US" smtClean="0"/>
               <a:pPr/>
-              <a:t>28</a:t>
+              <a:t>29</a:t>
             </a:fld>
             <a:endParaRPr lang="en-US"/>
           </a:p>
@@ -27017,7 +27062,134 @@
 </p:sld>
 </file>
 
-<file path=ppt/slides/slide29.xml><?xml version="1.0" encoding="utf-8"?>
+<file path=ppt/slides/slide3.xml><?xml version="1.0" encoding="utf-8"?>
+<p:sld xmlns:a="http://schemas.openxmlformats.org/drawingml/2006/main" xmlns:r="http://schemas.openxmlformats.org/officeDocument/2006/relationships" xmlns:p="http://schemas.openxmlformats.org/presentationml/2006/main">
+  <p:cSld>
+    <p:spTree>
+      <p:nvGrpSpPr>
+        <p:cNvPr id="1" name=""/>
+        <p:cNvGrpSpPr/>
+        <p:nvPr/>
+      </p:nvGrpSpPr>
+      <p:grpSpPr>
+        <a:xfrm>
+          <a:off x="0" y="0"/>
+          <a:ext cx="0" cy="0"/>
+          <a:chOff x="0" y="0"/>
+          <a:chExt cx="0" cy="0"/>
+        </a:xfrm>
+      </p:grpSpPr>
+      <p:sp>
+        <p:nvSpPr>
+          <p:cNvPr id="2" name="Title 1"/>
+          <p:cNvSpPr>
+            <a:spLocks noGrp="1"/>
+          </p:cNvSpPr>
+          <p:nvPr>
+            <p:ph type="title"/>
+          </p:nvPr>
+        </p:nvSpPr>
+        <p:spPr/>
+        <p:txBody>
+          <a:bodyPr/>
+          <a:lstStyle/>
+          <a:p>
+            <a:r>
+              <a:rPr lang="he-IL"/>
+              <a:t>קריאות מערכת</a:t>
+            </a:r>
+            <a:br>
+              <a:rPr lang="he-IL"/>
+            </a:br>
+            <a:r>
+              <a:rPr lang="he-IL"/>
+              <a:t>לעבודה עם תהליכים</a:t>
+            </a:r>
+            <a:endParaRPr lang="en-US"/>
+          </a:p>
+        </p:txBody>
+      </p:sp>
+      <p:sp>
+        <p:nvSpPr>
+          <p:cNvPr id="3" name="Text Placeholder 2"/>
+          <p:cNvSpPr>
+            <a:spLocks noGrp="1"/>
+          </p:cNvSpPr>
+          <p:nvPr>
+            <p:ph type="body" idx="1"/>
+          </p:nvPr>
+        </p:nvSpPr>
+        <p:spPr/>
+        <p:txBody>
+          <a:bodyPr/>
+          <a:lstStyle/>
+          <a:p>
+            <a:endParaRPr lang="en-US"/>
+          </a:p>
+        </p:txBody>
+      </p:sp>
+      <p:sp>
+        <p:nvSpPr>
+          <p:cNvPr id="4" name="Footer Placeholder 3"/>
+          <p:cNvSpPr>
+            <a:spLocks noGrp="1"/>
+          </p:cNvSpPr>
+          <p:nvPr>
+            <p:ph type="ftr" sz="quarter" idx="11"/>
+          </p:nvPr>
+        </p:nvSpPr>
+        <p:spPr/>
+        <p:txBody>
+          <a:bodyPr/>
+          <a:lstStyle/>
+          <a:p>
+            <a:pPr algn="r"/>
+            <a:r>
+              <a:rPr lang="he-IL"/>
+              <a:t>מערכות הפעלה - תרגול 2</a:t>
+            </a:r>
+            <a:endParaRPr lang="en-US"/>
+          </a:p>
+        </p:txBody>
+      </p:sp>
+      <p:sp>
+        <p:nvSpPr>
+          <p:cNvPr id="5" name="Slide Number Placeholder 4"/>
+          <p:cNvSpPr>
+            <a:spLocks noGrp="1"/>
+          </p:cNvSpPr>
+          <p:nvPr>
+            <p:ph type="sldNum" sz="quarter" idx="12"/>
+          </p:nvPr>
+        </p:nvSpPr>
+        <p:spPr/>
+        <p:txBody>
+          <a:bodyPr/>
+          <a:lstStyle/>
+          <a:p>
+            <a:fld id="{0CFEC368-1D7A-4F81-ABF6-AE0E36BAF64C}" type="slidenum">
+              <a:rPr lang="en-US" smtClean="0"/>
+              <a:pPr/>
+              <a:t>3</a:t>
+            </a:fld>
+            <a:endParaRPr lang="en-US"/>
+          </a:p>
+        </p:txBody>
+      </p:sp>
+    </p:spTree>
+    <p:extLst>
+      <p:ext uri="{BB962C8B-B14F-4D97-AF65-F5344CB8AC3E}">
+        <p14:creationId xmlns:p14="http://schemas.microsoft.com/office/powerpoint/2010/main" val="749316174"/>
+      </p:ext>
+    </p:extLst>
+  </p:cSld>
+  <p:clrMapOvr>
+    <a:masterClrMapping/>
+  </p:clrMapOvr>
+</p:sld>
+</file>
+
+<file path=ppt/slides/slide30.xml><?xml version="1.0" encoding="utf-8"?>
 <p:sld xmlns:a="http://schemas.openxmlformats.org/drawingml/2006/main" xmlns:r="http://schemas.openxmlformats.org/officeDocument/2006/relationships" xmlns:p="http://schemas.openxmlformats.org/presentationml/2006/main">
   <p:cSld>
     <p:spTree>
@@ -27049,13 +27221,13 @@
           <p:nvPr>
             <p:extLst>
               <p:ext uri="{D42A27DB-BD31-4B8C-83A1-F6EECF244321}">
-                <p14:modId xmlns:p14="http://schemas.microsoft.com/office/powerpoint/2010/main" val="321444601"/>
+                <p14:modId xmlns:p14="http://schemas.microsoft.com/office/powerpoint/2010/main" val="1848907695"/>
               </p:ext>
             </p:extLst>
           </p:nvPr>
         </p:nvGraphicFramePr>
         <p:xfrm>
-          <a:off x="232755" y="1141776"/>
+          <a:off x="232755" y="1020749"/>
           <a:ext cx="8695114" cy="2286000"/>
         </p:xfrm>
         <a:graphic>
@@ -27363,7 +27535,7 @@
         </p:spPr>
         <p:txBody>
           <a:bodyPr>
-            <a:normAutofit/>
+            <a:normAutofit lnSpcReduction="10000"/>
           </a:bodyPr>
           <a:lstStyle/>
           <a:p>
@@ -27633,7 +27805,7 @@
             <a:fld id="{0CFEC368-1D7A-4F81-ABF6-AE0E36BAF64C}" type="slidenum">
               <a:rPr lang="en-US" smtClean="0"/>
               <a:pPr/>
-              <a:t>29</a:t>
+              <a:t>30</a:t>
             </a:fld>
             <a:endParaRPr lang="en-US"/>
           </a:p>
@@ -27953,7 +28125,7 @@
 </p:sld>
 </file>
 
-<file path=ppt/slides/slide3.xml><?xml version="1.0" encoding="utf-8"?>
+<file path=ppt/slides/slide31.xml><?xml version="1.0" encoding="utf-8"?>
 <p:sld xmlns:a="http://schemas.openxmlformats.org/drawingml/2006/main" xmlns:r="http://schemas.openxmlformats.org/officeDocument/2006/relationships" xmlns:p="http://schemas.openxmlformats.org/presentationml/2006/main">
   <p:cSld>
     <p:spTree>
@@ -27972,133 +28144,6 @@
       </p:grpSpPr>
       <p:sp>
         <p:nvSpPr>
-          <p:cNvPr id="2" name="Title 1"/>
-          <p:cNvSpPr>
-            <a:spLocks noGrp="1"/>
-          </p:cNvSpPr>
-          <p:nvPr>
-            <p:ph type="title"/>
-          </p:nvPr>
-        </p:nvSpPr>
-        <p:spPr/>
-        <p:txBody>
-          <a:bodyPr/>
-          <a:lstStyle/>
-          <a:p>
-            <a:r>
-              <a:rPr lang="he-IL"/>
-              <a:t>קריאות מערכת</a:t>
-            </a:r>
-            <a:br>
-              <a:rPr lang="he-IL"/>
-            </a:br>
-            <a:r>
-              <a:rPr lang="he-IL"/>
-              <a:t>לעבודה עם תהליכים</a:t>
-            </a:r>
-            <a:endParaRPr lang="en-US"/>
-          </a:p>
-        </p:txBody>
-      </p:sp>
-      <p:sp>
-        <p:nvSpPr>
-          <p:cNvPr id="3" name="Text Placeholder 2"/>
-          <p:cNvSpPr>
-            <a:spLocks noGrp="1"/>
-          </p:cNvSpPr>
-          <p:nvPr>
-            <p:ph type="body" idx="1"/>
-          </p:nvPr>
-        </p:nvSpPr>
-        <p:spPr/>
-        <p:txBody>
-          <a:bodyPr/>
-          <a:lstStyle/>
-          <a:p>
-            <a:endParaRPr lang="en-US"/>
-          </a:p>
-        </p:txBody>
-      </p:sp>
-      <p:sp>
-        <p:nvSpPr>
-          <p:cNvPr id="4" name="Footer Placeholder 3"/>
-          <p:cNvSpPr>
-            <a:spLocks noGrp="1"/>
-          </p:cNvSpPr>
-          <p:nvPr>
-            <p:ph type="ftr" sz="quarter" idx="11"/>
-          </p:nvPr>
-        </p:nvSpPr>
-        <p:spPr/>
-        <p:txBody>
-          <a:bodyPr/>
-          <a:lstStyle/>
-          <a:p>
-            <a:pPr algn="r"/>
-            <a:r>
-              <a:rPr lang="he-IL"/>
-              <a:t>מערכות הפעלה - תרגול 2</a:t>
-            </a:r>
-            <a:endParaRPr lang="en-US"/>
-          </a:p>
-        </p:txBody>
-      </p:sp>
-      <p:sp>
-        <p:nvSpPr>
-          <p:cNvPr id="5" name="Slide Number Placeholder 4"/>
-          <p:cNvSpPr>
-            <a:spLocks noGrp="1"/>
-          </p:cNvSpPr>
-          <p:nvPr>
-            <p:ph type="sldNum" sz="quarter" idx="12"/>
-          </p:nvPr>
-        </p:nvSpPr>
-        <p:spPr/>
-        <p:txBody>
-          <a:bodyPr/>
-          <a:lstStyle/>
-          <a:p>
-            <a:fld id="{0CFEC368-1D7A-4F81-ABF6-AE0E36BAF64C}" type="slidenum">
-              <a:rPr lang="en-US" smtClean="0"/>
-              <a:pPr/>
-              <a:t>3</a:t>
-            </a:fld>
-            <a:endParaRPr lang="en-US"/>
-          </a:p>
-        </p:txBody>
-      </p:sp>
-    </p:spTree>
-    <p:extLst>
-      <p:ext uri="{BB962C8B-B14F-4D97-AF65-F5344CB8AC3E}">
-        <p14:creationId xmlns:p14="http://schemas.microsoft.com/office/powerpoint/2010/main" val="749316174"/>
-      </p:ext>
-    </p:extLst>
-  </p:cSld>
-  <p:clrMapOvr>
-    <a:masterClrMapping/>
-  </p:clrMapOvr>
-</p:sld>
-</file>
-
-<file path=ppt/slides/slide30.xml><?xml version="1.0" encoding="utf-8"?>
-<p:sld xmlns:a="http://schemas.openxmlformats.org/drawingml/2006/main" xmlns:r="http://schemas.openxmlformats.org/officeDocument/2006/relationships" xmlns:p="http://schemas.openxmlformats.org/presentationml/2006/main">
-  <p:cSld>
-    <p:spTree>
-      <p:nvGrpSpPr>
-        <p:cNvPr id="1" name=""/>
-        <p:cNvGrpSpPr/>
-        <p:nvPr/>
-      </p:nvGrpSpPr>
-      <p:grpSpPr>
-        <a:xfrm>
-          <a:off x="0" y="0"/>
-          <a:ext cx="0" cy="0"/>
-          <a:chOff x="0" y="0"/>
-          <a:chExt cx="0" cy="0"/>
-        </a:xfrm>
-      </p:grpSpPr>
-      <p:sp>
-        <p:nvSpPr>
           <p:cNvPr id="8" name="Content Placeholder 7">
             <a:extLst>
               <a:ext uri="{FF2B5EF4-FFF2-40B4-BE49-F238E27FC236}">
@@ -28121,7 +28166,7 @@
         </p:spPr>
         <p:txBody>
           <a:bodyPr>
-            <a:normAutofit/>
+            <a:normAutofit lnSpcReduction="10000"/>
           </a:bodyPr>
           <a:lstStyle/>
           <a:p>
@@ -28413,7 +28458,7 @@
             <a:fld id="{0CFEC368-1D7A-4F81-ABF6-AE0E36BAF64C}" type="slidenum">
               <a:rPr lang="en-US" smtClean="0"/>
               <a:pPr/>
-              <a:t>30</a:t>
+              <a:t>31</a:t>
             </a:fld>
             <a:endParaRPr lang="en-US"/>
           </a:p>
@@ -29044,126 +29089,6 @@
 </p:sld>
 </file>
 
-<file path=ppt/slides/slide31.xml><?xml version="1.0" encoding="utf-8"?>
-<p:sld xmlns:a="http://schemas.openxmlformats.org/drawingml/2006/main" xmlns:r="http://schemas.openxmlformats.org/officeDocument/2006/relationships" xmlns:p="http://schemas.openxmlformats.org/presentationml/2006/main">
-  <p:cSld>
-    <p:spTree>
-      <p:nvGrpSpPr>
-        <p:cNvPr id="1" name=""/>
-        <p:cNvGrpSpPr/>
-        <p:nvPr/>
-      </p:nvGrpSpPr>
-      <p:grpSpPr>
-        <a:xfrm>
-          <a:off x="0" y="0"/>
-          <a:ext cx="0" cy="0"/>
-          <a:chOff x="0" y="0"/>
-          <a:chExt cx="0" cy="0"/>
-        </a:xfrm>
-      </p:grpSpPr>
-      <p:sp>
-        <p:nvSpPr>
-          <p:cNvPr id="2" name="Title 1"/>
-          <p:cNvSpPr>
-            <a:spLocks noGrp="1"/>
-          </p:cNvSpPr>
-          <p:nvPr>
-            <p:ph type="title"/>
-          </p:nvPr>
-        </p:nvSpPr>
-        <p:spPr/>
-        <p:txBody>
-          <a:bodyPr/>
-          <a:lstStyle/>
-          <a:p>
-            <a:r>
-              <a:rPr lang="he-IL"/>
-              <a:t>ניהול תהליכים בגרעין לינוקס</a:t>
-            </a:r>
-            <a:endParaRPr lang="en-US"/>
-          </a:p>
-        </p:txBody>
-      </p:sp>
-      <p:sp>
-        <p:nvSpPr>
-          <p:cNvPr id="3" name="Text Placeholder 2"/>
-          <p:cNvSpPr>
-            <a:spLocks noGrp="1"/>
-          </p:cNvSpPr>
-          <p:nvPr>
-            <p:ph type="body" idx="1"/>
-          </p:nvPr>
-        </p:nvSpPr>
-        <p:spPr/>
-        <p:txBody>
-          <a:bodyPr/>
-          <a:lstStyle/>
-          <a:p>
-            <a:endParaRPr lang="en-US"/>
-          </a:p>
-        </p:txBody>
-      </p:sp>
-      <p:sp>
-        <p:nvSpPr>
-          <p:cNvPr id="4" name="Footer Placeholder 3"/>
-          <p:cNvSpPr>
-            <a:spLocks noGrp="1"/>
-          </p:cNvSpPr>
-          <p:nvPr>
-            <p:ph type="ftr" sz="quarter" idx="11"/>
-          </p:nvPr>
-        </p:nvSpPr>
-        <p:spPr/>
-        <p:txBody>
-          <a:bodyPr/>
-          <a:lstStyle/>
-          <a:p>
-            <a:pPr algn="r"/>
-            <a:r>
-              <a:rPr lang="he-IL"/>
-              <a:t>מערכות הפעלה - תרגול 2</a:t>
-            </a:r>
-            <a:endParaRPr lang="en-US"/>
-          </a:p>
-        </p:txBody>
-      </p:sp>
-      <p:sp>
-        <p:nvSpPr>
-          <p:cNvPr id="5" name="Slide Number Placeholder 4"/>
-          <p:cNvSpPr>
-            <a:spLocks noGrp="1"/>
-          </p:cNvSpPr>
-          <p:nvPr>
-            <p:ph type="sldNum" sz="quarter" idx="12"/>
-          </p:nvPr>
-        </p:nvSpPr>
-        <p:spPr/>
-        <p:txBody>
-          <a:bodyPr/>
-          <a:lstStyle/>
-          <a:p>
-            <a:fld id="{0CFEC368-1D7A-4F81-ABF6-AE0E36BAF64C}" type="slidenum">
-              <a:rPr lang="en-US" smtClean="0"/>
-              <a:pPr/>
-              <a:t>31</a:t>
-            </a:fld>
-            <a:endParaRPr lang="en-US"/>
-          </a:p>
-        </p:txBody>
-      </p:sp>
-    </p:spTree>
-    <p:extLst>
-      <p:ext uri="{BB962C8B-B14F-4D97-AF65-F5344CB8AC3E}">
-        <p14:creationId xmlns:p14="http://schemas.microsoft.com/office/powerpoint/2010/main" val="342967374"/>
-      </p:ext>
-    </p:extLst>
-  </p:cSld>
-  <p:clrMapOvr>
-    <a:masterClrMapping/>
-  </p:clrMapOvr>
-</p:sld>
-</file>
-
 <file path=ppt/slides/slide32.xml><?xml version="1.0" encoding="utf-8"?>
 <p:sld xmlns:a="http://schemas.openxmlformats.org/drawingml/2006/main" xmlns:r="http://schemas.openxmlformats.org/officeDocument/2006/relationships" xmlns:p="http://schemas.openxmlformats.org/presentationml/2006/main">
   <p:cSld>
@@ -29198,7 +29123,7 @@
           <a:p>
             <a:r>
               <a:rPr lang="he-IL"/>
-              <a:t>מבני הנתונים לניהול תהליכים</a:t>
+              <a:t>ניהול תהליכים בגרעין לינוקס</a:t>
             </a:r>
             <a:endParaRPr lang="en-US"/>
           </a:p>
@@ -29206,12 +29131,12 @@
       </p:sp>
       <p:sp>
         <p:nvSpPr>
-          <p:cNvPr id="3" name="Content Placeholder 2"/>
+          <p:cNvPr id="3" name="Text Placeholder 2"/>
           <p:cNvSpPr>
             <a:spLocks noGrp="1"/>
           </p:cNvSpPr>
           <p:nvPr>
-            <p:ph idx="1"/>
+            <p:ph type="body" idx="1"/>
           </p:nvPr>
         </p:nvSpPr>
         <p:spPr/>
@@ -29219,234 +29144,7 @@
           <a:bodyPr/>
           <a:lstStyle/>
           <a:p>
-            <a:r>
-              <a:rPr lang="he-IL" dirty="0"/>
-              <a:t>גרעין לינוקס מממש את קריאות המערכת שראינו (</a:t>
-            </a:r>
-            <a:r>
-              <a:rPr lang="en-US" dirty="0"/>
-              <a:t>fork, wait, …</a:t>
-            </a:r>
-            <a:r>
-              <a:rPr lang="he-IL" dirty="0"/>
-              <a:t>) באמצעות מבני הנתונים הבאים:</a:t>
-            </a:r>
-          </a:p>
-          <a:p>
-            <a:pPr marL="457200" indent="-457200">
-              <a:buFont typeface="+mj-lt"/>
-              <a:buAutoNum type="arabicPeriod"/>
-            </a:pPr>
-            <a:r>
-              <a:rPr lang="he-IL" altLang="en-US" b="1" dirty="0">
-                <a:solidFill>
-                  <a:srgbClr val="0000FF"/>
-                </a:solidFill>
-              </a:rPr>
-              <a:t>מתאר התהליך </a:t>
-            </a:r>
-            <a:r>
-              <a:rPr lang="he-IL" altLang="en-US" dirty="0"/>
-              <a:t>(</a:t>
-            </a:r>
-            <a:r>
-              <a:rPr lang="en-US" altLang="en-US" dirty="0"/>
-              <a:t>Process Descriptor</a:t>
-            </a:r>
-            <a:r>
-              <a:rPr lang="he-IL" altLang="en-US" dirty="0"/>
-              <a:t>).</a:t>
-            </a:r>
-          </a:p>
-          <a:p>
-            <a:pPr lvl="1"/>
-            <a:r>
-              <a:rPr lang="he-IL" altLang="en-US" dirty="0"/>
-              <a:t>במערכות הפעלה אחרות נקרא </a:t>
-            </a:r>
-            <a:r>
-              <a:rPr lang="en-US" altLang="en-US" b="1" dirty="0">
-                <a:solidFill>
-                  <a:srgbClr val="0000FF"/>
-                </a:solidFill>
-              </a:rPr>
-              <a:t>PCB</a:t>
-            </a:r>
-            <a:r>
-              <a:rPr lang="en-US" altLang="en-US" dirty="0"/>
-              <a:t> = Process Control Block</a:t>
-            </a:r>
-            <a:r>
-              <a:rPr lang="he-IL" altLang="en-US" dirty="0"/>
-              <a:t>.</a:t>
-            </a:r>
-          </a:p>
-          <a:p>
-            <a:pPr lvl="1"/>
-            <a:r>
-              <a:rPr lang="he-IL" altLang="en-US" dirty="0">
-                <a:sym typeface="Wingdings" pitchFamily="2" charset="2"/>
-              </a:rPr>
-              <a:t>שומר בתוכו גם </a:t>
-            </a:r>
-            <a:r>
-              <a:rPr lang="he-IL" altLang="en-US" b="1" u="sng" dirty="0">
-                <a:sym typeface="Wingdings" pitchFamily="2" charset="2"/>
-              </a:rPr>
-              <a:t>קשרי משפחה</a:t>
-            </a:r>
-            <a:r>
-              <a:rPr lang="he-IL" altLang="en-US" dirty="0">
-                <a:sym typeface="Wingdings" pitchFamily="2" charset="2"/>
-              </a:rPr>
-              <a:t>.</a:t>
-            </a:r>
-            <a:endParaRPr lang="he-IL" altLang="en-US" dirty="0"/>
-          </a:p>
-          <a:p>
-            <a:pPr marL="457200" indent="-457200">
-              <a:buFont typeface="+mj-lt"/>
-              <a:buAutoNum type="arabicPeriod"/>
-            </a:pPr>
-            <a:r>
-              <a:rPr lang="he-IL" altLang="en-US" b="1" dirty="0">
-                <a:solidFill>
-                  <a:srgbClr val="0000FF"/>
-                </a:solidFill>
-              </a:rPr>
-              <a:t>רשימת התהליכים </a:t>
-            </a:r>
-            <a:r>
-              <a:rPr lang="he-IL" altLang="en-US" dirty="0"/>
-              <a:t>(</a:t>
-            </a:r>
-            <a:r>
-              <a:rPr lang="en-US" altLang="en-US" dirty="0"/>
-              <a:t>Process list</a:t>
-            </a:r>
-            <a:r>
-              <a:rPr lang="he-IL" altLang="en-US" dirty="0"/>
-              <a:t>).</a:t>
-            </a:r>
-          </a:p>
-          <a:p>
-            <a:pPr marL="457200" indent="-457200">
-              <a:buFont typeface="+mj-lt"/>
-              <a:buAutoNum type="arabicPeriod"/>
-            </a:pPr>
-            <a:r>
-              <a:rPr lang="he-IL" altLang="en-US" b="1" dirty="0">
-                <a:solidFill>
-                  <a:srgbClr val="0000FF"/>
-                </a:solidFill>
-              </a:rPr>
-              <a:t>טבלת ערבול </a:t>
-            </a:r>
-            <a:r>
-              <a:rPr lang="en-US" altLang="en-US" b="1" dirty="0">
-                <a:solidFill>
-                  <a:srgbClr val="0000FF"/>
-                </a:solidFill>
-              </a:rPr>
-              <a:t>PID </a:t>
-            </a:r>
-            <a:r>
-              <a:rPr lang="en-US" altLang="en-US" b="1" dirty="0">
-                <a:solidFill>
-                  <a:srgbClr val="0000FF"/>
-                </a:solidFill>
-                <a:sym typeface="Wingdings" panose="05000000000000000000" pitchFamily="2" charset="2"/>
-              </a:rPr>
-              <a:t> PCB</a:t>
-            </a:r>
-            <a:r>
-              <a:rPr lang="he-IL" altLang="en-US" b="1" dirty="0">
-                <a:solidFill>
-                  <a:srgbClr val="0000FF"/>
-                </a:solidFill>
-              </a:rPr>
-              <a:t> </a:t>
-            </a:r>
-            <a:r>
-              <a:rPr lang="he-IL" altLang="en-US" dirty="0"/>
-              <a:t>.</a:t>
-            </a:r>
-            <a:endParaRPr lang="he-IL" altLang="en-US" b="1" dirty="0">
-              <a:solidFill>
-                <a:srgbClr val="0000FF"/>
-              </a:solidFill>
-              <a:sym typeface="Wingdings" panose="05000000000000000000" pitchFamily="2" charset="2"/>
-            </a:endParaRPr>
-          </a:p>
-          <a:p>
-            <a:pPr marL="457200" indent="-457200">
-              <a:buFont typeface="+mj-lt"/>
-              <a:buAutoNum type="arabicPeriod"/>
-            </a:pPr>
-            <a:r>
-              <a:rPr lang="he-IL" altLang="en-US" dirty="0"/>
-              <a:t>תורי ריצה ("הטווח הקצר") – </a:t>
-            </a:r>
-            <a:r>
-              <a:rPr lang="en-US" altLang="en-US" b="1" dirty="0">
-                <a:solidFill>
-                  <a:srgbClr val="0000FF"/>
-                </a:solidFill>
-              </a:rPr>
-              <a:t>Run Queue</a:t>
-            </a:r>
-            <a:r>
-              <a:rPr lang="he-IL" altLang="en-US" b="1" dirty="0">
-                <a:solidFill>
-                  <a:srgbClr val="0000FF"/>
-                </a:solidFill>
-              </a:rPr>
-              <a:t> </a:t>
-            </a:r>
-            <a:r>
-              <a:rPr lang="he-IL" altLang="en-US" dirty="0"/>
-              <a:t>.</a:t>
-            </a:r>
-            <a:endParaRPr lang="he-IL" altLang="en-US" b="1" dirty="0">
-              <a:solidFill>
-                <a:srgbClr val="0000FF"/>
-              </a:solidFill>
-            </a:endParaRPr>
-          </a:p>
-          <a:p>
-            <a:pPr marL="457200" indent="-457200">
-              <a:buFont typeface="+mj-lt"/>
-              <a:buAutoNum type="arabicPeriod"/>
-            </a:pPr>
-            <a:r>
-              <a:rPr lang="he-IL" altLang="en-US" dirty="0"/>
-              <a:t>תורי המתנה ("הטווח הבינוני / ארוך")</a:t>
-            </a:r>
-            <a:r>
-              <a:rPr lang="en-US" altLang="en-US" dirty="0"/>
-              <a:t> </a:t>
-            </a:r>
-            <a:r>
-              <a:rPr lang="he-IL" altLang="en-US" dirty="0"/>
-              <a:t> - </a:t>
-            </a:r>
-            <a:r>
-              <a:rPr lang="en-US" altLang="en-US" b="1" dirty="0">
-                <a:solidFill>
-                  <a:srgbClr val="0000FF"/>
-                </a:solidFill>
-              </a:rPr>
-              <a:t>Waiting Queue</a:t>
-            </a:r>
-            <a:r>
-              <a:rPr lang="he-IL" altLang="en-US" dirty="0"/>
-              <a:t> .</a:t>
-            </a:r>
-            <a:endParaRPr lang="en-US" altLang="en-US" b="1" dirty="0">
-              <a:solidFill>
-                <a:srgbClr val="0000FF"/>
-              </a:solidFill>
-            </a:endParaRPr>
+            <a:endParaRPr lang="en-US"/>
           </a:p>
         </p:txBody>
       </p:sp>
@@ -29465,6 +29163,7 @@
           <a:bodyPr/>
           <a:lstStyle/>
           <a:p>
+            <a:pPr algn="r"/>
             <a:r>
               <a:rPr lang="he-IL"/>
               <a:t>מערכות הפעלה - תרגול 2</a:t>
@@ -29500,7 +29199,7 @@
     </p:spTree>
     <p:extLst>
       <p:ext uri="{BB962C8B-B14F-4D97-AF65-F5344CB8AC3E}">
-        <p14:creationId xmlns:p14="http://schemas.microsoft.com/office/powerpoint/2010/main" val="3045724525"/>
+        <p14:creationId xmlns:p14="http://schemas.microsoft.com/office/powerpoint/2010/main" val="342967374"/>
       </p:ext>
     </p:extLst>
   </p:cSld>
@@ -29529,9 +29228,9 @@
       </p:grpSpPr>
       <p:sp>
         <p:nvSpPr>
-          <p:cNvPr id="39939" name="Rectangle 2"/>
-          <p:cNvSpPr>
-            <a:spLocks noGrp="1" noChangeArrowheads="1"/>
+          <p:cNvPr id="2" name="Title 1"/>
+          <p:cNvSpPr>
+            <a:spLocks noGrp="1"/>
           </p:cNvSpPr>
           <p:nvPr>
             <p:ph type="title"/>
@@ -29543,18 +29242,18 @@
           <a:lstStyle/>
           <a:p>
             <a:r>
-              <a:rPr lang="he-IL" altLang="en-US" dirty="0"/>
-              <a:t>מתאר התהליך</a:t>
-            </a:r>
-            <a:endParaRPr lang="en-US" altLang="en-US" dirty="0"/>
-          </a:p>
-        </p:txBody>
-      </p:sp>
-      <p:sp>
-        <p:nvSpPr>
-          <p:cNvPr id="39940" name="Rectangle 3"/>
-          <p:cNvSpPr>
-            <a:spLocks noGrp="1" noChangeArrowheads="1"/>
+              <a:rPr lang="he-IL"/>
+              <a:t>מבני הנתונים לניהול תהליכים</a:t>
+            </a:r>
+            <a:endParaRPr lang="en-US"/>
+          </a:p>
+        </p:txBody>
+      </p:sp>
+      <p:sp>
+        <p:nvSpPr>
+          <p:cNvPr id="3" name="Content Placeholder 2"/>
+          <p:cNvSpPr>
+            <a:spLocks noGrp="1"/>
           </p:cNvSpPr>
           <p:nvPr>
             <p:ph idx="1"/>
@@ -29566,103 +29265,239 @@
           <a:lstStyle/>
           <a:p>
             <a:r>
-              <a:rPr lang="he-IL" altLang="en-US"/>
-              <a:t>לכל תהליך בלינוקס קיים בגרעין מתאר תהליך (</a:t>
-            </a:r>
-            <a:r>
-              <a:rPr lang="en-US" altLang="en-US"/>
-              <a:t>process descriptor</a:t>
-            </a:r>
-            <a:r>
-              <a:rPr lang="he-IL" altLang="en-US"/>
-              <a:t>), שהוא אובייקט מטיפוס </a:t>
-            </a:r>
-            <a:r>
-              <a:rPr lang="en-US" altLang="en-US" err="1"/>
-              <a:t>task_struct</a:t>
-            </a:r>
-            <a:r>
-              <a:rPr lang="he-IL" altLang="en-US"/>
-              <a:t> המכיל את:</a:t>
+              <a:rPr lang="he-IL" dirty="0"/>
+              <a:t>גרעין לינוקס מממש את קריאות המערכת שראינו (</a:t>
+            </a:r>
+            <a:r>
+              <a:rPr lang="en-US" dirty="0"/>
+              <a:t>fork, wait, …</a:t>
+            </a:r>
+            <a:r>
+              <a:rPr lang="he-IL" dirty="0"/>
+              <a:t>) באמצעות מבני הנתונים הבאים:</a:t>
+            </a:r>
+          </a:p>
+          <a:p>
+            <a:pPr marL="457200" indent="-457200">
+              <a:buFont typeface="+mj-lt"/>
+              <a:buAutoNum type="arabicPeriod"/>
+            </a:pPr>
+            <a:r>
+              <a:rPr lang="he-IL" altLang="en-US" b="1" dirty="0">
+                <a:solidFill>
+                  <a:srgbClr val="0000FF"/>
+                </a:solidFill>
+              </a:rPr>
+              <a:t>מתאר התהליך </a:t>
+            </a:r>
+            <a:r>
+              <a:rPr lang="he-IL" altLang="en-US" dirty="0"/>
+              <a:t>(</a:t>
+            </a:r>
+            <a:r>
+              <a:rPr lang="en-US" altLang="en-US" dirty="0"/>
+              <a:t>Process Descriptor</a:t>
+            </a:r>
+            <a:r>
+              <a:rPr lang="he-IL" altLang="en-US" dirty="0"/>
+              <a:t>).</a:t>
             </a:r>
           </a:p>
           <a:p>
             <a:pPr lvl="1"/>
             <a:r>
-              <a:rPr lang="he-IL" altLang="en-US"/>
-              <a:t>מזהה התהליך (</a:t>
-            </a:r>
-            <a:r>
-              <a:rPr lang="en-US" altLang="en-US"/>
-              <a:t>PID</a:t>
-            </a:r>
-            <a:r>
-              <a:rPr lang="he-IL" altLang="en-US"/>
+              <a:rPr lang="he-IL" altLang="en-US" dirty="0"/>
+              <a:t>במערכות הפעלה אחרות נקרא </a:t>
+            </a:r>
+            <a:r>
+              <a:rPr lang="en-US" altLang="en-US" b="1" dirty="0">
+                <a:solidFill>
+                  <a:srgbClr val="0000FF"/>
+                </a:solidFill>
+              </a:rPr>
+              <a:t>PCB</a:t>
+            </a:r>
+            <a:r>
+              <a:rPr lang="en-US" altLang="en-US" dirty="0"/>
+              <a:t> = Process Control Block</a:t>
+            </a:r>
+            <a:r>
+              <a:rPr lang="he-IL" altLang="en-US" dirty="0"/>
+              <a:t>.</a:t>
+            </a:r>
+          </a:p>
+          <a:p>
+            <a:pPr lvl="1"/>
+            <a:r>
+              <a:rPr lang="he-IL" altLang="en-US" dirty="0">
+                <a:sym typeface="Wingdings" pitchFamily="2" charset="2"/>
+              </a:rPr>
+              <a:t>שומר בתוכו גם </a:t>
+            </a:r>
+            <a:r>
+              <a:rPr lang="he-IL" altLang="en-US" b="1" u="sng" dirty="0">
+                <a:sym typeface="Wingdings" pitchFamily="2" charset="2"/>
+              </a:rPr>
+              <a:t>קשרי משפחה</a:t>
+            </a:r>
+            <a:r>
+              <a:rPr lang="he-IL" altLang="en-US" dirty="0">
+                <a:sym typeface="Wingdings" pitchFamily="2" charset="2"/>
+              </a:rPr>
+              <a:t>.</a:t>
+            </a:r>
+            <a:endParaRPr lang="he-IL" altLang="en-US" dirty="0"/>
+          </a:p>
+          <a:p>
+            <a:pPr marL="457200" indent="-457200">
+              <a:buFont typeface="+mj-lt"/>
+              <a:buAutoNum type="arabicPeriod"/>
+            </a:pPr>
+            <a:r>
+              <a:rPr lang="he-IL" altLang="en-US" b="1" dirty="0">
+                <a:solidFill>
+                  <a:srgbClr val="0000FF"/>
+                </a:solidFill>
+              </a:rPr>
+              <a:t>רשימת התהליכים </a:t>
+            </a:r>
+            <a:r>
+              <a:rPr lang="he-IL" altLang="en-US" dirty="0"/>
+              <a:t>(</a:t>
+            </a:r>
+            <a:r>
+              <a:rPr lang="en-US" altLang="en-US" dirty="0"/>
+              <a:t>Process list</a:t>
+            </a:r>
+            <a:r>
+              <a:rPr lang="he-IL" altLang="en-US" dirty="0"/>
               <a:t>).</a:t>
             </a:r>
           </a:p>
           <a:p>
-            <a:pPr lvl="1"/>
-            <a:r>
-              <a:rPr lang="he-IL" altLang="en-US"/>
-              <a:t>מצב הריצה של התהליך.</a:t>
-            </a:r>
-          </a:p>
-          <a:p>
-            <a:pPr lvl="1"/>
-            <a:r>
-              <a:rPr lang="he-IL" altLang="en-US"/>
-              <a:t>עדיפות התהליך.</a:t>
-            </a:r>
-          </a:p>
-          <a:p>
-            <a:pPr lvl="1"/>
-            <a:r>
-              <a:rPr lang="he-IL" altLang="en-US"/>
-              <a:t>מצביעים למתאר תהליך האב ו"קרובי משפחה" נוספים.</a:t>
-            </a:r>
-          </a:p>
-          <a:p>
-            <a:pPr lvl="1"/>
-            <a:r>
-              <a:rPr lang="he-IL" altLang="en-US"/>
-              <a:t>מצביע לטבלת אזורי הזיכרון של התהליך.</a:t>
-            </a:r>
-          </a:p>
-          <a:p>
-            <a:pPr lvl="1"/>
-            <a:r>
-              <a:rPr lang="he-IL" altLang="en-US"/>
-              <a:t>מצביע לטבלת הקבצים הפתוחים של התהליך.</a:t>
-            </a:r>
-          </a:p>
-          <a:p>
-            <a:pPr lvl="1"/>
-            <a:r>
-              <a:rPr lang="he-IL" altLang="en-US"/>
-              <a:t>מצביעים למתארי תהליכים נוספים (רשימה מקושרת).</a:t>
-            </a:r>
-          </a:p>
-          <a:p>
-            <a:pPr lvl="1"/>
-            <a:r>
-              <a:rPr lang="he-IL" altLang="en-US"/>
-              <a:t>מסוף איתו התהליך מתקשר.</a:t>
-            </a:r>
-          </a:p>
-          <a:p>
-            <a:pPr lvl="1"/>
-            <a:r>
-              <a:rPr lang="he-IL" altLang="en-US"/>
-              <a:t>ועוד...</a:t>
-            </a:r>
-            <a:endParaRPr lang="en-US" altLang="en-US"/>
-          </a:p>
-        </p:txBody>
-      </p:sp>
-      <p:sp>
-        <p:nvSpPr>
-          <p:cNvPr id="2" name="Footer Placeholder 1"/>
+            <a:pPr marL="457200" indent="-457200">
+              <a:buFont typeface="+mj-lt"/>
+              <a:buAutoNum type="arabicPeriod"/>
+            </a:pPr>
+            <a:r>
+              <a:rPr lang="he-IL" altLang="en-US" b="1" dirty="0">
+                <a:solidFill>
+                  <a:srgbClr val="0000FF"/>
+                </a:solidFill>
+              </a:rPr>
+              <a:t>טבלת ערבול </a:t>
+            </a:r>
+            <a:r>
+              <a:rPr lang="en-US" altLang="en-US" b="1" dirty="0">
+                <a:solidFill>
+                  <a:srgbClr val="0000FF"/>
+                </a:solidFill>
+              </a:rPr>
+              <a:t>PID </a:t>
+            </a:r>
+            <a:r>
+              <a:rPr lang="en-US" altLang="en-US" b="1" dirty="0">
+                <a:solidFill>
+                  <a:srgbClr val="0000FF"/>
+                </a:solidFill>
+                <a:sym typeface="Wingdings" panose="05000000000000000000" pitchFamily="2" charset="2"/>
+              </a:rPr>
+              <a:t> PCB</a:t>
+            </a:r>
+            <a:r>
+              <a:rPr lang="he-IL" altLang="en-US" b="1" dirty="0">
+                <a:solidFill>
+                  <a:srgbClr val="0000FF"/>
+                </a:solidFill>
+              </a:rPr>
+              <a:t> </a:t>
+            </a:r>
+            <a:r>
+              <a:rPr lang="he-IL" altLang="en-US" dirty="0"/>
+              <a:t>.</a:t>
+            </a:r>
+            <a:endParaRPr lang="he-IL" altLang="en-US" b="1" dirty="0">
+              <a:solidFill>
+                <a:srgbClr val="0000FF"/>
+              </a:solidFill>
+              <a:sym typeface="Wingdings" panose="05000000000000000000" pitchFamily="2" charset="2"/>
+            </a:endParaRPr>
+          </a:p>
+          <a:p>
+            <a:pPr marL="457200" indent="-457200">
+              <a:buFont typeface="+mj-lt"/>
+              <a:buAutoNum type="arabicPeriod"/>
+            </a:pPr>
+            <a:r>
+              <a:rPr lang="he-IL" altLang="en-US" dirty="0"/>
+              <a:t>תורי ריצה ("הטווח הקצר") – </a:t>
+            </a:r>
+            <a:r>
+              <a:rPr lang="en-US" altLang="en-US" b="1" dirty="0">
+                <a:solidFill>
+                  <a:srgbClr val="0000FF"/>
+                </a:solidFill>
+              </a:rPr>
+              <a:t>Run Queue</a:t>
+            </a:r>
+            <a:r>
+              <a:rPr lang="he-IL" altLang="en-US" b="1" dirty="0">
+                <a:solidFill>
+                  <a:srgbClr val="0000FF"/>
+                </a:solidFill>
+              </a:rPr>
+              <a:t> </a:t>
+            </a:r>
+            <a:r>
+              <a:rPr lang="he-IL" altLang="en-US" dirty="0"/>
+              <a:t>.</a:t>
+            </a:r>
+            <a:endParaRPr lang="he-IL" altLang="en-US" b="1" dirty="0">
+              <a:solidFill>
+                <a:srgbClr val="0000FF"/>
+              </a:solidFill>
+            </a:endParaRPr>
+          </a:p>
+          <a:p>
+            <a:pPr marL="457200" indent="-457200">
+              <a:buFont typeface="+mj-lt"/>
+              <a:buAutoNum type="arabicPeriod"/>
+            </a:pPr>
+            <a:r>
+              <a:rPr lang="he-IL" altLang="en-US" dirty="0"/>
+              <a:t>תורי המתנה ("הטווח הבינוני / ארוך")</a:t>
+            </a:r>
+            <a:r>
+              <a:rPr lang="en-US" altLang="en-US" dirty="0"/>
+              <a:t> </a:t>
+            </a:r>
+            <a:r>
+              <a:rPr lang="he-IL" altLang="en-US" dirty="0"/>
+              <a:t> - </a:t>
+            </a:r>
+            <a:r>
+              <a:rPr lang="en-US" altLang="en-US" b="1" dirty="0">
+                <a:solidFill>
+                  <a:srgbClr val="0000FF"/>
+                </a:solidFill>
+              </a:rPr>
+              <a:t>Waiting Queue</a:t>
+            </a:r>
+            <a:r>
+              <a:rPr lang="he-IL" altLang="en-US" dirty="0"/>
+              <a:t> .</a:t>
+            </a:r>
+            <a:endParaRPr lang="en-US" altLang="en-US" b="1" dirty="0">
+              <a:solidFill>
+                <a:srgbClr val="0000FF"/>
+              </a:solidFill>
+            </a:endParaRPr>
+          </a:p>
+        </p:txBody>
+      </p:sp>
+      <p:sp>
+        <p:nvSpPr>
+          <p:cNvPr id="4" name="Footer Placeholder 3"/>
           <p:cNvSpPr>
             <a:spLocks noGrp="1"/>
           </p:cNvSpPr>
@@ -29685,7 +29520,7 @@
       </p:sp>
       <p:sp>
         <p:nvSpPr>
-          <p:cNvPr id="3" name="Slide Number Placeholder 2"/>
+          <p:cNvPr id="5" name="Slide Number Placeholder 4"/>
           <p:cNvSpPr>
             <a:spLocks noGrp="1"/>
           </p:cNvSpPr>
@@ -29710,7 +29545,7 @@
     </p:spTree>
     <p:extLst>
       <p:ext uri="{BB962C8B-B14F-4D97-AF65-F5344CB8AC3E}">
-        <p14:creationId xmlns:p14="http://schemas.microsoft.com/office/powerpoint/2010/main" val="1330556662"/>
+        <p14:creationId xmlns:p14="http://schemas.microsoft.com/office/powerpoint/2010/main" val="3045724525"/>
       </p:ext>
     </p:extLst>
   </p:cSld>
@@ -29739,6 +29574,216 @@
       </p:grpSpPr>
       <p:sp>
         <p:nvSpPr>
+          <p:cNvPr id="39939" name="Rectangle 2"/>
+          <p:cNvSpPr>
+            <a:spLocks noGrp="1" noChangeArrowheads="1"/>
+          </p:cNvSpPr>
+          <p:nvPr>
+            <p:ph type="title"/>
+          </p:nvPr>
+        </p:nvSpPr>
+        <p:spPr/>
+        <p:txBody>
+          <a:bodyPr/>
+          <a:lstStyle/>
+          <a:p>
+            <a:r>
+              <a:rPr lang="he-IL" altLang="en-US" dirty="0"/>
+              <a:t>מתאר התהליך</a:t>
+            </a:r>
+            <a:endParaRPr lang="en-US" altLang="en-US" dirty="0"/>
+          </a:p>
+        </p:txBody>
+      </p:sp>
+      <p:sp>
+        <p:nvSpPr>
+          <p:cNvPr id="39940" name="Rectangle 3"/>
+          <p:cNvSpPr>
+            <a:spLocks noGrp="1" noChangeArrowheads="1"/>
+          </p:cNvSpPr>
+          <p:nvPr>
+            <p:ph idx="1"/>
+          </p:nvPr>
+        </p:nvSpPr>
+        <p:spPr/>
+        <p:txBody>
+          <a:bodyPr/>
+          <a:lstStyle/>
+          <a:p>
+            <a:r>
+              <a:rPr lang="he-IL" altLang="en-US"/>
+              <a:t>לכל תהליך בלינוקס קיים בגרעין מתאר תהליך (</a:t>
+            </a:r>
+            <a:r>
+              <a:rPr lang="en-US" altLang="en-US"/>
+              <a:t>process descriptor</a:t>
+            </a:r>
+            <a:r>
+              <a:rPr lang="he-IL" altLang="en-US"/>
+              <a:t>), שהוא אובייקט מטיפוס </a:t>
+            </a:r>
+            <a:r>
+              <a:rPr lang="en-US" altLang="en-US" err="1"/>
+              <a:t>task_struct</a:t>
+            </a:r>
+            <a:r>
+              <a:rPr lang="he-IL" altLang="en-US"/>
+              <a:t> המכיל את:</a:t>
+            </a:r>
+          </a:p>
+          <a:p>
+            <a:pPr lvl="1"/>
+            <a:r>
+              <a:rPr lang="he-IL" altLang="en-US"/>
+              <a:t>מזהה התהליך (</a:t>
+            </a:r>
+            <a:r>
+              <a:rPr lang="en-US" altLang="en-US"/>
+              <a:t>PID</a:t>
+            </a:r>
+            <a:r>
+              <a:rPr lang="he-IL" altLang="en-US"/>
+              <a:t>).</a:t>
+            </a:r>
+          </a:p>
+          <a:p>
+            <a:pPr lvl="1"/>
+            <a:r>
+              <a:rPr lang="he-IL" altLang="en-US"/>
+              <a:t>מצב הריצה של התהליך.</a:t>
+            </a:r>
+          </a:p>
+          <a:p>
+            <a:pPr lvl="1"/>
+            <a:r>
+              <a:rPr lang="he-IL" altLang="en-US"/>
+              <a:t>עדיפות התהליך.</a:t>
+            </a:r>
+          </a:p>
+          <a:p>
+            <a:pPr lvl="1"/>
+            <a:r>
+              <a:rPr lang="he-IL" altLang="en-US"/>
+              <a:t>מצביעים למתאר תהליך האב ו"קרובי משפחה" נוספים.</a:t>
+            </a:r>
+          </a:p>
+          <a:p>
+            <a:pPr lvl="1"/>
+            <a:r>
+              <a:rPr lang="he-IL" altLang="en-US"/>
+              <a:t>מצביע לטבלת אזורי הזיכרון של התהליך.</a:t>
+            </a:r>
+          </a:p>
+          <a:p>
+            <a:pPr lvl="1"/>
+            <a:r>
+              <a:rPr lang="he-IL" altLang="en-US"/>
+              <a:t>מצביע לטבלת הקבצים הפתוחים של התהליך.</a:t>
+            </a:r>
+          </a:p>
+          <a:p>
+            <a:pPr lvl="1"/>
+            <a:r>
+              <a:rPr lang="he-IL" altLang="en-US"/>
+              <a:t>מצביעים למתארי תהליכים נוספים (רשימה מקושרת).</a:t>
+            </a:r>
+          </a:p>
+          <a:p>
+            <a:pPr lvl="1"/>
+            <a:r>
+              <a:rPr lang="he-IL" altLang="en-US"/>
+              <a:t>מסוף איתו התהליך מתקשר.</a:t>
+            </a:r>
+          </a:p>
+          <a:p>
+            <a:pPr lvl="1"/>
+            <a:r>
+              <a:rPr lang="he-IL" altLang="en-US"/>
+              <a:t>ועוד...</a:t>
+            </a:r>
+            <a:endParaRPr lang="en-US" altLang="en-US"/>
+          </a:p>
+        </p:txBody>
+      </p:sp>
+      <p:sp>
+        <p:nvSpPr>
+          <p:cNvPr id="2" name="Footer Placeholder 1"/>
+          <p:cNvSpPr>
+            <a:spLocks noGrp="1"/>
+          </p:cNvSpPr>
+          <p:nvPr>
+            <p:ph type="ftr" sz="quarter" idx="11"/>
+          </p:nvPr>
+        </p:nvSpPr>
+        <p:spPr/>
+        <p:txBody>
+          <a:bodyPr/>
+          <a:lstStyle/>
+          <a:p>
+            <a:r>
+              <a:rPr lang="he-IL"/>
+              <a:t>מערכות הפעלה - תרגול 2</a:t>
+            </a:r>
+            <a:endParaRPr lang="en-US"/>
+          </a:p>
+        </p:txBody>
+      </p:sp>
+      <p:sp>
+        <p:nvSpPr>
+          <p:cNvPr id="3" name="Slide Number Placeholder 2"/>
+          <p:cNvSpPr>
+            <a:spLocks noGrp="1"/>
+          </p:cNvSpPr>
+          <p:nvPr>
+            <p:ph type="sldNum" sz="quarter" idx="12"/>
+          </p:nvPr>
+        </p:nvSpPr>
+        <p:spPr/>
+        <p:txBody>
+          <a:bodyPr/>
+          <a:lstStyle/>
+          <a:p>
+            <a:fld id="{0CFEC368-1D7A-4F81-ABF6-AE0E36BAF64C}" type="slidenum">
+              <a:rPr lang="en-US" smtClean="0"/>
+              <a:pPr/>
+              <a:t>34</a:t>
+            </a:fld>
+            <a:endParaRPr lang="en-US"/>
+          </a:p>
+        </p:txBody>
+      </p:sp>
+    </p:spTree>
+    <p:extLst>
+      <p:ext uri="{BB962C8B-B14F-4D97-AF65-F5344CB8AC3E}">
+        <p14:creationId xmlns:p14="http://schemas.microsoft.com/office/powerpoint/2010/main" val="1330556662"/>
+      </p:ext>
+    </p:extLst>
+  </p:cSld>
+  <p:clrMapOvr>
+    <a:masterClrMapping/>
+  </p:clrMapOvr>
+</p:sld>
+</file>
+
+<file path=ppt/slides/slide35.xml><?xml version="1.0" encoding="utf-8"?>
+<p:sld xmlns:a="http://schemas.openxmlformats.org/drawingml/2006/main" xmlns:r="http://schemas.openxmlformats.org/officeDocument/2006/relationships" xmlns:p="http://schemas.openxmlformats.org/presentationml/2006/main">
+  <p:cSld>
+    <p:spTree>
+      <p:nvGrpSpPr>
+        <p:cNvPr id="1" name=""/>
+        <p:cNvGrpSpPr/>
+        <p:nvPr/>
+      </p:nvGrpSpPr>
+      <p:grpSpPr>
+        <a:xfrm>
+          <a:off x="0" y="0"/>
+          <a:ext cx="0" cy="0"/>
+          <a:chOff x="0" y="0"/>
+          <a:chExt cx="0" cy="0"/>
+        </a:xfrm>
+      </p:grpSpPr>
+      <p:sp>
+        <p:nvSpPr>
           <p:cNvPr id="2" name="Title 1">
             <a:extLst>
               <a:ext uri="{FF2B5EF4-FFF2-40B4-BE49-F238E27FC236}">
@@ -29934,7 +29979,7 @@
             <a:fld id="{0CFEC368-1D7A-4F81-ABF6-AE0E36BAF64C}" type="slidenum">
               <a:rPr lang="en-US" smtClean="0"/>
               <a:pPr/>
-              <a:t>34</a:t>
+              <a:t>35</a:t>
             </a:fld>
             <a:endParaRPr lang="en-US"/>
           </a:p>
@@ -30086,7 +30131,7 @@
 </p:sld>
 </file>
 
-<file path=ppt/slides/slide35.xml><?xml version="1.0" encoding="utf-8"?>
+<file path=ppt/slides/slide36.xml><?xml version="1.0" encoding="utf-8"?>
 <p:sld xmlns:a="http://schemas.openxmlformats.org/drawingml/2006/main" xmlns:r="http://schemas.openxmlformats.org/officeDocument/2006/relationships" xmlns:p="http://schemas.openxmlformats.org/presentationml/2006/main">
   <p:cSld>
     <p:spTree>
@@ -30331,7 +30376,7 @@
             <a:fld id="{0CFEC368-1D7A-4F81-ABF6-AE0E36BAF64C}" type="slidenum">
               <a:rPr lang="en-US" smtClean="0"/>
               <a:pPr/>
-              <a:t>35</a:t>
+              <a:t>36</a:t>
             </a:fld>
             <a:endParaRPr lang="en-US"/>
           </a:p>
@@ -32056,7 +32101,7 @@
 </p:sld>
 </file>
 
-<file path=ppt/slides/slide36.xml><?xml version="1.0" encoding="utf-8"?>
+<file path=ppt/slides/slide37.xml><?xml version="1.0" encoding="utf-8"?>
 <p:sld xmlns:a="http://schemas.openxmlformats.org/drawingml/2006/main" xmlns:r="http://schemas.openxmlformats.org/officeDocument/2006/relationships" xmlns:p="http://schemas.openxmlformats.org/presentationml/2006/main">
   <p:cSld>
     <p:spTree>
@@ -32254,7 +32299,7 @@
             <a:fld id="{0CFEC368-1D7A-4F81-ABF6-AE0E36BAF64C}" type="slidenum">
               <a:rPr lang="en-US" smtClean="0"/>
               <a:pPr/>
-              <a:t>36</a:t>
+              <a:t>37</a:t>
             </a:fld>
             <a:endParaRPr lang="en-US"/>
           </a:p>
@@ -33979,7 +34024,7 @@
 </p:sld>
 </file>
 
-<file path=ppt/slides/slide37.xml><?xml version="1.0" encoding="utf-8"?>
+<file path=ppt/slides/slide38.xml><?xml version="1.0" encoding="utf-8"?>
 <p:sld xmlns:a="http://schemas.openxmlformats.org/drawingml/2006/main" xmlns:r="http://schemas.openxmlformats.org/officeDocument/2006/relationships" xmlns:p="http://schemas.openxmlformats.org/presentationml/2006/main">
   <p:cSld>
     <p:spTree>
@@ -34188,7 +34233,7 @@
             <a:fld id="{0CFEC368-1D7A-4F81-ABF6-AE0E36BAF64C}" type="slidenum">
               <a:rPr lang="en-US" smtClean="0"/>
               <a:pPr/>
-              <a:t>37</a:t>
+              <a:t>38</a:t>
             </a:fld>
             <a:endParaRPr lang="en-US"/>
           </a:p>
@@ -38179,7 +38224,7 @@
 </p:sld>
 </file>
 
-<file path=ppt/slides/slide38.xml><?xml version="1.0" encoding="utf-8"?>
+<file path=ppt/slides/slide39.xml><?xml version="1.0" encoding="utf-8"?>
 <p:sld xmlns:a="http://schemas.openxmlformats.org/drawingml/2006/main" xmlns:r="http://schemas.openxmlformats.org/officeDocument/2006/relationships" xmlns:p="http://schemas.openxmlformats.org/presentationml/2006/main">
   <p:cSld>
     <p:spTree>
@@ -38369,7 +38414,7 @@
             <a:fld id="{0CFEC368-1D7A-4F81-ABF6-AE0E36BAF64C}" type="slidenum">
               <a:rPr lang="en-US" smtClean="0"/>
               <a:pPr/>
-              <a:t>38</a:t>
+              <a:t>39</a:t>
             </a:fld>
             <a:endParaRPr lang="en-US"/>
           </a:p>
@@ -38388,7 +38433,257 @@
 </p:sld>
 </file>
 
-<file path=ppt/slides/slide39.xml><?xml version="1.0" encoding="utf-8"?>
+<file path=ppt/slides/slide4.xml><?xml version="1.0" encoding="utf-8"?>
+<p:sld xmlns:a="http://schemas.openxmlformats.org/drawingml/2006/main" xmlns:r="http://schemas.openxmlformats.org/officeDocument/2006/relationships" xmlns:p="http://schemas.openxmlformats.org/presentationml/2006/main">
+  <p:cSld>
+    <p:spTree>
+      <p:nvGrpSpPr>
+        <p:cNvPr id="1" name=""/>
+        <p:cNvGrpSpPr/>
+        <p:nvPr/>
+      </p:nvGrpSpPr>
+      <p:grpSpPr>
+        <a:xfrm>
+          <a:off x="0" y="0"/>
+          <a:ext cx="0" cy="0"/>
+          <a:chOff x="0" y="0"/>
+          <a:chExt cx="0" cy="0"/>
+        </a:xfrm>
+      </p:grpSpPr>
+      <p:sp>
+        <p:nvSpPr>
+          <p:cNvPr id="23555" name="Rectangle 2"/>
+          <p:cNvSpPr>
+            <a:spLocks noGrp="1" noChangeArrowheads="1"/>
+          </p:cNvSpPr>
+          <p:nvPr>
+            <p:ph type="title"/>
+          </p:nvPr>
+        </p:nvSpPr>
+        <p:spPr/>
+        <p:txBody>
+          <a:bodyPr/>
+          <a:lstStyle/>
+          <a:p>
+            <a:r>
+              <a:rPr lang="he-IL" altLang="en-US"/>
+              <a:t>מהו תהליך?</a:t>
+            </a:r>
+            <a:endParaRPr lang="en-US" altLang="en-US"/>
+          </a:p>
+        </p:txBody>
+      </p:sp>
+      <p:sp>
+        <p:nvSpPr>
+          <p:cNvPr id="23556" name="Rectangle 3"/>
+          <p:cNvSpPr>
+            <a:spLocks noGrp="1" noChangeArrowheads="1"/>
+          </p:cNvSpPr>
+          <p:nvPr>
+            <p:ph idx="1"/>
+          </p:nvPr>
+        </p:nvSpPr>
+        <p:spPr/>
+        <p:txBody>
+          <a:bodyPr>
+            <a:normAutofit fontScale="92500" lnSpcReduction="10000"/>
+          </a:bodyPr>
+          <a:lstStyle/>
+          <a:p>
+            <a:r>
+              <a:rPr lang="he-IL" altLang="en-US" dirty="0"/>
+              <a:t>תהליך (</a:t>
+            </a:r>
+            <a:r>
+              <a:rPr lang="en-US" altLang="en-US" b="1" dirty="0">
+                <a:solidFill>
+                  <a:srgbClr val="0000FF"/>
+                </a:solidFill>
+              </a:rPr>
+              <a:t>process</a:t>
+            </a:r>
+            <a:r>
+              <a:rPr lang="he-IL" altLang="en-US" dirty="0"/>
+              <a:t>) הוא ביצוע סדרתי של תכנית (</a:t>
+            </a:r>
+            <a:r>
+              <a:rPr lang="en-US" altLang="en-US" b="1" dirty="0">
+                <a:solidFill>
+                  <a:srgbClr val="0000FF"/>
+                </a:solidFill>
+              </a:rPr>
+              <a:t>program</a:t>
+            </a:r>
+            <a:r>
+              <a:rPr lang="he-IL" altLang="en-US" dirty="0"/>
+              <a:t>).</a:t>
+            </a:r>
+          </a:p>
+          <a:p>
+            <a:pPr lvl="1"/>
+            <a:r>
+              <a:rPr lang="he-IL" altLang="en-US" dirty="0"/>
+              <a:t>תהליך = מופע (</a:t>
+            </a:r>
+            <a:r>
+              <a:rPr lang="en-US" altLang="en-US" dirty="0"/>
+              <a:t>instance</a:t>
+            </a:r>
+            <a:r>
+              <a:rPr lang="he-IL" altLang="en-US" dirty="0"/>
+              <a:t>) של ביצוע תכנית.</a:t>
+            </a:r>
+          </a:p>
+          <a:p>
+            <a:pPr lvl="2"/>
+            <a:endParaRPr lang="he-IL" altLang="en-US" dirty="0"/>
+          </a:p>
+          <a:p>
+            <a:r>
+              <a:rPr lang="he-IL" dirty="0"/>
+              <a:t>מערכת ההפעלה נותנת לכל תהליך </a:t>
+            </a:r>
+            <a:r>
+              <a:rPr lang="he-IL" b="1" dirty="0"/>
+              <a:t>אשליה</a:t>
+            </a:r>
+            <a:r>
+              <a:rPr lang="he-IL" dirty="0"/>
+              <a:t> שהוא לבד במערכת </a:t>
+            </a:r>
+            <a:r>
+              <a:rPr lang="he-IL" altLang="en-US" dirty="0"/>
+              <a:t>כדי להקל על פיתוח אפליקציות וכדי לספק לתהליכים הגנה זה מזה.</a:t>
+            </a:r>
+          </a:p>
+          <a:p>
+            <a:pPr lvl="1"/>
+            <a:r>
+              <a:rPr lang="he-IL" altLang="en-US" dirty="0"/>
+              <a:t>אבל תהליכים יכולים גם </a:t>
+            </a:r>
+            <a:r>
+              <a:rPr lang="he-IL" altLang="en-US" b="1" dirty="0"/>
+              <a:t>לתקשר</a:t>
+            </a:r>
+            <a:r>
+              <a:rPr lang="he-IL" altLang="en-US" dirty="0"/>
+              <a:t> ביניהם – נלמד בהמשך הקורס.</a:t>
+            </a:r>
+          </a:p>
+          <a:p>
+            <a:pPr lvl="2"/>
+            <a:endParaRPr lang="he-IL" altLang="en-US" dirty="0"/>
+          </a:p>
+          <a:p>
+            <a:r>
+              <a:rPr lang="he-IL" altLang="en-US" dirty="0"/>
+              <a:t>מספר תהליכים רצים "</a:t>
+            </a:r>
+            <a:r>
+              <a:rPr lang="he-IL" altLang="en-US" b="1" dirty="0"/>
+              <a:t>בו-זמנית</a:t>
+            </a:r>
+            <a:r>
+              <a:rPr lang="he-IL" altLang="en-US" dirty="0"/>
+              <a:t>" על המעבד: מערכת ההפעלה מחליפה בין התהליכים במהירות ויוצרת אשליה שהם רצים יחד.</a:t>
+            </a:r>
+          </a:p>
+          <a:p>
+            <a:pPr lvl="1"/>
+            <a:r>
+              <a:rPr lang="he-IL" altLang="en-US" dirty="0"/>
+              <a:t>בהמשך הקורס נלמד איך לינוקס מממשת את ההחלפה בין התהליכים.</a:t>
+            </a:r>
+          </a:p>
+          <a:p>
+            <a:pPr lvl="2"/>
+            <a:endParaRPr lang="he-IL" altLang="en-US" dirty="0"/>
+          </a:p>
+          <a:p>
+            <a:r>
+              <a:rPr lang="he-IL" altLang="en-US" dirty="0"/>
+              <a:t>כל תהליך </a:t>
+            </a:r>
+            <a:r>
+              <a:rPr lang="he-IL" altLang="en-US" b="1" dirty="0"/>
+              <a:t>צורך משאבים</a:t>
+            </a:r>
+            <a:r>
+              <a:rPr lang="he-IL" altLang="en-US" dirty="0"/>
+              <a:t>, למשל: זמן מעבד, זיכרון, ...</a:t>
+            </a:r>
+          </a:p>
+          <a:p>
+            <a:pPr lvl="1"/>
+            <a:r>
+              <a:rPr lang="he-IL" altLang="en-US" dirty="0"/>
+              <a:t>בהמשך הקורס נלמד איך לינוקס מחלקת את זמן המעבד בין התהליכים.</a:t>
+            </a:r>
+          </a:p>
+        </p:txBody>
+      </p:sp>
+      <p:sp>
+        <p:nvSpPr>
+          <p:cNvPr id="4" name="Footer Placeholder 3"/>
+          <p:cNvSpPr>
+            <a:spLocks noGrp="1"/>
+          </p:cNvSpPr>
+          <p:nvPr>
+            <p:ph type="ftr" sz="quarter" idx="11"/>
+          </p:nvPr>
+        </p:nvSpPr>
+        <p:spPr/>
+        <p:txBody>
+          <a:bodyPr/>
+          <a:lstStyle/>
+          <a:p>
+            <a:r>
+              <a:rPr lang="he-IL"/>
+              <a:t>מערכות הפעלה - תרגול 2</a:t>
+            </a:r>
+            <a:endParaRPr lang="en-US"/>
+          </a:p>
+        </p:txBody>
+      </p:sp>
+      <p:sp>
+        <p:nvSpPr>
+          <p:cNvPr id="5" name="Slide Number Placeholder 4"/>
+          <p:cNvSpPr>
+            <a:spLocks noGrp="1"/>
+          </p:cNvSpPr>
+          <p:nvPr>
+            <p:ph type="sldNum" sz="quarter" idx="12"/>
+          </p:nvPr>
+        </p:nvSpPr>
+        <p:spPr/>
+        <p:txBody>
+          <a:bodyPr/>
+          <a:lstStyle/>
+          <a:p>
+            <a:fld id="{0CFEC368-1D7A-4F81-ABF6-AE0E36BAF64C}" type="slidenum">
+              <a:rPr lang="en-US" smtClean="0"/>
+              <a:pPr/>
+              <a:t>4</a:t>
+            </a:fld>
+            <a:endParaRPr lang="en-US"/>
+          </a:p>
+        </p:txBody>
+      </p:sp>
+    </p:spTree>
+    <p:extLst>
+      <p:ext uri="{BB962C8B-B14F-4D97-AF65-F5344CB8AC3E}">
+        <p14:creationId xmlns:p14="http://schemas.microsoft.com/office/powerpoint/2010/main" val="1667606456"/>
+      </p:ext>
+    </p:extLst>
+  </p:cSld>
+  <p:clrMapOvr>
+    <a:masterClrMapping/>
+  </p:clrMapOvr>
+</p:sld>
+</file>
+
+<file path=ppt/slides/slide40.xml><?xml version="1.0" encoding="utf-8"?>
 <p:sld xmlns:a="http://schemas.openxmlformats.org/drawingml/2006/main" xmlns:r="http://schemas.openxmlformats.org/officeDocument/2006/relationships" xmlns:p="http://schemas.openxmlformats.org/presentationml/2006/main">
   <p:cSld>
     <p:spTree>
@@ -39424,7 +39719,7 @@
             <a:fld id="{0CFEC368-1D7A-4F81-ABF6-AE0E36BAF64C}" type="slidenum">
               <a:rPr lang="en-US" smtClean="0"/>
               <a:pPr/>
-              <a:t>39</a:t>
+              <a:t>40</a:t>
             </a:fld>
             <a:endParaRPr lang="en-US"/>
           </a:p>
@@ -40471,7 +40766,7 @@
 </p:sld>
 </file>
 
-<file path=ppt/slides/slide4.xml><?xml version="1.0" encoding="utf-8"?>
+<file path=ppt/slides/slide41.xml><?xml version="1.0" encoding="utf-8"?>
 <p:sld xmlns:a="http://schemas.openxmlformats.org/drawingml/2006/main" xmlns:r="http://schemas.openxmlformats.org/officeDocument/2006/relationships" xmlns:p="http://schemas.openxmlformats.org/presentationml/2006/main">
   <p:cSld>
     <p:spTree>
@@ -40490,9 +40785,9 @@
       </p:grpSpPr>
       <p:sp>
         <p:nvSpPr>
-          <p:cNvPr id="23555" name="Rectangle 2"/>
-          <p:cNvSpPr>
-            <a:spLocks noGrp="1" noChangeArrowheads="1"/>
+          <p:cNvPr id="2" name="Title 1"/>
+          <p:cNvSpPr>
+            <a:spLocks noGrp="1"/>
           </p:cNvSpPr>
           <p:nvPr>
             <p:ph type="title"/>
@@ -40504,166 +40799,44 @@
           <a:lstStyle/>
           <a:p>
             <a:r>
-              <a:rPr lang="he-IL" altLang="en-US"/>
-              <a:t>מהו תהליך?</a:t>
-            </a:r>
-            <a:endParaRPr lang="en-US" altLang="en-US"/>
-          </a:p>
-        </p:txBody>
-      </p:sp>
-      <p:sp>
-        <p:nvSpPr>
-          <p:cNvPr id="23556" name="Rectangle 3"/>
-          <p:cNvSpPr>
-            <a:spLocks noGrp="1" noChangeArrowheads="1"/>
+              <a:rPr lang="he-IL"/>
+              <a:t>תורי תהליכים</a:t>
+            </a:r>
+            <a:endParaRPr lang="en-US"/>
+          </a:p>
+        </p:txBody>
+      </p:sp>
+      <p:sp>
+        <p:nvSpPr>
+          <p:cNvPr id="3" name="Text Placeholder 2"/>
+          <p:cNvSpPr>
+            <a:spLocks noGrp="1"/>
           </p:cNvSpPr>
           <p:nvPr>
-            <p:ph idx="1"/>
+            <p:ph type="body" idx="1"/>
           </p:nvPr>
         </p:nvSpPr>
         <p:spPr/>
         <p:txBody>
-          <a:bodyPr>
-            <a:normAutofit lnSpcReduction="10000"/>
-          </a:bodyPr>
+          <a:bodyPr/>
           <a:lstStyle/>
           <a:p>
             <a:r>
-              <a:rPr lang="he-IL" altLang="en-US" dirty="0"/>
-              <a:t>תהליך (</a:t>
-            </a:r>
-            <a:r>
-              <a:rPr lang="en-US" altLang="en-US" b="1" dirty="0">
-                <a:solidFill>
-                  <a:srgbClr val="0000FF"/>
-                </a:solidFill>
-              </a:rPr>
-              <a:t>process</a:t>
-            </a:r>
-            <a:r>
-              <a:rPr lang="he-IL" altLang="en-US" dirty="0"/>
-              <a:t>) הוא ביצוע סדרתי של תכנית (</a:t>
-            </a:r>
-            <a:r>
-              <a:rPr lang="en-US" altLang="en-US" b="1" dirty="0">
-                <a:solidFill>
-                  <a:srgbClr val="0000FF"/>
-                </a:solidFill>
-              </a:rPr>
-              <a:t>program</a:t>
-            </a:r>
-            <a:r>
-              <a:rPr lang="he-IL" altLang="en-US" dirty="0"/>
-              <a:t>).</a:t>
-            </a:r>
-          </a:p>
-          <a:p>
-            <a:pPr lvl="1"/>
-            <a:r>
-              <a:rPr lang="he-IL" altLang="en-US" dirty="0"/>
-              <a:t>תהליך = מופע (</a:t>
-            </a:r>
-            <a:r>
-              <a:rPr lang="en-US" altLang="en-US" dirty="0"/>
-              <a:t>instance</a:t>
-            </a:r>
-            <a:r>
-              <a:rPr lang="he-IL" altLang="en-US" dirty="0"/>
-              <a:t>) של ביצוע תכנית.</a:t>
-            </a:r>
-          </a:p>
-          <a:p>
-            <a:pPr lvl="2"/>
-            <a:endParaRPr lang="he-IL" altLang="en-US" dirty="0"/>
-          </a:p>
-          <a:p>
-            <a:r>
               <a:rPr lang="he-IL" dirty="0"/>
-              <a:t>מערכת ההפעלה נותנת לכל תהליך </a:t>
-            </a:r>
-            <a:r>
-              <a:rPr lang="he-IL" b="1" dirty="0"/>
-              <a:t>אשליה</a:t>
-            </a:r>
+              <a:t>תור ריצה לכל מעבד</a:t>
+            </a:r>
+          </a:p>
+          <a:p>
             <a:r>
               <a:rPr lang="he-IL" dirty="0"/>
-              <a:t> שהוא לבד במערכת </a:t>
-            </a:r>
-            <a:r>
-              <a:rPr lang="he-IL" altLang="en-US" dirty="0"/>
-              <a:t>כדי להקל על פיתוח אפליקציות וכדי לספק לתהליכים הגנה זה מזה.</a:t>
-            </a:r>
-          </a:p>
-          <a:p>
-            <a:pPr lvl="1"/>
-            <a:r>
-              <a:rPr lang="he-IL" altLang="en-US" dirty="0"/>
-              <a:t>אבל תהליכים יכולים גם </a:t>
-            </a:r>
-            <a:r>
-              <a:rPr lang="he-IL" altLang="en-US" b="1" dirty="0"/>
-              <a:t>לתקשר</a:t>
-            </a:r>
-            <a:r>
-              <a:rPr lang="he-IL" altLang="en-US" dirty="0"/>
-              <a:t> ביניהם – נלמד בהמשך הקורס.</a:t>
-            </a:r>
-          </a:p>
-          <a:p>
-            <a:pPr lvl="2"/>
-            <a:endParaRPr lang="he-IL" altLang="en-US" dirty="0"/>
-          </a:p>
-          <a:p>
-            <a:r>
-              <a:rPr lang="he-IL" altLang="en-US" dirty="0"/>
-              <a:t>מספר תהליכים רצים "</a:t>
-            </a:r>
-            <a:r>
-              <a:rPr lang="he-IL" altLang="en-US" b="1" dirty="0"/>
-              <a:t>בו-זמנית</a:t>
-            </a:r>
-            <a:r>
-              <a:rPr lang="he-IL" altLang="en-US" dirty="0"/>
-              <a:t>" על המעבד: מערכת ההפעלה מחליפה בין התהליכים במהירות ויוצרת אשליה שהם רצים יחד.</a:t>
-            </a:r>
-          </a:p>
-          <a:p>
-            <a:pPr lvl="1"/>
-            <a:r>
-              <a:rPr lang="he-IL" altLang="en-US" dirty="0"/>
-              <a:t>בהמשך הקורס נלמד איך לינוקס מממשת את ההחלפה בין התהליכים.</a:t>
-            </a:r>
-          </a:p>
-          <a:p>
-            <a:pPr lvl="2"/>
-            <a:endParaRPr lang="he-IL" altLang="en-US" dirty="0"/>
-          </a:p>
-          <a:p>
-            <a:r>
-              <a:rPr lang="he-IL" altLang="en-US" dirty="0"/>
-              <a:t>כל תהליך </a:t>
-            </a:r>
-            <a:r>
-              <a:rPr lang="he-IL" altLang="en-US" b="1" dirty="0"/>
-              <a:t>צורך משאבים</a:t>
-            </a:r>
-            <a:r>
-              <a:rPr lang="he-IL" altLang="en-US" dirty="0"/>
-              <a:t>, למשל: זמן מעבד, זיכרון, ...</a:t>
-            </a:r>
-          </a:p>
-          <a:p>
-            <a:pPr lvl="1"/>
-            <a:r>
-              <a:rPr lang="he-IL" altLang="en-US" dirty="0"/>
-              <a:t>בהמשך הקורס נלמד איך לינוקס מחלקת את זמן המעבד בין התהליכים.</a:t>
-            </a:r>
-          </a:p>
-        </p:txBody>
-      </p:sp>
-      <p:sp>
-        <p:nvSpPr>
-          <p:cNvPr id="4" name="Footer Placeholder 3"/>
+              <a:t>תור המתנה לכל אירוע המתנה</a:t>
+            </a:r>
+          </a:p>
+        </p:txBody>
+      </p:sp>
+      <p:sp>
+        <p:nvSpPr>
+          <p:cNvPr id="7" name="Footer Placeholder 6"/>
           <p:cNvSpPr>
             <a:spLocks noGrp="1"/>
           </p:cNvSpPr>
@@ -40676,6 +40849,7 @@
           <a:bodyPr/>
           <a:lstStyle/>
           <a:p>
+            <a:pPr algn="r"/>
             <a:r>
               <a:rPr lang="he-IL"/>
               <a:t>מערכות הפעלה - תרגול 2</a:t>
@@ -40686,7 +40860,7 @@
       </p:sp>
       <p:sp>
         <p:nvSpPr>
-          <p:cNvPr id="5" name="Slide Number Placeholder 4"/>
+          <p:cNvPr id="8" name="Slide Number Placeholder 7"/>
           <p:cNvSpPr>
             <a:spLocks noGrp="1"/>
           </p:cNvSpPr>
@@ -40702,136 +40876,7 @@
             <a:fld id="{0CFEC368-1D7A-4F81-ABF6-AE0E36BAF64C}" type="slidenum">
               <a:rPr lang="en-US" smtClean="0"/>
               <a:pPr/>
-              <a:t>4</a:t>
-            </a:fld>
-            <a:endParaRPr lang="en-US"/>
-          </a:p>
-        </p:txBody>
-      </p:sp>
-    </p:spTree>
-    <p:extLst>
-      <p:ext uri="{BB962C8B-B14F-4D97-AF65-F5344CB8AC3E}">
-        <p14:creationId xmlns:p14="http://schemas.microsoft.com/office/powerpoint/2010/main" val="1667606456"/>
-      </p:ext>
-    </p:extLst>
-  </p:cSld>
-  <p:clrMapOvr>
-    <a:masterClrMapping/>
-  </p:clrMapOvr>
-</p:sld>
-</file>
-
-<file path=ppt/slides/slide40.xml><?xml version="1.0" encoding="utf-8"?>
-<p:sld xmlns:a="http://schemas.openxmlformats.org/drawingml/2006/main" xmlns:r="http://schemas.openxmlformats.org/officeDocument/2006/relationships" xmlns:p="http://schemas.openxmlformats.org/presentationml/2006/main">
-  <p:cSld>
-    <p:spTree>
-      <p:nvGrpSpPr>
-        <p:cNvPr id="1" name=""/>
-        <p:cNvGrpSpPr/>
-        <p:nvPr/>
-      </p:nvGrpSpPr>
-      <p:grpSpPr>
-        <a:xfrm>
-          <a:off x="0" y="0"/>
-          <a:ext cx="0" cy="0"/>
-          <a:chOff x="0" y="0"/>
-          <a:chExt cx="0" cy="0"/>
-        </a:xfrm>
-      </p:grpSpPr>
-      <p:sp>
-        <p:nvSpPr>
-          <p:cNvPr id="2" name="Title 1"/>
-          <p:cNvSpPr>
-            <a:spLocks noGrp="1"/>
-          </p:cNvSpPr>
-          <p:nvPr>
-            <p:ph type="title"/>
-          </p:nvPr>
-        </p:nvSpPr>
-        <p:spPr/>
-        <p:txBody>
-          <a:bodyPr/>
-          <a:lstStyle/>
-          <a:p>
-            <a:r>
-              <a:rPr lang="he-IL"/>
-              <a:t>תורי תהליכים</a:t>
-            </a:r>
-            <a:endParaRPr lang="en-US"/>
-          </a:p>
-        </p:txBody>
-      </p:sp>
-      <p:sp>
-        <p:nvSpPr>
-          <p:cNvPr id="3" name="Text Placeholder 2"/>
-          <p:cNvSpPr>
-            <a:spLocks noGrp="1"/>
-          </p:cNvSpPr>
-          <p:nvPr>
-            <p:ph type="body" idx="1"/>
-          </p:nvPr>
-        </p:nvSpPr>
-        <p:spPr/>
-        <p:txBody>
-          <a:bodyPr/>
-          <a:lstStyle/>
-          <a:p>
-            <a:r>
-              <a:rPr lang="he-IL" dirty="0"/>
-              <a:t>תור ריצה לכל מעבד</a:t>
-            </a:r>
-          </a:p>
-          <a:p>
-            <a:r>
-              <a:rPr lang="he-IL" dirty="0"/>
-              <a:t>תור המתנה לכל אירוע המתנה</a:t>
-            </a:r>
-          </a:p>
-        </p:txBody>
-      </p:sp>
-      <p:sp>
-        <p:nvSpPr>
-          <p:cNvPr id="7" name="Footer Placeholder 6"/>
-          <p:cNvSpPr>
-            <a:spLocks noGrp="1"/>
-          </p:cNvSpPr>
-          <p:nvPr>
-            <p:ph type="ftr" sz="quarter" idx="11"/>
-          </p:nvPr>
-        </p:nvSpPr>
-        <p:spPr/>
-        <p:txBody>
-          <a:bodyPr/>
-          <a:lstStyle/>
-          <a:p>
-            <a:pPr algn="r"/>
-            <a:r>
-              <a:rPr lang="he-IL"/>
-              <a:t>מערכות הפעלה - תרגול 2</a:t>
-            </a:r>
-            <a:endParaRPr lang="en-US"/>
-          </a:p>
-        </p:txBody>
-      </p:sp>
-      <p:sp>
-        <p:nvSpPr>
-          <p:cNvPr id="8" name="Slide Number Placeholder 7"/>
-          <p:cNvSpPr>
-            <a:spLocks noGrp="1"/>
-          </p:cNvSpPr>
-          <p:nvPr>
-            <p:ph type="sldNum" sz="quarter" idx="12"/>
-          </p:nvPr>
-        </p:nvSpPr>
-        <p:spPr/>
-        <p:txBody>
-          <a:bodyPr/>
-          <a:lstStyle/>
-          <a:p>
-            <a:fld id="{0CFEC368-1D7A-4F81-ABF6-AE0E36BAF64C}" type="slidenum">
-              <a:rPr lang="en-US" smtClean="0"/>
-              <a:pPr/>
-              <a:t>40</a:t>
+              <a:t>41</a:t>
             </a:fld>
             <a:endParaRPr lang="en-US"/>
           </a:p>
@@ -40850,7 +40895,7 @@
 </p:sld>
 </file>
 
-<file path=ppt/slides/slide41.xml><?xml version="1.0" encoding="utf-8"?>
+<file path=ppt/slides/slide42.xml><?xml version="1.0" encoding="utf-8"?>
 <p:sld xmlns:a="http://schemas.openxmlformats.org/drawingml/2006/main" xmlns:r="http://schemas.openxmlformats.org/officeDocument/2006/relationships" xmlns:p="http://schemas.openxmlformats.org/presentationml/2006/main">
   <p:cSld>
     <p:bg>
@@ -41089,7 +41134,7 @@
             <a:fld id="{0CFEC368-1D7A-4F81-ABF6-AE0E36BAF64C}" type="slidenum">
               <a:rPr lang="en-US" smtClean="0"/>
               <a:pPr/>
-              <a:t>41</a:t>
+              <a:t>42</a:t>
             </a:fld>
             <a:endParaRPr lang="en-US"/>
           </a:p>
@@ -41132,375 +41177,6 @@
 </p:sld>
 </file>
 
-<file path=ppt/slides/slide42.xml><?xml version="1.0" encoding="utf-8"?>
-<p:sld xmlns:a="http://schemas.openxmlformats.org/drawingml/2006/main" xmlns:r="http://schemas.openxmlformats.org/officeDocument/2006/relationships" xmlns:p="http://schemas.openxmlformats.org/presentationml/2006/main">
-  <p:cSld>
-    <p:spTree>
-      <p:nvGrpSpPr>
-        <p:cNvPr id="1" name=""/>
-        <p:cNvGrpSpPr/>
-        <p:nvPr/>
-      </p:nvGrpSpPr>
-      <p:grpSpPr>
-        <a:xfrm>
-          <a:off x="0" y="0"/>
-          <a:ext cx="0" cy="0"/>
-          <a:chOff x="0" y="0"/>
-          <a:chExt cx="0" cy="0"/>
-        </a:xfrm>
-      </p:grpSpPr>
-      <p:sp>
-        <p:nvSpPr>
-          <p:cNvPr id="41987" name="Rectangle 2"/>
-          <p:cNvSpPr>
-            <a:spLocks noGrp="1" noChangeArrowheads="1"/>
-          </p:cNvSpPr>
-          <p:nvPr>
-            <p:ph type="title"/>
-          </p:nvPr>
-        </p:nvSpPr>
-        <p:spPr/>
-        <p:txBody>
-          <a:bodyPr/>
-          <a:lstStyle/>
-          <a:p>
-            <a:r>
-              <a:rPr lang="he-IL" altLang="en-US"/>
-              <a:t>מצב התהליך</a:t>
-            </a:r>
-            <a:endParaRPr lang="en-US" altLang="en-US"/>
-          </a:p>
-        </p:txBody>
-      </p:sp>
-      <p:sp>
-        <p:nvSpPr>
-          <p:cNvPr id="41988" name="Rectangle 3"/>
-          <p:cNvSpPr>
-            <a:spLocks noGrp="1" noChangeArrowheads="1"/>
-          </p:cNvSpPr>
-          <p:nvPr>
-            <p:ph idx="1"/>
-          </p:nvPr>
-        </p:nvSpPr>
-        <p:spPr/>
-        <p:txBody>
-          <a:bodyPr>
-            <a:normAutofit/>
-          </a:bodyPr>
-          <a:lstStyle/>
-          <a:p>
-            <a:pPr marL="731520" lvl="1" indent="-457200">
-              <a:lnSpc>
-                <a:spcPct val="90000"/>
-              </a:lnSpc>
-              <a:buFont typeface="+mj-lt"/>
-              <a:buAutoNum type="arabicPeriod" startAt="3"/>
-            </a:pPr>
-            <a:r>
-              <a:rPr lang="en-US" altLang="en-US" b="1" dirty="0">
-                <a:solidFill>
-                  <a:srgbClr val="0000FF"/>
-                </a:solidFill>
-              </a:rPr>
-              <a:t>TASK_INTERRUPTIBLE</a:t>
-            </a:r>
-            <a:r>
-              <a:rPr lang="he-IL" altLang="en-US" dirty="0"/>
-              <a:t> – המתנה "רדודה"</a:t>
-            </a:r>
-          </a:p>
-          <a:p>
-            <a:pPr lvl="2">
-              <a:lnSpc>
-                <a:spcPct val="90000"/>
-              </a:lnSpc>
-            </a:pPr>
-            <a:r>
-              <a:rPr lang="he-IL" altLang="en-US" dirty="0"/>
-              <a:t>התהליך </a:t>
-            </a:r>
-            <a:r>
-              <a:rPr lang="he-IL" altLang="en-US" b="1" u="sng" dirty="0"/>
-              <a:t>ממתין</a:t>
-            </a:r>
-            <a:r>
-              <a:rPr lang="he-IL" altLang="en-US" b="1" dirty="0"/>
-              <a:t> </a:t>
-            </a:r>
-            <a:r>
-              <a:rPr lang="he-IL" altLang="en-US" dirty="0"/>
-              <a:t>לאירוע</a:t>
-            </a:r>
-            <a:r>
-              <a:rPr lang="he-IL" altLang="en-US" b="1" dirty="0"/>
-              <a:t> </a:t>
-            </a:r>
-            <a:r>
-              <a:rPr lang="he-IL" altLang="en-US" dirty="0"/>
-              <a:t>כלשהו אך ניתן להפסיק את המתנת התהליך ולהחזירו למצב </a:t>
-            </a:r>
-            <a:r>
-              <a:rPr lang="en-US" altLang="en-US" dirty="0"/>
-              <a:t>TASK_RUNNING</a:t>
-            </a:r>
-            <a:r>
-              <a:rPr lang="he-IL" altLang="en-US" dirty="0"/>
-              <a:t> באמצעות שליחת </a:t>
-            </a:r>
-            <a:r>
-              <a:rPr lang="he-IL" altLang="en-US" b="1" dirty="0">
-                <a:solidFill>
-                  <a:srgbClr val="0000FF"/>
-                </a:solidFill>
-              </a:rPr>
-              <a:t>סיגנל</a:t>
-            </a:r>
-            <a:r>
-              <a:rPr lang="he-IL" altLang="en-US" dirty="0"/>
-              <a:t> כלשהו לתהליך.</a:t>
-            </a:r>
-          </a:p>
-          <a:p>
-            <a:pPr lvl="2">
-              <a:lnSpc>
-                <a:spcPct val="90000"/>
-              </a:lnSpc>
-            </a:pPr>
-            <a:r>
-              <a:rPr lang="he-IL" altLang="en-US" dirty="0"/>
-              <a:t>זהו מצב ההמתנה הנפוץ. </a:t>
-            </a:r>
-            <a:r>
-              <a:rPr lang="he-IL" altLang="en-US" b="1" dirty="0"/>
-              <a:t>מתי נמצא תהליכים במצב זה? </a:t>
-            </a:r>
-          </a:p>
-          <a:p>
-            <a:pPr lvl="2">
-              <a:lnSpc>
-                <a:spcPct val="90000"/>
-              </a:lnSpc>
-            </a:pPr>
-            <a:r>
-              <a:rPr lang="he-IL" altLang="en-US" dirty="0">
-                <a:latin typeface="Arial" panose="020B0604020202020204" pitchFamily="34" charset="0"/>
-              </a:rPr>
-              <a:t>דוגמה 1: תהליך אב הממתין לסיום הבן (קריאת מערכת </a:t>
-            </a:r>
-            <a:r>
-              <a:rPr lang="en-US" altLang="en-US" dirty="0">
-                <a:latin typeface="Arial" panose="020B0604020202020204" pitchFamily="34" charset="0"/>
-              </a:rPr>
-              <a:t>wait</a:t>
-            </a:r>
-            <a:r>
-              <a:rPr lang="he-IL" altLang="en-US" dirty="0">
-                <a:latin typeface="Arial" panose="020B0604020202020204" pitchFamily="34" charset="0"/>
-              </a:rPr>
-              <a:t>).</a:t>
-            </a:r>
-          </a:p>
-          <a:p>
-            <a:pPr lvl="2">
-              <a:lnSpc>
-                <a:spcPct val="90000"/>
-              </a:lnSpc>
-            </a:pPr>
-            <a:r>
-              <a:rPr lang="he-IL" altLang="en-US" dirty="0">
-                <a:latin typeface="Arial" panose="020B0604020202020204" pitchFamily="34" charset="0"/>
-              </a:rPr>
-              <a:t>דוגמה 2: דפדפן </a:t>
-            </a:r>
-            <a:r>
-              <a:rPr lang="en-US" altLang="en-US" dirty="0">
-                <a:latin typeface="Arial" panose="020B0604020202020204" pitchFamily="34" charset="0"/>
-                <a:cs typeface="Arial" panose="020B0604020202020204" pitchFamily="34" charset="0"/>
-              </a:rPr>
-              <a:t>web browser)</a:t>
-            </a:r>
-            <a:r>
-              <a:rPr lang="he-IL" altLang="en-US" dirty="0">
-                <a:latin typeface="Arial" panose="020B0604020202020204" pitchFamily="34" charset="0"/>
-              </a:rPr>
-              <a:t>) מחכה לקבלת נתונים מהרשת (דף </a:t>
-            </a:r>
-            <a:r>
-              <a:rPr lang="en-US" altLang="en-US" dirty="0">
-                <a:latin typeface="Arial" panose="020B0604020202020204" pitchFamily="34" charset="0"/>
-                <a:cs typeface="Arial" panose="020B0604020202020204" pitchFamily="34" charset="0"/>
-              </a:rPr>
-              <a:t>web</a:t>
-            </a:r>
-            <a:r>
-              <a:rPr lang="he-IL" altLang="en-US" dirty="0">
-                <a:latin typeface="Arial" panose="020B0604020202020204" pitchFamily="34" charset="0"/>
-              </a:rPr>
-              <a:t>) אבל אפשר לקטוע את המתנתו על-ידי סגירת חלון היישום, שגורמת לשליחת אות לסיום התהליך.</a:t>
-            </a:r>
-          </a:p>
-          <a:p>
-            <a:pPr marL="731520" lvl="1" indent="-457200">
-              <a:lnSpc>
-                <a:spcPct val="90000"/>
-              </a:lnSpc>
-              <a:buFont typeface="+mj-lt"/>
-              <a:buAutoNum type="arabicPeriod" startAt="3"/>
-            </a:pPr>
-            <a:r>
-              <a:rPr lang="en-US" altLang="en-US" b="1" dirty="0">
-                <a:solidFill>
-                  <a:srgbClr val="0000FF"/>
-                </a:solidFill>
-              </a:rPr>
-              <a:t>TASK_UNINTERRUPTIBLE</a:t>
-            </a:r>
-            <a:r>
-              <a:rPr lang="he-IL" altLang="en-US" dirty="0"/>
-              <a:t> – המתנה "עמוקה"</a:t>
-            </a:r>
-          </a:p>
-          <a:p>
-            <a:pPr lvl="2">
-              <a:lnSpc>
-                <a:spcPct val="90000"/>
-              </a:lnSpc>
-            </a:pPr>
-            <a:r>
-              <a:rPr lang="he-IL" altLang="en-US" dirty="0"/>
-              <a:t>התהליך ממתין לאירוע כלשהו אך לא ניתן להפסיק את המתנת התהליך באמצעות שליחת סיגנל לתהליך.</a:t>
-            </a:r>
-          </a:p>
-          <a:p>
-            <a:pPr lvl="2">
-              <a:lnSpc>
-                <a:spcPct val="90000"/>
-              </a:lnSpc>
-            </a:pPr>
-            <a:r>
-              <a:rPr lang="he-IL" altLang="en-US" dirty="0"/>
-              <a:t>מצב המתנה נדיר.</a:t>
-            </a:r>
-          </a:p>
-          <a:p>
-            <a:pPr lvl="2">
-              <a:lnSpc>
-                <a:spcPct val="90000"/>
-              </a:lnSpc>
-            </a:pPr>
-            <a:r>
-              <a:rPr lang="he-IL" altLang="en-US" dirty="0"/>
-              <a:t>דוגמאות:</a:t>
-            </a:r>
-            <a:r>
-              <a:rPr lang="en-US" altLang="en-US" dirty="0"/>
-              <a:t> </a:t>
-            </a:r>
-            <a:r>
-              <a:rPr lang="he-IL" altLang="en-US" dirty="0"/>
-              <a:t>בשולי השקופית – דורשות חומר מתקדם בקורס. </a:t>
-            </a:r>
-          </a:p>
-          <a:p>
-            <a:pPr marL="617220" lvl="1" indent="-342900">
-              <a:lnSpc>
-                <a:spcPct val="90000"/>
-              </a:lnSpc>
-              <a:buFont typeface="+mj-lt"/>
-              <a:buAutoNum type="arabicPeriod" startAt="3"/>
-            </a:pPr>
-            <a:r>
-              <a:rPr lang="en-US" altLang="en-US" b="1" dirty="0">
-                <a:solidFill>
-                  <a:srgbClr val="0000FF"/>
-                </a:solidFill>
-              </a:rPr>
-              <a:t>TASK_STOPPED</a:t>
-            </a:r>
-            <a:r>
-              <a:rPr lang="he-IL" altLang="en-US" dirty="0"/>
-              <a:t> – ריצת התהליך נעצרה בצורה מבוקרת על-ידי תהליך אחר (בדרך-כלל </a:t>
-            </a:r>
-            <a:r>
-              <a:rPr lang="en-US" altLang="en-US" dirty="0"/>
-              <a:t>debugger</a:t>
-            </a:r>
-            <a:r>
-              <a:rPr lang="he-IL" altLang="en-US" dirty="0"/>
-              <a:t> או </a:t>
-            </a:r>
-            <a:r>
-              <a:rPr lang="en-US" altLang="en-US" dirty="0"/>
-              <a:t>tracer</a:t>
-            </a:r>
-            <a:r>
-              <a:rPr lang="he-IL" altLang="en-US" dirty="0"/>
-              <a:t>).</a:t>
-            </a:r>
-          </a:p>
-        </p:txBody>
-      </p:sp>
-      <p:sp>
-        <p:nvSpPr>
-          <p:cNvPr id="2" name="Footer Placeholder 1"/>
-          <p:cNvSpPr>
-            <a:spLocks noGrp="1"/>
-          </p:cNvSpPr>
-          <p:nvPr>
-            <p:ph type="ftr" sz="quarter" idx="11"/>
-          </p:nvPr>
-        </p:nvSpPr>
-        <p:spPr/>
-        <p:txBody>
-          <a:bodyPr/>
-          <a:lstStyle/>
-          <a:p>
-            <a:pPr algn="r"/>
-            <a:r>
-              <a:rPr lang="he-IL"/>
-              <a:t>מערכות הפעלה - תרגול 2</a:t>
-            </a:r>
-            <a:endParaRPr lang="en-US"/>
-          </a:p>
-        </p:txBody>
-      </p:sp>
-      <p:sp>
-        <p:nvSpPr>
-          <p:cNvPr id="3" name="Slide Number Placeholder 2"/>
-          <p:cNvSpPr>
-            <a:spLocks noGrp="1"/>
-          </p:cNvSpPr>
-          <p:nvPr>
-            <p:ph type="sldNum" sz="quarter" idx="12"/>
-          </p:nvPr>
-        </p:nvSpPr>
-        <p:spPr/>
-        <p:txBody>
-          <a:bodyPr/>
-          <a:lstStyle/>
-          <a:p>
-            <a:fld id="{0CFEC368-1D7A-4F81-ABF6-AE0E36BAF64C}" type="slidenum">
-              <a:rPr lang="en-US" smtClean="0"/>
-              <a:pPr/>
-              <a:t>42</a:t>
-            </a:fld>
-            <a:endParaRPr lang="en-US"/>
-          </a:p>
-        </p:txBody>
-      </p:sp>
-    </p:spTree>
-    <p:extLst>
-      <p:ext uri="{BB962C8B-B14F-4D97-AF65-F5344CB8AC3E}">
-        <p14:creationId xmlns:p14="http://schemas.microsoft.com/office/powerpoint/2010/main" val="1949735499"/>
-      </p:ext>
-    </p:extLst>
-  </p:cSld>
-  <p:clrMapOvr>
-    <a:masterClrMapping/>
-  </p:clrMapOvr>
-</p:sld>
-</file>
-
 <file path=ppt/slides/slide43.xml><?xml version="1.0" encoding="utf-8"?>
 <p:sld xmlns:a="http://schemas.openxmlformats.org/drawingml/2006/main" xmlns:r="http://schemas.openxmlformats.org/officeDocument/2006/relationships" xmlns:p="http://schemas.openxmlformats.org/presentationml/2006/main">
   <p:cSld>
@@ -41520,6 +41196,375 @@
       </p:grpSpPr>
       <p:sp>
         <p:nvSpPr>
+          <p:cNvPr id="41987" name="Rectangle 2"/>
+          <p:cNvSpPr>
+            <a:spLocks noGrp="1" noChangeArrowheads="1"/>
+          </p:cNvSpPr>
+          <p:nvPr>
+            <p:ph type="title"/>
+          </p:nvPr>
+        </p:nvSpPr>
+        <p:spPr/>
+        <p:txBody>
+          <a:bodyPr/>
+          <a:lstStyle/>
+          <a:p>
+            <a:r>
+              <a:rPr lang="he-IL" altLang="en-US"/>
+              <a:t>מצב התהליך</a:t>
+            </a:r>
+            <a:endParaRPr lang="en-US" altLang="en-US"/>
+          </a:p>
+        </p:txBody>
+      </p:sp>
+      <p:sp>
+        <p:nvSpPr>
+          <p:cNvPr id="41988" name="Rectangle 3"/>
+          <p:cNvSpPr>
+            <a:spLocks noGrp="1" noChangeArrowheads="1"/>
+          </p:cNvSpPr>
+          <p:nvPr>
+            <p:ph idx="1"/>
+          </p:nvPr>
+        </p:nvSpPr>
+        <p:spPr/>
+        <p:txBody>
+          <a:bodyPr>
+            <a:normAutofit/>
+          </a:bodyPr>
+          <a:lstStyle/>
+          <a:p>
+            <a:pPr marL="731520" lvl="1" indent="-457200">
+              <a:lnSpc>
+                <a:spcPct val="90000"/>
+              </a:lnSpc>
+              <a:buFont typeface="+mj-lt"/>
+              <a:buAutoNum type="arabicPeriod" startAt="3"/>
+            </a:pPr>
+            <a:r>
+              <a:rPr lang="en-US" altLang="en-US" b="1" dirty="0">
+                <a:solidFill>
+                  <a:srgbClr val="0000FF"/>
+                </a:solidFill>
+              </a:rPr>
+              <a:t>TASK_INTERRUPTIBLE</a:t>
+            </a:r>
+            <a:r>
+              <a:rPr lang="he-IL" altLang="en-US" dirty="0"/>
+              <a:t> – המתנה "רדודה"</a:t>
+            </a:r>
+          </a:p>
+          <a:p>
+            <a:pPr lvl="2">
+              <a:lnSpc>
+                <a:spcPct val="90000"/>
+              </a:lnSpc>
+            </a:pPr>
+            <a:r>
+              <a:rPr lang="he-IL" altLang="en-US" dirty="0"/>
+              <a:t>התהליך </a:t>
+            </a:r>
+            <a:r>
+              <a:rPr lang="he-IL" altLang="en-US" b="1" u="sng" dirty="0"/>
+              <a:t>ממתין</a:t>
+            </a:r>
+            <a:r>
+              <a:rPr lang="he-IL" altLang="en-US" b="1" dirty="0"/>
+              <a:t> </a:t>
+            </a:r>
+            <a:r>
+              <a:rPr lang="he-IL" altLang="en-US" dirty="0"/>
+              <a:t>לאירוע</a:t>
+            </a:r>
+            <a:r>
+              <a:rPr lang="he-IL" altLang="en-US" b="1" dirty="0"/>
+              <a:t> </a:t>
+            </a:r>
+            <a:r>
+              <a:rPr lang="he-IL" altLang="en-US" dirty="0"/>
+              <a:t>כלשהו אך ניתן להפסיק את המתנת התהליך ולהחזירו למצב </a:t>
+            </a:r>
+            <a:r>
+              <a:rPr lang="en-US" altLang="en-US" dirty="0"/>
+              <a:t>TASK_RUNNING</a:t>
+            </a:r>
+            <a:r>
+              <a:rPr lang="he-IL" altLang="en-US" dirty="0"/>
+              <a:t> באמצעות שליחת </a:t>
+            </a:r>
+            <a:r>
+              <a:rPr lang="he-IL" altLang="en-US" b="1" dirty="0">
+                <a:solidFill>
+                  <a:srgbClr val="0000FF"/>
+                </a:solidFill>
+              </a:rPr>
+              <a:t>סיגנל</a:t>
+            </a:r>
+            <a:r>
+              <a:rPr lang="he-IL" altLang="en-US" dirty="0"/>
+              <a:t> כלשהו לתהליך.</a:t>
+            </a:r>
+          </a:p>
+          <a:p>
+            <a:pPr lvl="2">
+              <a:lnSpc>
+                <a:spcPct val="90000"/>
+              </a:lnSpc>
+            </a:pPr>
+            <a:r>
+              <a:rPr lang="he-IL" altLang="en-US" dirty="0"/>
+              <a:t>זהו מצב ההמתנה הנפוץ. </a:t>
+            </a:r>
+            <a:r>
+              <a:rPr lang="he-IL" altLang="en-US" b="1" dirty="0"/>
+              <a:t>מתי נמצא תהליכים במצב זה? </a:t>
+            </a:r>
+          </a:p>
+          <a:p>
+            <a:pPr lvl="2">
+              <a:lnSpc>
+                <a:spcPct val="90000"/>
+              </a:lnSpc>
+            </a:pPr>
+            <a:r>
+              <a:rPr lang="he-IL" altLang="en-US" dirty="0">
+                <a:latin typeface="Arial" panose="020B0604020202020204" pitchFamily="34" charset="0"/>
+              </a:rPr>
+              <a:t>דוגמה 1: תהליך אב הממתין לסיום הבן (קריאת מערכת </a:t>
+            </a:r>
+            <a:r>
+              <a:rPr lang="en-US" altLang="en-US" dirty="0">
+                <a:latin typeface="Arial" panose="020B0604020202020204" pitchFamily="34" charset="0"/>
+              </a:rPr>
+              <a:t>wait</a:t>
+            </a:r>
+            <a:r>
+              <a:rPr lang="he-IL" altLang="en-US" dirty="0">
+                <a:latin typeface="Arial" panose="020B0604020202020204" pitchFamily="34" charset="0"/>
+              </a:rPr>
+              <a:t>).</a:t>
+            </a:r>
+          </a:p>
+          <a:p>
+            <a:pPr lvl="2">
+              <a:lnSpc>
+                <a:spcPct val="90000"/>
+              </a:lnSpc>
+            </a:pPr>
+            <a:r>
+              <a:rPr lang="he-IL" altLang="en-US" dirty="0">
+                <a:latin typeface="Arial" panose="020B0604020202020204" pitchFamily="34" charset="0"/>
+              </a:rPr>
+              <a:t>דוגמה 2: דפדפן </a:t>
+            </a:r>
+            <a:r>
+              <a:rPr lang="en-US" altLang="en-US" dirty="0">
+                <a:latin typeface="Arial" panose="020B0604020202020204" pitchFamily="34" charset="0"/>
+                <a:cs typeface="Arial" panose="020B0604020202020204" pitchFamily="34" charset="0"/>
+              </a:rPr>
+              <a:t>web browser)</a:t>
+            </a:r>
+            <a:r>
+              <a:rPr lang="he-IL" altLang="en-US" dirty="0">
+                <a:latin typeface="Arial" panose="020B0604020202020204" pitchFamily="34" charset="0"/>
+              </a:rPr>
+              <a:t>) מחכה לקבלת נתונים מהרשת (דף </a:t>
+            </a:r>
+            <a:r>
+              <a:rPr lang="en-US" altLang="en-US" dirty="0">
+                <a:latin typeface="Arial" panose="020B0604020202020204" pitchFamily="34" charset="0"/>
+                <a:cs typeface="Arial" panose="020B0604020202020204" pitchFamily="34" charset="0"/>
+              </a:rPr>
+              <a:t>web</a:t>
+            </a:r>
+            <a:r>
+              <a:rPr lang="he-IL" altLang="en-US" dirty="0">
+                <a:latin typeface="Arial" panose="020B0604020202020204" pitchFamily="34" charset="0"/>
+              </a:rPr>
+              <a:t>) אבל אפשר לקטוע את המתנתו על-ידי סגירת חלון היישום, שגורמת לשליחת אות לסיום התהליך.</a:t>
+            </a:r>
+          </a:p>
+          <a:p>
+            <a:pPr marL="731520" lvl="1" indent="-457200">
+              <a:lnSpc>
+                <a:spcPct val="90000"/>
+              </a:lnSpc>
+              <a:buFont typeface="+mj-lt"/>
+              <a:buAutoNum type="arabicPeriod" startAt="3"/>
+            </a:pPr>
+            <a:r>
+              <a:rPr lang="en-US" altLang="en-US" b="1" dirty="0">
+                <a:solidFill>
+                  <a:srgbClr val="0000FF"/>
+                </a:solidFill>
+              </a:rPr>
+              <a:t>TASK_UNINTERRUPTIBLE</a:t>
+            </a:r>
+            <a:r>
+              <a:rPr lang="he-IL" altLang="en-US" dirty="0"/>
+              <a:t> – המתנה "עמוקה"</a:t>
+            </a:r>
+          </a:p>
+          <a:p>
+            <a:pPr lvl="2">
+              <a:lnSpc>
+                <a:spcPct val="90000"/>
+              </a:lnSpc>
+            </a:pPr>
+            <a:r>
+              <a:rPr lang="he-IL" altLang="en-US" dirty="0"/>
+              <a:t>התהליך ממתין לאירוע כלשהו אך לא ניתן להפסיק את המתנת התהליך באמצעות שליחת סיגנל לתהליך.</a:t>
+            </a:r>
+          </a:p>
+          <a:p>
+            <a:pPr lvl="2">
+              <a:lnSpc>
+                <a:spcPct val="90000"/>
+              </a:lnSpc>
+            </a:pPr>
+            <a:r>
+              <a:rPr lang="he-IL" altLang="en-US" dirty="0"/>
+              <a:t>מצב המתנה נדיר.</a:t>
+            </a:r>
+          </a:p>
+          <a:p>
+            <a:pPr lvl="2">
+              <a:lnSpc>
+                <a:spcPct val="90000"/>
+              </a:lnSpc>
+            </a:pPr>
+            <a:r>
+              <a:rPr lang="he-IL" altLang="en-US" dirty="0"/>
+              <a:t>דוגמאות:</a:t>
+            </a:r>
+            <a:r>
+              <a:rPr lang="en-US" altLang="en-US" dirty="0"/>
+              <a:t> </a:t>
+            </a:r>
+            <a:r>
+              <a:rPr lang="he-IL" altLang="en-US" dirty="0"/>
+              <a:t>בשולי השקופית – דורשות חומר מתקדם בקורס. </a:t>
+            </a:r>
+          </a:p>
+          <a:p>
+            <a:pPr marL="617220" lvl="1" indent="-342900">
+              <a:lnSpc>
+                <a:spcPct val="90000"/>
+              </a:lnSpc>
+              <a:buFont typeface="+mj-lt"/>
+              <a:buAutoNum type="arabicPeriod" startAt="3"/>
+            </a:pPr>
+            <a:r>
+              <a:rPr lang="en-US" altLang="en-US" b="1" dirty="0">
+                <a:solidFill>
+                  <a:srgbClr val="0000FF"/>
+                </a:solidFill>
+              </a:rPr>
+              <a:t>TASK_STOPPED</a:t>
+            </a:r>
+            <a:r>
+              <a:rPr lang="he-IL" altLang="en-US" dirty="0"/>
+              <a:t> – ריצת התהליך נעצרה בצורה מבוקרת על-ידי תהליך אחר (בדרך-כלל </a:t>
+            </a:r>
+            <a:r>
+              <a:rPr lang="en-US" altLang="en-US" dirty="0"/>
+              <a:t>debugger</a:t>
+            </a:r>
+            <a:r>
+              <a:rPr lang="he-IL" altLang="en-US" dirty="0"/>
+              <a:t> או </a:t>
+            </a:r>
+            <a:r>
+              <a:rPr lang="en-US" altLang="en-US" dirty="0"/>
+              <a:t>tracer</a:t>
+            </a:r>
+            <a:r>
+              <a:rPr lang="he-IL" altLang="en-US" dirty="0"/>
+              <a:t>).</a:t>
+            </a:r>
+          </a:p>
+        </p:txBody>
+      </p:sp>
+      <p:sp>
+        <p:nvSpPr>
+          <p:cNvPr id="2" name="Footer Placeholder 1"/>
+          <p:cNvSpPr>
+            <a:spLocks noGrp="1"/>
+          </p:cNvSpPr>
+          <p:nvPr>
+            <p:ph type="ftr" sz="quarter" idx="11"/>
+          </p:nvPr>
+        </p:nvSpPr>
+        <p:spPr/>
+        <p:txBody>
+          <a:bodyPr/>
+          <a:lstStyle/>
+          <a:p>
+            <a:pPr algn="r"/>
+            <a:r>
+              <a:rPr lang="he-IL"/>
+              <a:t>מערכות הפעלה - תרגול 2</a:t>
+            </a:r>
+            <a:endParaRPr lang="en-US"/>
+          </a:p>
+        </p:txBody>
+      </p:sp>
+      <p:sp>
+        <p:nvSpPr>
+          <p:cNvPr id="3" name="Slide Number Placeholder 2"/>
+          <p:cNvSpPr>
+            <a:spLocks noGrp="1"/>
+          </p:cNvSpPr>
+          <p:nvPr>
+            <p:ph type="sldNum" sz="quarter" idx="12"/>
+          </p:nvPr>
+        </p:nvSpPr>
+        <p:spPr/>
+        <p:txBody>
+          <a:bodyPr/>
+          <a:lstStyle/>
+          <a:p>
+            <a:fld id="{0CFEC368-1D7A-4F81-ABF6-AE0E36BAF64C}" type="slidenum">
+              <a:rPr lang="en-US" smtClean="0"/>
+              <a:pPr/>
+              <a:t>43</a:t>
+            </a:fld>
+            <a:endParaRPr lang="en-US"/>
+          </a:p>
+        </p:txBody>
+      </p:sp>
+    </p:spTree>
+    <p:extLst>
+      <p:ext uri="{BB962C8B-B14F-4D97-AF65-F5344CB8AC3E}">
+        <p14:creationId xmlns:p14="http://schemas.microsoft.com/office/powerpoint/2010/main" val="1949735499"/>
+      </p:ext>
+    </p:extLst>
+  </p:cSld>
+  <p:clrMapOvr>
+    <a:masterClrMapping/>
+  </p:clrMapOvr>
+</p:sld>
+</file>
+
+<file path=ppt/slides/slide44.xml><?xml version="1.0" encoding="utf-8"?>
+<p:sld xmlns:a="http://schemas.openxmlformats.org/drawingml/2006/main" xmlns:r="http://schemas.openxmlformats.org/officeDocument/2006/relationships" xmlns:p="http://schemas.openxmlformats.org/presentationml/2006/main">
+  <p:cSld>
+    <p:spTree>
+      <p:nvGrpSpPr>
+        <p:cNvPr id="1" name=""/>
+        <p:cNvGrpSpPr/>
+        <p:nvPr/>
+      </p:nvGrpSpPr>
+      <p:grpSpPr>
+        <a:xfrm>
+          <a:off x="0" y="0"/>
+          <a:ext cx="0" cy="0"/>
+          <a:chOff x="0" y="0"/>
+          <a:chExt cx="0" cy="0"/>
+        </a:xfrm>
+      </p:grpSpPr>
+      <p:sp>
+        <p:nvSpPr>
           <p:cNvPr id="54275" name="Rectangle 2"/>
           <p:cNvSpPr>
             <a:spLocks noGrp="1" noChangeArrowheads="1"/>
@@ -41568,7 +41613,7 @@
         <p:spPr/>
         <p:txBody>
           <a:bodyPr>
-            <a:normAutofit/>
+            <a:normAutofit lnSpcReduction="10000"/>
           </a:bodyPr>
           <a:lstStyle/>
           <a:p>
@@ -41742,7 +41787,7 @@
             <a:fld id="{0CFEC368-1D7A-4F81-ABF6-AE0E36BAF64C}" type="slidenum">
               <a:rPr lang="en-US" smtClean="0"/>
               <a:pPr/>
-              <a:t>43</a:t>
+              <a:t>44</a:t>
             </a:fld>
             <a:endParaRPr lang="en-US"/>
           </a:p>
@@ -41890,243 +41935,6 @@
 </p:sld>
 </file>
 
-<file path=ppt/slides/slide44.xml><?xml version="1.0" encoding="utf-8"?>
-<p:sld xmlns:a="http://schemas.openxmlformats.org/drawingml/2006/main" xmlns:r="http://schemas.openxmlformats.org/officeDocument/2006/relationships" xmlns:p="http://schemas.openxmlformats.org/presentationml/2006/main">
-  <p:cSld>
-    <p:spTree>
-      <p:nvGrpSpPr>
-        <p:cNvPr id="1" name=""/>
-        <p:cNvGrpSpPr/>
-        <p:nvPr/>
-      </p:nvGrpSpPr>
-      <p:grpSpPr>
-        <a:xfrm>
-          <a:off x="0" y="0"/>
-          <a:ext cx="0" cy="0"/>
-          <a:chOff x="0" y="0"/>
-          <a:chExt cx="0" cy="0"/>
-        </a:xfrm>
-      </p:grpSpPr>
-      <p:sp>
-        <p:nvSpPr>
-          <p:cNvPr id="54275" name="Rectangle 2"/>
-          <p:cNvSpPr>
-            <a:spLocks noGrp="1" noChangeArrowheads="1"/>
-          </p:cNvSpPr>
-          <p:nvPr>
-            <p:ph type="title"/>
-          </p:nvPr>
-        </p:nvSpPr>
-        <p:spPr/>
-        <p:txBody>
-          <a:bodyPr/>
-          <a:lstStyle/>
-          <a:p>
-            <a:r>
-              <a:rPr lang="he-IL" altLang="en-US" dirty="0"/>
-              <a:t>פעולות על תור ריצה</a:t>
-            </a:r>
-            <a:endParaRPr lang="en-US" altLang="en-US" dirty="0"/>
-          </a:p>
-        </p:txBody>
-      </p:sp>
-      <p:sp>
-        <p:nvSpPr>
-          <p:cNvPr id="2" name="Content Placeholder 1">
-            <a:extLst>
-              <a:ext uri="{FF2B5EF4-FFF2-40B4-BE49-F238E27FC236}">
-                <a16:creationId xmlns:a16="http://schemas.microsoft.com/office/drawing/2014/main" id="{90F12F4E-C03A-4872-8C28-8335ACA03C11}"/>
-              </a:ext>
-            </a:extLst>
-          </p:cNvPr>
-          <p:cNvSpPr>
-            <a:spLocks noGrp="1"/>
-          </p:cNvSpPr>
-          <p:nvPr>
-            <p:ph idx="1"/>
-          </p:nvPr>
-        </p:nvSpPr>
-        <p:spPr/>
-        <p:txBody>
-          <a:bodyPr>
-            <a:normAutofit/>
-          </a:bodyPr>
-          <a:lstStyle/>
-          <a:p>
-            <a:r>
-              <a:rPr lang="he-IL" altLang="en-US" dirty="0"/>
-              <a:t>הפונקציות </a:t>
-            </a:r>
-            <a:r>
-              <a:rPr lang="en-US" altLang="en-US" dirty="0" err="1"/>
-              <a:t>activate_task</a:t>
-            </a:r>
-            <a:r>
-              <a:rPr lang="en-US" altLang="en-US" dirty="0"/>
-              <a:t>(), </a:t>
-            </a:r>
-            <a:r>
-              <a:rPr lang="en-US" altLang="en-US" dirty="0" err="1"/>
-              <a:t>deactivate_task</a:t>
-            </a:r>
-            <a:r>
-              <a:rPr lang="en-US" altLang="en-US" dirty="0"/>
-              <a:t>()</a:t>
-            </a:r>
-            <a:r>
-              <a:rPr lang="he-IL" altLang="en-US" dirty="0"/>
-              <a:t> מכניסות ומוציאות תהליך מתור ריצה, בהתאמה.</a:t>
-            </a:r>
-            <a:endParaRPr lang="en-US" altLang="en-US" dirty="0"/>
-          </a:p>
-          <a:p>
-            <a:endParaRPr lang="he-IL" altLang="en-US" dirty="0"/>
-          </a:p>
-          <a:p>
-            <a:r>
-              <a:rPr lang="he-IL" altLang="en-US" dirty="0"/>
-              <a:t>שימוש אפשרי לדוגמה: הפונקציה </a:t>
-            </a:r>
-            <a:r>
-              <a:rPr lang="en-US" altLang="en-US" dirty="0" err="1"/>
-              <a:t>wake_up_process</a:t>
-            </a:r>
-            <a:r>
-              <a:rPr lang="en-US" altLang="en-US" dirty="0"/>
-              <a:t>()</a:t>
-            </a:r>
-            <a:r>
-              <a:rPr lang="he-IL" altLang="en-US" dirty="0"/>
-              <a:t> הופכת תהליך ממתין (למשל במצב </a:t>
-            </a:r>
-            <a:r>
-              <a:rPr lang="en-US" altLang="en-US" dirty="0"/>
-              <a:t>TASK_INTERRUPTIBLE</a:t>
-            </a:r>
-            <a:r>
-              <a:rPr lang="he-IL" altLang="en-US" dirty="0"/>
-              <a:t>) למוכן לריצה (מצב </a:t>
-            </a:r>
-            <a:r>
-              <a:rPr lang="en-US" altLang="en-US" dirty="0"/>
-              <a:t>TASK_RUNNING</a:t>
-            </a:r>
-            <a:r>
-              <a:rPr lang="he-IL" altLang="en-US" dirty="0"/>
-              <a:t>):</a:t>
-            </a:r>
-          </a:p>
-          <a:p>
-            <a:pPr marL="457200" indent="-457200">
-              <a:buFont typeface="+mj-lt"/>
-              <a:buAutoNum type="arabicPeriod"/>
-            </a:pPr>
-            <a:r>
-              <a:rPr lang="he-IL" altLang="en-US" dirty="0"/>
-              <a:t>מוצאת את תור הריצה של המעבד הנוכחי.</a:t>
-            </a:r>
-          </a:p>
-          <a:p>
-            <a:pPr marL="457200" indent="-457200">
-              <a:buFont typeface="+mj-lt"/>
-              <a:buAutoNum type="arabicPeriod"/>
-            </a:pPr>
-            <a:r>
-              <a:rPr lang="he-IL" altLang="en-US" dirty="0"/>
-              <a:t>מוסיפה את התהליך לתור הריצה הזה באמצעות </a:t>
-            </a:r>
-            <a:r>
-              <a:rPr lang="en-US" altLang="en-US" dirty="0" err="1"/>
-              <a:t>activate_task</a:t>
-            </a:r>
-            <a:r>
-              <a:rPr lang="en-US" altLang="en-US" dirty="0"/>
-              <a:t>()</a:t>
-            </a:r>
-            <a:r>
-              <a:rPr lang="he-IL" altLang="en-US" dirty="0"/>
-              <a:t>.</a:t>
-            </a:r>
-          </a:p>
-          <a:p>
-            <a:pPr marL="457200" indent="-457200">
-              <a:buFont typeface="+mj-lt"/>
-              <a:buAutoNum type="arabicPeriod"/>
-            </a:pPr>
-            <a:r>
-              <a:rPr lang="he-IL" altLang="en-US" dirty="0"/>
-              <a:t>מסמנת צורך בהחלפת הקשר אם התהליך החדש בעדיפות גבוהה יותר מהתהליך שרץ כרגע על המעבד.</a:t>
-            </a:r>
-            <a:endParaRPr lang="en-US" altLang="en-US" dirty="0"/>
-          </a:p>
-          <a:p>
-            <a:endParaRPr lang="he-IL" altLang="en-US" dirty="0"/>
-          </a:p>
-          <a:p>
-            <a:endParaRPr lang="en-US" dirty="0"/>
-          </a:p>
-        </p:txBody>
-      </p:sp>
-      <p:sp>
-        <p:nvSpPr>
-          <p:cNvPr id="5" name="Footer Placeholder 4"/>
-          <p:cNvSpPr>
-            <a:spLocks noGrp="1"/>
-          </p:cNvSpPr>
-          <p:nvPr>
-            <p:ph type="ftr" sz="quarter" idx="11"/>
-          </p:nvPr>
-        </p:nvSpPr>
-        <p:spPr/>
-        <p:txBody>
-          <a:bodyPr/>
-          <a:lstStyle/>
-          <a:p>
-            <a:r>
-              <a:rPr lang="he-IL"/>
-              <a:t>מערכות הפעלה - תרגול 2</a:t>
-            </a:r>
-            <a:endParaRPr lang="en-US"/>
-          </a:p>
-        </p:txBody>
-      </p:sp>
-      <p:sp>
-        <p:nvSpPr>
-          <p:cNvPr id="6" name="Slide Number Placeholder 5"/>
-          <p:cNvSpPr>
-            <a:spLocks noGrp="1"/>
-          </p:cNvSpPr>
-          <p:nvPr>
-            <p:ph type="sldNum" sz="quarter" idx="12"/>
-          </p:nvPr>
-        </p:nvSpPr>
-        <p:spPr/>
-        <p:txBody>
-          <a:bodyPr/>
-          <a:lstStyle/>
-          <a:p>
-            <a:fld id="{0CFEC368-1D7A-4F81-ABF6-AE0E36BAF64C}" type="slidenum">
-              <a:rPr lang="en-US" smtClean="0"/>
-              <a:pPr/>
-              <a:t>44</a:t>
-            </a:fld>
-            <a:endParaRPr lang="en-US"/>
-          </a:p>
-        </p:txBody>
-      </p:sp>
-    </p:spTree>
-    <p:extLst>
-      <p:ext uri="{BB962C8B-B14F-4D97-AF65-F5344CB8AC3E}">
-        <p14:creationId xmlns:p14="http://schemas.microsoft.com/office/powerpoint/2010/main" val="3273174766"/>
-      </p:ext>
-    </p:extLst>
-  </p:cSld>
-  <p:clrMapOvr>
-    <a:masterClrMapping/>
-  </p:clrMapOvr>
-</p:sld>
-</file>
-
 <file path=ppt/slides/slide45.xml><?xml version="1.0" encoding="utf-8"?>
 <p:sld xmlns:a="http://schemas.openxmlformats.org/drawingml/2006/main" xmlns:r="http://schemas.openxmlformats.org/officeDocument/2006/relationships" xmlns:p="http://schemas.openxmlformats.org/presentationml/2006/main">
   <p:cSld>
@@ -42146,7 +41954,7 @@
       </p:grpSpPr>
       <p:sp>
         <p:nvSpPr>
-          <p:cNvPr id="56323" name="Rectangle 2"/>
+          <p:cNvPr id="54275" name="Rectangle 2"/>
           <p:cNvSpPr>
             <a:spLocks noGrp="1" noChangeArrowheads="1"/>
           </p:cNvSpPr>
@@ -42161,15 +41969,7 @@
           <a:p>
             <a:r>
               <a:rPr lang="he-IL" altLang="en-US" dirty="0"/>
-              <a:t>תור המתנה (</a:t>
-            </a:r>
-            <a:r>
-              <a:rPr lang="en-US" altLang="en-US" dirty="0"/>
-              <a:t>wait queue</a:t>
-            </a:r>
-            <a:r>
-              <a:rPr lang="he-IL" altLang="en-US" dirty="0"/>
-              <a:t>)</a:t>
+              <a:t>פעולות על תור ריצה</a:t>
             </a:r>
             <a:endParaRPr lang="en-US" altLang="en-US" dirty="0"/>
           </a:p>
@@ -42177,9 +41977,15 @@
       </p:sp>
       <p:sp>
         <p:nvSpPr>
-          <p:cNvPr id="56324" name="Rectangle 3"/>
-          <p:cNvSpPr>
-            <a:spLocks noGrp="1" noChangeArrowheads="1"/>
+          <p:cNvPr id="2" name="Content Placeholder 1">
+            <a:extLst>
+              <a:ext uri="{FF2B5EF4-FFF2-40B4-BE49-F238E27FC236}">
+                <a16:creationId xmlns:a16="http://schemas.microsoft.com/office/drawing/2014/main" id="{90F12F4E-C03A-4872-8C28-8335ACA03C11}"/>
+              </a:ext>
+            </a:extLst>
+          </p:cNvPr>
+          <p:cNvSpPr>
+            <a:spLocks noGrp="1"/>
           </p:cNvSpPr>
           <p:nvPr>
             <p:ph idx="1"/>
@@ -42194,7 +42000,49 @@
           <a:p>
             <a:r>
               <a:rPr lang="he-IL" altLang="en-US" dirty="0"/>
-              <a:t>תהליך שממתין לאירוע כלשהו (מצבים </a:t>
+              <a:t>הפונקציות </a:t>
+            </a:r>
+            <a:r>
+              <a:rPr lang="en-US" altLang="en-US" dirty="0" err="1"/>
+              <a:t>activate_task</a:t>
+            </a:r>
+            <a:r>
+              <a:rPr lang="en-US" altLang="en-US" dirty="0"/>
+              <a:t>(), </a:t>
+            </a:r>
+            <a:r>
+              <a:rPr lang="en-US" altLang="en-US" dirty="0" err="1"/>
+              <a:t>deactivate_task</a:t>
+            </a:r>
+            <a:r>
+              <a:rPr lang="en-US" altLang="en-US" dirty="0"/>
+              <a:t>()</a:t>
+            </a:r>
+            <a:r>
+              <a:rPr lang="he-IL" altLang="en-US" dirty="0"/>
+              <a:t> מכניסות ומוציאות תהליך מתור ריצה, בהתאמה.</a:t>
+            </a:r>
+            <a:endParaRPr lang="en-US" altLang="en-US" dirty="0"/>
+          </a:p>
+          <a:p>
+            <a:endParaRPr lang="he-IL" altLang="en-US" dirty="0"/>
+          </a:p>
+          <a:p>
+            <a:r>
+              <a:rPr lang="he-IL" altLang="en-US" dirty="0"/>
+              <a:t>שימוש אפשרי לדוגמה: הפונקציה </a:t>
+            </a:r>
+            <a:r>
+              <a:rPr lang="en-US" altLang="en-US" dirty="0" err="1"/>
+              <a:t>wake_up_process</a:t>
+            </a:r>
+            <a:r>
+              <a:rPr lang="en-US" altLang="en-US" dirty="0"/>
+              <a:t>()</a:t>
+            </a:r>
+            <a:r>
+              <a:rPr lang="he-IL" altLang="en-US" dirty="0"/>
+              <a:t> הופכת תהליך ממתין (למשל במצב </a:t>
             </a:r>
             <a:r>
               <a:rPr lang="en-US" altLang="en-US" dirty="0"/>
@@ -42202,81 +42050,65 @@
             </a:r>
             <a:r>
               <a:rPr lang="he-IL" altLang="en-US" dirty="0"/>
-              <a:t> או </a:t>
+              <a:t>) למוכן לריצה (מצב </a:t>
             </a:r>
             <a:r>
               <a:rPr lang="en-US" altLang="en-US" dirty="0"/>
-              <a:t>TASK_UNINTERRUPTIBLE</a:t>
+              <a:t>TASK_RUNNING</a:t>
             </a:r>
             <a:r>
               <a:rPr lang="he-IL" altLang="en-US" dirty="0"/>
-              <a:t>) נמצא </a:t>
-            </a:r>
-            <a:r>
-              <a:rPr lang="he-IL" altLang="en-US" b="1" dirty="0"/>
-              <a:t>בתור המתנה</a:t>
-            </a:r>
+              <a:t>):</a:t>
+            </a:r>
+          </a:p>
+          <a:p>
+            <a:pPr marL="457200" indent="-457200">
+              <a:buFont typeface="+mj-lt"/>
+              <a:buAutoNum type="arabicPeriod"/>
+            </a:pPr>
             <a:r>
               <a:rPr lang="he-IL" altLang="en-US" dirty="0"/>
-              <a:t> (ואינו נמצא באף תור ריצה).</a:t>
-            </a:r>
-          </a:p>
-          <a:p>
-            <a:pPr lvl="1"/>
+              <a:t>מוצאת את תור הריצה של המעבד הנוכחי.</a:t>
+            </a:r>
+          </a:p>
+          <a:p>
+            <a:pPr marL="457200" indent="-457200">
+              <a:buFont typeface="+mj-lt"/>
+              <a:buAutoNum type="arabicPeriod"/>
+            </a:pPr>
+            <a:r>
+              <a:rPr lang="he-IL" altLang="en-US" dirty="0"/>
+              <a:t>מוסיפה את התהליך לתור הריצה הזה באמצעות </a:t>
+            </a:r>
+            <a:r>
+              <a:rPr lang="en-US" altLang="en-US" dirty="0" err="1"/>
+              <a:t>activate_task</a:t>
+            </a:r>
+            <a:r>
+              <a:rPr lang="en-US" altLang="en-US" dirty="0"/>
+              <a:t>()</a:t>
+            </a:r>
+            <a:r>
+              <a:rPr lang="he-IL" altLang="en-US" dirty="0"/>
+              <a:t>.</a:t>
+            </a:r>
+          </a:p>
+          <a:p>
+            <a:pPr marL="457200" indent="-457200">
+              <a:buFont typeface="+mj-lt"/>
+              <a:buAutoNum type="arabicPeriod"/>
+            </a:pPr>
+            <a:r>
+              <a:rPr lang="he-IL" altLang="en-US" dirty="0"/>
+              <a:t>מסמנת צורך בהחלפת הקשר אם התהליך החדש בעדיפות גבוהה יותר מהתהליך שרץ כרגע על המעבד.</a:t>
+            </a:r>
+            <a:endParaRPr lang="en-US" altLang="en-US" dirty="0"/>
+          </a:p>
+          <a:p>
             <a:endParaRPr lang="he-IL" altLang="en-US" dirty="0"/>
           </a:p>
           <a:p>
-            <a:r>
-              <a:rPr lang="he-IL" altLang="en-US" dirty="0"/>
-              <a:t>לכל סוג אירוע יש תור המתנה נפרד, לדוגמה:</a:t>
-            </a:r>
-          </a:p>
-          <a:p>
-            <a:pPr lvl="1"/>
-            <a:r>
-              <a:rPr lang="he-IL" altLang="en-US" dirty="0"/>
-              <a:t>תור המתנה לכל סוג של פסיקת חומרה, למשל דיסק או שעון.</a:t>
-            </a:r>
-          </a:p>
-          <a:p>
-            <a:pPr lvl="1"/>
-            <a:r>
-              <a:rPr lang="he-IL" altLang="en-US" dirty="0"/>
-              <a:t>תור המתנה לכל משאב מערכת שיתפנה לשימוש. לדוגמה: ערוץ תקשורת שיתפנה כדי לשלוח דרכו נתונים.</a:t>
-            </a:r>
-          </a:p>
-          <a:p>
-            <a:pPr lvl="1"/>
-            <a:r>
-              <a:rPr lang="he-IL" altLang="en-US" dirty="0"/>
-              <a:t>תור המתנה לכל תהליך עבור סיום אחד הבנים שלו.</a:t>
-            </a:r>
-          </a:p>
-          <a:p>
-            <a:pPr lvl="1"/>
-            <a:endParaRPr lang="he-IL" altLang="en-US" dirty="0"/>
-          </a:p>
-          <a:p>
-            <a:r>
-              <a:rPr lang="he-IL" altLang="en-US" dirty="0"/>
-              <a:t>תהליך יכול לעבור לתור המתנה רק באמצעות קריאת מערכת חוסמת (למשל </a:t>
-            </a:r>
-            <a:r>
-              <a:rPr lang="en-US" altLang="en-US" dirty="0"/>
-              <a:t>read, wait, …</a:t>
-            </a:r>
-            <a:r>
-              <a:rPr lang="he-IL" altLang="en-US" dirty="0"/>
-              <a:t>) אשר מוותרת (</a:t>
-            </a:r>
-            <a:r>
-              <a:rPr lang="en-US" altLang="en-US" dirty="0"/>
-              <a:t>yield</a:t>
-            </a:r>
-            <a:r>
-              <a:rPr lang="he-IL" altLang="en-US" dirty="0"/>
-              <a:t>) על המעבד.</a:t>
-            </a:r>
+            <a:endParaRPr lang="en-US" dirty="0"/>
           </a:p>
         </p:txBody>
       </p:sp>
@@ -42322,6 +42154,219 @@
               <a:rPr lang="en-US" smtClean="0"/>
               <a:pPr/>
               <a:t>45</a:t>
+            </a:fld>
+            <a:endParaRPr lang="en-US"/>
+          </a:p>
+        </p:txBody>
+      </p:sp>
+    </p:spTree>
+    <p:extLst>
+      <p:ext uri="{BB962C8B-B14F-4D97-AF65-F5344CB8AC3E}">
+        <p14:creationId xmlns:p14="http://schemas.microsoft.com/office/powerpoint/2010/main" val="3273174766"/>
+      </p:ext>
+    </p:extLst>
+  </p:cSld>
+  <p:clrMapOvr>
+    <a:masterClrMapping/>
+  </p:clrMapOvr>
+</p:sld>
+</file>
+
+<file path=ppt/slides/slide46.xml><?xml version="1.0" encoding="utf-8"?>
+<p:sld xmlns:a="http://schemas.openxmlformats.org/drawingml/2006/main" xmlns:r="http://schemas.openxmlformats.org/officeDocument/2006/relationships" xmlns:p="http://schemas.openxmlformats.org/presentationml/2006/main">
+  <p:cSld>
+    <p:spTree>
+      <p:nvGrpSpPr>
+        <p:cNvPr id="1" name=""/>
+        <p:cNvGrpSpPr/>
+        <p:nvPr/>
+      </p:nvGrpSpPr>
+      <p:grpSpPr>
+        <a:xfrm>
+          <a:off x="0" y="0"/>
+          <a:ext cx="0" cy="0"/>
+          <a:chOff x="0" y="0"/>
+          <a:chExt cx="0" cy="0"/>
+        </a:xfrm>
+      </p:grpSpPr>
+      <p:sp>
+        <p:nvSpPr>
+          <p:cNvPr id="56323" name="Rectangle 2"/>
+          <p:cNvSpPr>
+            <a:spLocks noGrp="1" noChangeArrowheads="1"/>
+          </p:cNvSpPr>
+          <p:nvPr>
+            <p:ph type="title"/>
+          </p:nvPr>
+        </p:nvSpPr>
+        <p:spPr/>
+        <p:txBody>
+          <a:bodyPr/>
+          <a:lstStyle/>
+          <a:p>
+            <a:r>
+              <a:rPr lang="he-IL" altLang="en-US" dirty="0"/>
+              <a:t>תור המתנה (</a:t>
+            </a:r>
+            <a:r>
+              <a:rPr lang="en-US" altLang="en-US" dirty="0"/>
+              <a:t>wait queue</a:t>
+            </a:r>
+            <a:r>
+              <a:rPr lang="he-IL" altLang="en-US" dirty="0"/>
+              <a:t>)</a:t>
+            </a:r>
+            <a:endParaRPr lang="en-US" altLang="en-US" dirty="0"/>
+          </a:p>
+        </p:txBody>
+      </p:sp>
+      <p:sp>
+        <p:nvSpPr>
+          <p:cNvPr id="56324" name="Rectangle 3"/>
+          <p:cNvSpPr>
+            <a:spLocks noGrp="1" noChangeArrowheads="1"/>
+          </p:cNvSpPr>
+          <p:nvPr>
+            <p:ph idx="1"/>
+          </p:nvPr>
+        </p:nvSpPr>
+        <p:spPr/>
+        <p:txBody>
+          <a:bodyPr>
+            <a:normAutofit lnSpcReduction="10000"/>
+          </a:bodyPr>
+          <a:lstStyle/>
+          <a:p>
+            <a:r>
+              <a:rPr lang="he-IL" altLang="en-US" dirty="0"/>
+              <a:t>תהליך שממתין לאירוע כלשהו (מצבים </a:t>
+            </a:r>
+            <a:r>
+              <a:rPr lang="en-US" altLang="en-US" dirty="0"/>
+              <a:t>TASK_INTERRUPTIBLE</a:t>
+            </a:r>
+            <a:r>
+              <a:rPr lang="he-IL" altLang="en-US" dirty="0"/>
+              <a:t> או </a:t>
+            </a:r>
+            <a:r>
+              <a:rPr lang="en-US" altLang="en-US" dirty="0"/>
+              <a:t>TASK_UNINTERRUPTIBLE</a:t>
+            </a:r>
+            <a:r>
+              <a:rPr lang="he-IL" altLang="en-US" dirty="0"/>
+              <a:t>) נמצא </a:t>
+            </a:r>
+            <a:r>
+              <a:rPr lang="he-IL" altLang="en-US" b="1" dirty="0"/>
+              <a:t>בתור המתנה</a:t>
+            </a:r>
+            <a:r>
+              <a:rPr lang="he-IL" altLang="en-US" dirty="0"/>
+              <a:t> (ואינו נמצא באף תור ריצה).</a:t>
+            </a:r>
+          </a:p>
+          <a:p>
+            <a:pPr lvl="1"/>
+            <a:endParaRPr lang="he-IL" altLang="en-US" dirty="0"/>
+          </a:p>
+          <a:p>
+            <a:r>
+              <a:rPr lang="he-IL" altLang="en-US" dirty="0"/>
+              <a:t>לכל סוג אירוע יש תור המתנה נפרד, לדוגמה:</a:t>
+            </a:r>
+          </a:p>
+          <a:p>
+            <a:pPr lvl="1"/>
+            <a:r>
+              <a:rPr lang="he-IL" altLang="en-US" dirty="0"/>
+              <a:t>תור המתנה לכל סוג של פסיקת חומרה, למשל דיסק או שעון.</a:t>
+            </a:r>
+          </a:p>
+          <a:p>
+            <a:pPr lvl="1"/>
+            <a:r>
+              <a:rPr lang="he-IL" altLang="en-US" dirty="0"/>
+              <a:t>תור המתנה לכל משאב מערכת שיתפנה לשימוש. לדוגמה: ערוץ תקשורת שיתפנה כדי לשלוח דרכו נתונים.</a:t>
+            </a:r>
+          </a:p>
+          <a:p>
+            <a:pPr lvl="1"/>
+            <a:r>
+              <a:rPr lang="he-IL" altLang="en-US" dirty="0"/>
+              <a:t>תור המתנה לכל תהליך עבור סיום אחד הבנים שלו.</a:t>
+            </a:r>
+          </a:p>
+          <a:p>
+            <a:pPr lvl="1"/>
+            <a:endParaRPr lang="he-IL" altLang="en-US" dirty="0"/>
+          </a:p>
+          <a:p>
+            <a:r>
+              <a:rPr lang="he-IL" altLang="en-US" dirty="0"/>
+              <a:t>תהליך יכול לעבור לתור המתנה רק באמצעות קריאת מערכת חוסמת (למשל </a:t>
+            </a:r>
+            <a:r>
+              <a:rPr lang="en-US" altLang="en-US" dirty="0"/>
+              <a:t>read, wait, …</a:t>
+            </a:r>
+            <a:r>
+              <a:rPr lang="he-IL" altLang="en-US" dirty="0"/>
+              <a:t>) אשר מוותרת (</a:t>
+            </a:r>
+            <a:r>
+              <a:rPr lang="en-US" altLang="en-US" dirty="0"/>
+              <a:t>yield</a:t>
+            </a:r>
+            <a:r>
+              <a:rPr lang="he-IL" altLang="en-US" dirty="0"/>
+              <a:t>) על המעבד.</a:t>
+            </a:r>
+          </a:p>
+        </p:txBody>
+      </p:sp>
+      <p:sp>
+        <p:nvSpPr>
+          <p:cNvPr id="5" name="Footer Placeholder 4"/>
+          <p:cNvSpPr>
+            <a:spLocks noGrp="1"/>
+          </p:cNvSpPr>
+          <p:nvPr>
+            <p:ph type="ftr" sz="quarter" idx="11"/>
+          </p:nvPr>
+        </p:nvSpPr>
+        <p:spPr/>
+        <p:txBody>
+          <a:bodyPr/>
+          <a:lstStyle/>
+          <a:p>
+            <a:r>
+              <a:rPr lang="he-IL"/>
+              <a:t>מערכות הפעלה - תרגול 2</a:t>
+            </a:r>
+            <a:endParaRPr lang="en-US"/>
+          </a:p>
+        </p:txBody>
+      </p:sp>
+      <p:sp>
+        <p:nvSpPr>
+          <p:cNvPr id="6" name="Slide Number Placeholder 5"/>
+          <p:cNvSpPr>
+            <a:spLocks noGrp="1"/>
+          </p:cNvSpPr>
+          <p:nvPr>
+            <p:ph type="sldNum" sz="quarter" idx="12"/>
+          </p:nvPr>
+        </p:nvSpPr>
+        <p:spPr/>
+        <p:txBody>
+          <a:bodyPr/>
+          <a:lstStyle/>
+          <a:p>
+            <a:fld id="{0CFEC368-1D7A-4F81-ABF6-AE0E36BAF64C}" type="slidenum">
+              <a:rPr lang="en-US" smtClean="0"/>
+              <a:pPr/>
+              <a:t>46</a:t>
             </a:fld>
             <a:endParaRPr lang="en-US"/>
           </a:p>
@@ -42529,7 +42574,7 @@
         <p:spPr/>
         <p:txBody>
           <a:bodyPr>
-            <a:normAutofit/>
+            <a:normAutofit fontScale="92500"/>
           </a:bodyPr>
           <a:lstStyle/>
           <a:p>
